--- a/PPT/每次课PPT/12 IO（输入输出）-2.pptx
+++ b/PPT/每次课PPT/12 IO（输入输出）-2.pptx
@@ -5,10 +5,10 @@
     <p:sldMasterId id="2147483672" r:id="rId1"/>
   </p:sldMasterIdLst>
   <p:notesMasterIdLst>
-    <p:notesMasterId r:id="rId24"/>
+    <p:notesMasterId r:id="rId29"/>
   </p:notesMasterIdLst>
   <p:handoutMasterIdLst>
-    <p:handoutMasterId r:id="rId25"/>
+    <p:handoutMasterId r:id="rId30"/>
   </p:handoutMasterIdLst>
   <p:sldIdLst>
     <p:sldId id="642" r:id="rId2"/>
@@ -18,21 +18,26 @@
     <p:sldId id="753" r:id="rId6"/>
     <p:sldId id="768" r:id="rId7"/>
     <p:sldId id="769" r:id="rId8"/>
-    <p:sldId id="771" r:id="rId9"/>
-    <p:sldId id="772" r:id="rId10"/>
-    <p:sldId id="770" r:id="rId11"/>
-    <p:sldId id="718" r:id="rId12"/>
-    <p:sldId id="717" r:id="rId13"/>
-    <p:sldId id="754" r:id="rId14"/>
-    <p:sldId id="759" r:id="rId15"/>
-    <p:sldId id="738" r:id="rId16"/>
-    <p:sldId id="737" r:id="rId17"/>
-    <p:sldId id="755" r:id="rId18"/>
-    <p:sldId id="729" r:id="rId19"/>
-    <p:sldId id="715" r:id="rId20"/>
-    <p:sldId id="746" r:id="rId21"/>
-    <p:sldId id="765" r:id="rId22"/>
-    <p:sldId id="766" r:id="rId23"/>
+    <p:sldId id="773" r:id="rId9"/>
+    <p:sldId id="771" r:id="rId10"/>
+    <p:sldId id="772" r:id="rId11"/>
+    <p:sldId id="770" r:id="rId12"/>
+    <p:sldId id="718" r:id="rId13"/>
+    <p:sldId id="717" r:id="rId14"/>
+    <p:sldId id="754" r:id="rId15"/>
+    <p:sldId id="759" r:id="rId16"/>
+    <p:sldId id="738" r:id="rId17"/>
+    <p:sldId id="774" r:id="rId18"/>
+    <p:sldId id="775" r:id="rId19"/>
+    <p:sldId id="776" r:id="rId20"/>
+    <p:sldId id="777" r:id="rId21"/>
+    <p:sldId id="737" r:id="rId22"/>
+    <p:sldId id="755" r:id="rId23"/>
+    <p:sldId id="729" r:id="rId24"/>
+    <p:sldId id="715" r:id="rId25"/>
+    <p:sldId id="746" r:id="rId26"/>
+    <p:sldId id="765" r:id="rId27"/>
+    <p:sldId id="766" r:id="rId28"/>
   </p:sldIdLst>
   <p:sldSz cx="12196763" cy="6858000"/>
   <p:notesSz cx="7099300" cy="10234613"/>
@@ -252,7 +257,7 @@
             <a:fld id="{1AA66804-583B-42BE-962B-441699487C40}" type="datetimeFigureOut">
               <a:rPr lang="zh-CN" altLang="en-US" smtClean="0"/>
               <a:pPr/>
-              <a:t>2017/12/17</a:t>
+              <a:t>2018/12/17</a:t>
             </a:fld>
             <a:endParaRPr lang="zh-CN" altLang="en-US"/>
           </a:p>
@@ -496,7 +501,7 @@
             <a:fld id="{B9EEDA17-7CE7-49CA-897E-A1888A19DA62}" type="datetimeFigureOut">
               <a:rPr lang="zh-CN" altLang="en-US"/>
               <a:pPr/>
-              <a:t>2017/12/17</a:t>
+              <a:t>2018/12/17</a:t>
             </a:fld>
             <a:endParaRPr lang="en-US"/>
           </a:p>
@@ -2373,6 +2378,496 @@
               </a:rPr>
               <a:pPr/>
               <a:t>22</a:t>
+            </a:fld>
+            <a:endParaRPr lang="en-US">
+              <a:solidFill>
+                <a:prstClr val="black"/>
+              </a:solidFill>
+            </a:endParaRPr>
+          </a:p>
+        </p:txBody>
+      </p:sp>
+    </p:spTree>
+    <p:extLst>
+      <p:ext uri="{BB962C8B-B14F-4D97-AF65-F5344CB8AC3E}">
+        <p14:creationId xmlns:p14="http://schemas.microsoft.com/office/powerpoint/2010/main" val="2292324362"/>
+      </p:ext>
+    </p:extLst>
+  </p:cSld>
+  <p:clrMapOvr>
+    <a:masterClrMapping/>
+  </p:clrMapOvr>
+</p:notes>
+</file>
+
+<file path=ppt/notesSlides/notesSlide23.xml><?xml version="1.0" encoding="utf-8"?>
+<p:notes xmlns:a="http://schemas.openxmlformats.org/drawingml/2006/main" xmlns:r="http://schemas.openxmlformats.org/officeDocument/2006/relationships" xmlns:p="http://schemas.openxmlformats.org/presentationml/2006/main">
+  <p:cSld>
+    <p:spTree>
+      <p:nvGrpSpPr>
+        <p:cNvPr id="1" name=""/>
+        <p:cNvGrpSpPr/>
+        <p:nvPr/>
+      </p:nvGrpSpPr>
+      <p:grpSpPr>
+        <a:xfrm>
+          <a:off x="0" y="0"/>
+          <a:ext cx="0" cy="0"/>
+          <a:chOff x="0" y="0"/>
+          <a:chExt cx="0" cy="0"/>
+        </a:xfrm>
+      </p:grpSpPr>
+      <p:sp>
+        <p:nvSpPr>
+          <p:cNvPr id="2" name="幻灯片图像占位符 1"/>
+          <p:cNvSpPr>
+            <a:spLocks noGrp="1" noRot="1" noChangeAspect="1"/>
+          </p:cNvSpPr>
+          <p:nvPr>
+            <p:ph type="sldImg"/>
+          </p:nvPr>
+        </p:nvSpPr>
+        <p:spPr>
+          <a:xfrm>
+            <a:off x="138113" y="768350"/>
+            <a:ext cx="6823075" cy="3836988"/>
+          </a:xfrm>
+        </p:spPr>
+      </p:sp>
+      <p:sp>
+        <p:nvSpPr>
+          <p:cNvPr id="3" name="备注占位符 2"/>
+          <p:cNvSpPr>
+            <a:spLocks noGrp="1"/>
+          </p:cNvSpPr>
+          <p:nvPr>
+            <p:ph type="body" idx="1"/>
+          </p:nvPr>
+        </p:nvSpPr>
+        <p:spPr/>
+        <p:txBody>
+          <a:bodyPr/>
+          <a:lstStyle/>
+          <a:p>
+            <a:endParaRPr lang="zh-CN" altLang="en-US"/>
+          </a:p>
+        </p:txBody>
+      </p:sp>
+      <p:sp>
+        <p:nvSpPr>
+          <p:cNvPr id="4" name="灯片编号占位符 3"/>
+          <p:cNvSpPr>
+            <a:spLocks noGrp="1"/>
+          </p:cNvSpPr>
+          <p:nvPr>
+            <p:ph type="sldNum" sz="quarter" idx="10"/>
+          </p:nvPr>
+        </p:nvSpPr>
+        <p:spPr/>
+        <p:txBody>
+          <a:bodyPr/>
+          <a:lstStyle/>
+          <a:p>
+            <a:fld id="{CE1689F0-D8FB-450F-A36F-553F26501FEE}" type="slidenum">
+              <a:rPr lang="zh-CN" altLang="en-US" smtClean="0">
+                <a:solidFill>
+                  <a:prstClr val="black"/>
+                </a:solidFill>
+              </a:rPr>
+              <a:pPr/>
+              <a:t>23</a:t>
+            </a:fld>
+            <a:endParaRPr lang="en-US">
+              <a:solidFill>
+                <a:prstClr val="black"/>
+              </a:solidFill>
+            </a:endParaRPr>
+          </a:p>
+        </p:txBody>
+      </p:sp>
+    </p:spTree>
+    <p:extLst>
+      <p:ext uri="{BB962C8B-B14F-4D97-AF65-F5344CB8AC3E}">
+        <p14:creationId xmlns:p14="http://schemas.microsoft.com/office/powerpoint/2010/main" val="2292324362"/>
+      </p:ext>
+    </p:extLst>
+  </p:cSld>
+  <p:clrMapOvr>
+    <a:masterClrMapping/>
+  </p:clrMapOvr>
+</p:notes>
+</file>
+
+<file path=ppt/notesSlides/notesSlide24.xml><?xml version="1.0" encoding="utf-8"?>
+<p:notes xmlns:a="http://schemas.openxmlformats.org/drawingml/2006/main" xmlns:r="http://schemas.openxmlformats.org/officeDocument/2006/relationships" xmlns:p="http://schemas.openxmlformats.org/presentationml/2006/main">
+  <p:cSld>
+    <p:spTree>
+      <p:nvGrpSpPr>
+        <p:cNvPr id="1" name=""/>
+        <p:cNvGrpSpPr/>
+        <p:nvPr/>
+      </p:nvGrpSpPr>
+      <p:grpSpPr>
+        <a:xfrm>
+          <a:off x="0" y="0"/>
+          <a:ext cx="0" cy="0"/>
+          <a:chOff x="0" y="0"/>
+          <a:chExt cx="0" cy="0"/>
+        </a:xfrm>
+      </p:grpSpPr>
+      <p:sp>
+        <p:nvSpPr>
+          <p:cNvPr id="2" name="幻灯片图像占位符 1"/>
+          <p:cNvSpPr>
+            <a:spLocks noGrp="1" noRot="1" noChangeAspect="1"/>
+          </p:cNvSpPr>
+          <p:nvPr>
+            <p:ph type="sldImg"/>
+          </p:nvPr>
+        </p:nvSpPr>
+        <p:spPr>
+          <a:xfrm>
+            <a:off x="138113" y="768350"/>
+            <a:ext cx="6823075" cy="3836988"/>
+          </a:xfrm>
+        </p:spPr>
+      </p:sp>
+      <p:sp>
+        <p:nvSpPr>
+          <p:cNvPr id="3" name="备注占位符 2"/>
+          <p:cNvSpPr>
+            <a:spLocks noGrp="1"/>
+          </p:cNvSpPr>
+          <p:nvPr>
+            <p:ph type="body" idx="1"/>
+          </p:nvPr>
+        </p:nvSpPr>
+        <p:spPr/>
+        <p:txBody>
+          <a:bodyPr/>
+          <a:lstStyle/>
+          <a:p>
+            <a:endParaRPr lang="zh-CN" altLang="en-US"/>
+          </a:p>
+        </p:txBody>
+      </p:sp>
+      <p:sp>
+        <p:nvSpPr>
+          <p:cNvPr id="4" name="灯片编号占位符 3"/>
+          <p:cNvSpPr>
+            <a:spLocks noGrp="1"/>
+          </p:cNvSpPr>
+          <p:nvPr>
+            <p:ph type="sldNum" sz="quarter" idx="10"/>
+          </p:nvPr>
+        </p:nvSpPr>
+        <p:spPr/>
+        <p:txBody>
+          <a:bodyPr/>
+          <a:lstStyle/>
+          <a:p>
+            <a:fld id="{CE1689F0-D8FB-450F-A36F-553F26501FEE}" type="slidenum">
+              <a:rPr lang="zh-CN" altLang="en-US" smtClean="0">
+                <a:solidFill>
+                  <a:prstClr val="black"/>
+                </a:solidFill>
+              </a:rPr>
+              <a:pPr/>
+              <a:t>24</a:t>
+            </a:fld>
+            <a:endParaRPr lang="en-US">
+              <a:solidFill>
+                <a:prstClr val="black"/>
+              </a:solidFill>
+            </a:endParaRPr>
+          </a:p>
+        </p:txBody>
+      </p:sp>
+    </p:spTree>
+    <p:extLst>
+      <p:ext uri="{BB962C8B-B14F-4D97-AF65-F5344CB8AC3E}">
+        <p14:creationId xmlns:p14="http://schemas.microsoft.com/office/powerpoint/2010/main" val="2292324362"/>
+      </p:ext>
+    </p:extLst>
+  </p:cSld>
+  <p:clrMapOvr>
+    <a:masterClrMapping/>
+  </p:clrMapOvr>
+</p:notes>
+</file>
+
+<file path=ppt/notesSlides/notesSlide25.xml><?xml version="1.0" encoding="utf-8"?>
+<p:notes xmlns:a="http://schemas.openxmlformats.org/drawingml/2006/main" xmlns:r="http://schemas.openxmlformats.org/officeDocument/2006/relationships" xmlns:p="http://schemas.openxmlformats.org/presentationml/2006/main">
+  <p:cSld>
+    <p:spTree>
+      <p:nvGrpSpPr>
+        <p:cNvPr id="1" name=""/>
+        <p:cNvGrpSpPr/>
+        <p:nvPr/>
+      </p:nvGrpSpPr>
+      <p:grpSpPr>
+        <a:xfrm>
+          <a:off x="0" y="0"/>
+          <a:ext cx="0" cy="0"/>
+          <a:chOff x="0" y="0"/>
+          <a:chExt cx="0" cy="0"/>
+        </a:xfrm>
+      </p:grpSpPr>
+      <p:sp>
+        <p:nvSpPr>
+          <p:cNvPr id="2" name="幻灯片图像占位符 1"/>
+          <p:cNvSpPr>
+            <a:spLocks noGrp="1" noRot="1" noChangeAspect="1"/>
+          </p:cNvSpPr>
+          <p:nvPr>
+            <p:ph type="sldImg"/>
+          </p:nvPr>
+        </p:nvSpPr>
+        <p:spPr>
+          <a:xfrm>
+            <a:off x="138113" y="768350"/>
+            <a:ext cx="6823075" cy="3836988"/>
+          </a:xfrm>
+        </p:spPr>
+      </p:sp>
+      <p:sp>
+        <p:nvSpPr>
+          <p:cNvPr id="3" name="备注占位符 2"/>
+          <p:cNvSpPr>
+            <a:spLocks noGrp="1"/>
+          </p:cNvSpPr>
+          <p:nvPr>
+            <p:ph type="body" idx="1"/>
+          </p:nvPr>
+        </p:nvSpPr>
+        <p:spPr/>
+        <p:txBody>
+          <a:bodyPr/>
+          <a:lstStyle/>
+          <a:p>
+            <a:endParaRPr lang="zh-CN" altLang="en-US"/>
+          </a:p>
+        </p:txBody>
+      </p:sp>
+      <p:sp>
+        <p:nvSpPr>
+          <p:cNvPr id="4" name="灯片编号占位符 3"/>
+          <p:cNvSpPr>
+            <a:spLocks noGrp="1"/>
+          </p:cNvSpPr>
+          <p:nvPr>
+            <p:ph type="sldNum" sz="quarter" idx="10"/>
+          </p:nvPr>
+        </p:nvSpPr>
+        <p:spPr/>
+        <p:txBody>
+          <a:bodyPr/>
+          <a:lstStyle/>
+          <a:p>
+            <a:fld id="{CE1689F0-D8FB-450F-A36F-553F26501FEE}" type="slidenum">
+              <a:rPr lang="zh-CN" altLang="en-US" smtClean="0">
+                <a:solidFill>
+                  <a:prstClr val="black"/>
+                </a:solidFill>
+              </a:rPr>
+              <a:pPr/>
+              <a:t>25</a:t>
+            </a:fld>
+            <a:endParaRPr lang="en-US">
+              <a:solidFill>
+                <a:prstClr val="black"/>
+              </a:solidFill>
+            </a:endParaRPr>
+          </a:p>
+        </p:txBody>
+      </p:sp>
+    </p:spTree>
+    <p:extLst>
+      <p:ext uri="{BB962C8B-B14F-4D97-AF65-F5344CB8AC3E}">
+        <p14:creationId xmlns:p14="http://schemas.microsoft.com/office/powerpoint/2010/main" val="2292324362"/>
+      </p:ext>
+    </p:extLst>
+  </p:cSld>
+  <p:clrMapOvr>
+    <a:masterClrMapping/>
+  </p:clrMapOvr>
+</p:notes>
+</file>
+
+<file path=ppt/notesSlides/notesSlide26.xml><?xml version="1.0" encoding="utf-8"?>
+<p:notes xmlns:a="http://schemas.openxmlformats.org/drawingml/2006/main" xmlns:r="http://schemas.openxmlformats.org/officeDocument/2006/relationships" xmlns:p="http://schemas.openxmlformats.org/presentationml/2006/main">
+  <p:cSld>
+    <p:spTree>
+      <p:nvGrpSpPr>
+        <p:cNvPr id="1" name=""/>
+        <p:cNvGrpSpPr/>
+        <p:nvPr/>
+      </p:nvGrpSpPr>
+      <p:grpSpPr>
+        <a:xfrm>
+          <a:off x="0" y="0"/>
+          <a:ext cx="0" cy="0"/>
+          <a:chOff x="0" y="0"/>
+          <a:chExt cx="0" cy="0"/>
+        </a:xfrm>
+      </p:grpSpPr>
+      <p:sp>
+        <p:nvSpPr>
+          <p:cNvPr id="2" name="幻灯片图像占位符 1"/>
+          <p:cNvSpPr>
+            <a:spLocks noGrp="1" noRot="1" noChangeAspect="1"/>
+          </p:cNvSpPr>
+          <p:nvPr>
+            <p:ph type="sldImg"/>
+          </p:nvPr>
+        </p:nvSpPr>
+        <p:spPr>
+          <a:xfrm>
+            <a:off x="138113" y="768350"/>
+            <a:ext cx="6823075" cy="3836988"/>
+          </a:xfrm>
+        </p:spPr>
+      </p:sp>
+      <p:sp>
+        <p:nvSpPr>
+          <p:cNvPr id="3" name="备注占位符 2"/>
+          <p:cNvSpPr>
+            <a:spLocks noGrp="1"/>
+          </p:cNvSpPr>
+          <p:nvPr>
+            <p:ph type="body" idx="1"/>
+          </p:nvPr>
+        </p:nvSpPr>
+        <p:spPr/>
+        <p:txBody>
+          <a:bodyPr/>
+          <a:lstStyle/>
+          <a:p>
+            <a:endParaRPr lang="zh-CN" altLang="en-US"/>
+          </a:p>
+        </p:txBody>
+      </p:sp>
+      <p:sp>
+        <p:nvSpPr>
+          <p:cNvPr id="4" name="灯片编号占位符 3"/>
+          <p:cNvSpPr>
+            <a:spLocks noGrp="1"/>
+          </p:cNvSpPr>
+          <p:nvPr>
+            <p:ph type="sldNum" sz="quarter" idx="10"/>
+          </p:nvPr>
+        </p:nvSpPr>
+        <p:spPr/>
+        <p:txBody>
+          <a:bodyPr/>
+          <a:lstStyle/>
+          <a:p>
+            <a:fld id="{CE1689F0-D8FB-450F-A36F-553F26501FEE}" type="slidenum">
+              <a:rPr lang="zh-CN" altLang="en-US" smtClean="0">
+                <a:solidFill>
+                  <a:prstClr val="black"/>
+                </a:solidFill>
+              </a:rPr>
+              <a:pPr/>
+              <a:t>26</a:t>
+            </a:fld>
+            <a:endParaRPr lang="en-US">
+              <a:solidFill>
+                <a:prstClr val="black"/>
+              </a:solidFill>
+            </a:endParaRPr>
+          </a:p>
+        </p:txBody>
+      </p:sp>
+    </p:spTree>
+    <p:extLst>
+      <p:ext uri="{BB962C8B-B14F-4D97-AF65-F5344CB8AC3E}">
+        <p14:creationId xmlns:p14="http://schemas.microsoft.com/office/powerpoint/2010/main" val="2292324362"/>
+      </p:ext>
+    </p:extLst>
+  </p:cSld>
+  <p:clrMapOvr>
+    <a:masterClrMapping/>
+  </p:clrMapOvr>
+</p:notes>
+</file>
+
+<file path=ppt/notesSlides/notesSlide27.xml><?xml version="1.0" encoding="utf-8"?>
+<p:notes xmlns:a="http://schemas.openxmlformats.org/drawingml/2006/main" xmlns:r="http://schemas.openxmlformats.org/officeDocument/2006/relationships" xmlns:p="http://schemas.openxmlformats.org/presentationml/2006/main">
+  <p:cSld>
+    <p:spTree>
+      <p:nvGrpSpPr>
+        <p:cNvPr id="1" name=""/>
+        <p:cNvGrpSpPr/>
+        <p:nvPr/>
+      </p:nvGrpSpPr>
+      <p:grpSpPr>
+        <a:xfrm>
+          <a:off x="0" y="0"/>
+          <a:ext cx="0" cy="0"/>
+          <a:chOff x="0" y="0"/>
+          <a:chExt cx="0" cy="0"/>
+        </a:xfrm>
+      </p:grpSpPr>
+      <p:sp>
+        <p:nvSpPr>
+          <p:cNvPr id="2" name="幻灯片图像占位符 1"/>
+          <p:cNvSpPr>
+            <a:spLocks noGrp="1" noRot="1" noChangeAspect="1"/>
+          </p:cNvSpPr>
+          <p:nvPr>
+            <p:ph type="sldImg"/>
+          </p:nvPr>
+        </p:nvSpPr>
+        <p:spPr>
+          <a:xfrm>
+            <a:off x="138113" y="768350"/>
+            <a:ext cx="6823075" cy="3836988"/>
+          </a:xfrm>
+        </p:spPr>
+      </p:sp>
+      <p:sp>
+        <p:nvSpPr>
+          <p:cNvPr id="3" name="备注占位符 2"/>
+          <p:cNvSpPr>
+            <a:spLocks noGrp="1"/>
+          </p:cNvSpPr>
+          <p:nvPr>
+            <p:ph type="body" idx="1"/>
+          </p:nvPr>
+        </p:nvSpPr>
+        <p:spPr/>
+        <p:txBody>
+          <a:bodyPr/>
+          <a:lstStyle/>
+          <a:p>
+            <a:endParaRPr lang="zh-CN" altLang="en-US"/>
+          </a:p>
+        </p:txBody>
+      </p:sp>
+      <p:sp>
+        <p:nvSpPr>
+          <p:cNvPr id="4" name="灯片编号占位符 3"/>
+          <p:cNvSpPr>
+            <a:spLocks noGrp="1"/>
+          </p:cNvSpPr>
+          <p:nvPr>
+            <p:ph type="sldNum" sz="quarter" idx="10"/>
+          </p:nvPr>
+        </p:nvSpPr>
+        <p:spPr/>
+        <p:txBody>
+          <a:bodyPr/>
+          <a:lstStyle/>
+          <a:p>
+            <a:fld id="{CE1689F0-D8FB-450F-A36F-553F26501FEE}" type="slidenum">
+              <a:rPr lang="zh-CN" altLang="en-US" smtClean="0">
+                <a:solidFill>
+                  <a:prstClr val="black"/>
+                </a:solidFill>
+              </a:rPr>
+              <a:pPr/>
+              <a:t>27</a:t>
             </a:fld>
             <a:endParaRPr lang="en-US">
               <a:solidFill>
@@ -10176,14 +10671,57 @@
       </p:sp>
       <p:sp>
         <p:nvSpPr>
-          <p:cNvPr id="77" name="TextBox 76"/>
-          <p:cNvSpPr txBox="1"/>
+          <p:cNvPr id="27" name="矩形 26"/>
+          <p:cNvSpPr/>
+          <p:nvPr/>
+        </p:nvSpPr>
+        <p:spPr bwMode="auto">
+          <a:xfrm>
+            <a:off x="0" y="238581"/>
+            <a:ext cx="409749" cy="333328"/>
+          </a:xfrm>
+          <a:prstGeom prst="rect">
+            <a:avLst/>
+          </a:prstGeom>
+          <a:solidFill>
+            <a:schemeClr val="bg1"/>
+          </a:solidFill>
+          <a:ln w="9525" cap="flat" cmpd="sng" algn="ctr">
+            <a:noFill/>
+            <a:prstDash val="solid"/>
+            <a:round/>
+            <a:headEnd type="none" w="med" len="med"/>
+            <a:tailEnd type="none" w="med" len="med"/>
+          </a:ln>
+          <a:effectLst/>
+          <a:extLst/>
+        </p:spPr>
+        <p:txBody>
+          <a:bodyPr vert="horz" wrap="square" lIns="91440" tIns="45720" rIns="91440" bIns="45720" numCol="1" rtlCol="0" anchor="t" anchorCtr="0" compatLnSpc="1">
+            <a:prstTxWarp prst="textNoShape">
+              <a:avLst/>
+            </a:prstTxWarp>
+          </a:bodyPr>
+          <a:lstStyle/>
+          <a:p>
+            <a:endParaRPr lang="zh-CN" altLang="en-US" smtClean="0">
+              <a:solidFill>
+                <a:srgbClr val="C4261D"/>
+              </a:solidFill>
+            </a:endParaRPr>
+          </a:p>
+        </p:txBody>
+      </p:sp>
+      <p:sp>
+        <p:nvSpPr>
+          <p:cNvPr id="6" name="矩形 5"/>
+          <p:cNvSpPr/>
           <p:nvPr/>
         </p:nvSpPr>
         <p:spPr>
           <a:xfrm>
-            <a:off x="434670" y="174412"/>
-            <a:ext cx="3600666" cy="430887"/>
+            <a:off x="761459" y="3045060"/>
+            <a:ext cx="4006225" cy="646331"/>
           </a:xfrm>
           <a:prstGeom prst="rect">
             <a:avLst/>
@@ -10191,59 +10729,528 @@
           <a:noFill/>
         </p:spPr>
         <p:txBody>
-          <a:bodyPr wrap="none" rtlCol="0">
+          <a:bodyPr wrap="none" lIns="91440" tIns="45720" rIns="91440" bIns="45720">
             <a:spAutoFit/>
           </a:bodyPr>
           <a:lstStyle/>
           <a:p>
+            <a:pPr algn="ctr"/>
             <a:r>
-              <a:rPr lang="zh-CN" altLang="en-US" sz="2200" dirty="0">
+              <a:rPr lang="en-US" altLang="zh-CN" sz="3600" b="1" dirty="0" err="1" smtClean="0">
+                <a:ln w="12700">
+                  <a:solidFill>
+                    <a:srgbClr val="4D4D4D">
+                      <a:satMod val="155000"/>
+                    </a:srgbClr>
+                  </a:solidFill>
+                  <a:prstDash val="solid"/>
+                </a:ln>
                 <a:solidFill>
                   <a:srgbClr val="C2C1C1">
-                    <a:lumMod val="20000"/>
-                    <a:lumOff val="80000"/>
+                    <a:tint val="85000"/>
+                    <a:satMod val="155000"/>
                   </a:srgbClr>
                 </a:solidFill>
-                <a:latin typeface="微软雅黑"/>
-                <a:ea typeface="微软雅黑"/>
+                <a:effectLst>
+                  <a:outerShdw blurRad="41275" dist="20320" dir="1800000" algn="tl" rotWithShape="0">
+                    <a:srgbClr val="000000">
+                      <a:alpha val="40000"/>
+                    </a:srgbClr>
+                  </a:outerShdw>
+                </a:effectLst>
               </a:rPr>
-              <a:t>其他</a:t>
+              <a:t>CharArrayReader</a:t>
+            </a:r>
+            <a:endParaRPr lang="zh-CN" altLang="en-US" sz="3600" b="1" dirty="0">
+              <a:ln w="12700">
+                <a:solidFill>
+                  <a:srgbClr val="4D4D4D">
+                    <a:satMod val="155000"/>
+                  </a:srgbClr>
+                </a:solidFill>
+                <a:prstDash val="solid"/>
+              </a:ln>
+              <a:solidFill>
+                <a:srgbClr val="C2C1C1">
+                  <a:tint val="85000"/>
+                  <a:satMod val="155000"/>
+                </a:srgbClr>
+              </a:solidFill>
+              <a:effectLst>
+                <a:outerShdw blurRad="41275" dist="20320" dir="1800000" algn="tl" rotWithShape="0">
+                  <a:srgbClr val="000000">
+                    <a:alpha val="40000"/>
+                  </a:srgbClr>
+                </a:outerShdw>
+              </a:effectLst>
+            </a:endParaRPr>
+          </a:p>
+        </p:txBody>
+      </p:sp>
+      <p:sp>
+        <p:nvSpPr>
+          <p:cNvPr id="7" name="矩形 6"/>
+          <p:cNvSpPr/>
+          <p:nvPr/>
+        </p:nvSpPr>
+        <p:spPr>
+          <a:xfrm>
+            <a:off x="657905" y="971616"/>
+            <a:ext cx="10964861" cy="646331"/>
+          </a:xfrm>
+          <a:prstGeom prst="rect">
+            <a:avLst/>
+          </a:prstGeom>
+          <a:noFill/>
+        </p:spPr>
+        <p:txBody>
+          <a:bodyPr wrap="none" lIns="91440" tIns="45720" rIns="91440" bIns="45720">
+            <a:spAutoFit/>
+          </a:bodyPr>
+          <a:lstStyle/>
+          <a:p>
+            <a:pPr algn="ctr"/>
+            <a:r>
+              <a:rPr lang="zh-CN" altLang="en-US" sz="3600" b="1" smtClean="0">
+                <a:ln w="12700">
+                  <a:solidFill>
+                    <a:srgbClr val="4D4D4D">
+                      <a:satMod val="155000"/>
+                    </a:srgbClr>
+                  </a:solidFill>
+                  <a:prstDash val="solid"/>
+                </a:ln>
+                <a:solidFill>
+                  <a:srgbClr val="C2C1C1">
+                    <a:tint val="85000"/>
+                    <a:satMod val="155000"/>
+                  </a:srgbClr>
+                </a:solidFill>
+                <a:effectLst>
+                  <a:outerShdw blurRad="41275" dist="20320" dir="1800000" algn="tl" rotWithShape="0">
+                    <a:srgbClr val="000000">
+                      <a:alpha val="40000"/>
+                    </a:srgbClr>
+                  </a:outerShdw>
+                </a:effectLst>
+              </a:rPr>
+              <a:t>类似的还有：字符</a:t>
             </a:r>
             <a:r>
-              <a:rPr lang="en-US" altLang="zh-CN" sz="2200" dirty="0">
+              <a:rPr lang="zh-CN" altLang="en-US" sz="3600" b="1" dirty="0" smtClean="0">
+                <a:ln w="12700">
+                  <a:solidFill>
+                    <a:srgbClr val="4D4D4D">
+                      <a:satMod val="155000"/>
+                    </a:srgbClr>
+                  </a:solidFill>
+                  <a:prstDash val="solid"/>
+                </a:ln>
                 <a:solidFill>
                   <a:srgbClr val="C2C1C1">
-                    <a:lumMod val="20000"/>
-                    <a:lumOff val="80000"/>
+                    <a:tint val="85000"/>
+                    <a:satMod val="155000"/>
                   </a:srgbClr>
                 </a:solidFill>
-                <a:latin typeface="微软雅黑"/>
-                <a:ea typeface="微软雅黑"/>
+                <a:effectLst>
+                  <a:outerShdw blurRad="41275" dist="20320" dir="1800000" algn="tl" rotWithShape="0">
+                    <a:srgbClr val="000000">
+                      <a:alpha val="40000"/>
+                    </a:srgbClr>
+                  </a:outerShdw>
+                </a:effectLst>
               </a:rPr>
-              <a:t>IO</a:t>
+              <a:t>数组输入流与</a:t>
             </a:r>
             <a:r>
-              <a:rPr lang="zh-CN" altLang="en-US" sz="2200" dirty="0">
+              <a:rPr lang="zh-CN" altLang="en-US" sz="3600" b="1" dirty="0">
+                <a:ln w="12700">
+                  <a:solidFill>
+                    <a:srgbClr val="4D4D4D">
+                      <a:satMod val="155000"/>
+                    </a:srgbClr>
+                  </a:solidFill>
+                  <a:prstDash val="solid"/>
+                </a:ln>
                 <a:solidFill>
                   <a:srgbClr val="C2C1C1">
-                    <a:lumMod val="20000"/>
-                    <a:lumOff val="80000"/>
+                    <a:tint val="85000"/>
+                    <a:satMod val="155000"/>
                   </a:srgbClr>
                 </a:solidFill>
-                <a:latin typeface="微软雅黑"/>
-                <a:ea typeface="微软雅黑"/>
+                <a:effectLst>
+                  <a:outerShdw blurRad="41275" dist="20320" dir="1800000" algn="tl" rotWithShape="0">
+                    <a:srgbClr val="000000">
+                      <a:alpha val="40000"/>
+                    </a:srgbClr>
+                  </a:outerShdw>
+                </a:effectLst>
               </a:rPr>
-              <a:t>流及装饰模式的应用</a:t>
+              <a:t>字符</a:t>
             </a:r>
-            <a:endParaRPr lang="zh-CN" altLang="en-US" sz="2200" dirty="0" smtClean="0">
+            <a:r>
+              <a:rPr lang="zh-CN" altLang="en-US" sz="3600" b="1" dirty="0" smtClean="0">
+                <a:ln w="12700">
+                  <a:solidFill>
+                    <a:srgbClr val="4D4D4D">
+                      <a:satMod val="155000"/>
+                    </a:srgbClr>
+                  </a:solidFill>
+                  <a:prstDash val="solid"/>
+                </a:ln>
+                <a:solidFill>
+                  <a:srgbClr val="C2C1C1">
+                    <a:tint val="85000"/>
+                    <a:satMod val="155000"/>
+                  </a:srgbClr>
+                </a:solidFill>
+                <a:effectLst>
+                  <a:outerShdw blurRad="41275" dist="20320" dir="1800000" algn="tl" rotWithShape="0">
+                    <a:srgbClr val="000000">
+                      <a:alpha val="40000"/>
+                    </a:srgbClr>
+                  </a:outerShdw>
+                </a:effectLst>
+              </a:rPr>
+              <a:t>数组输出流</a:t>
+            </a:r>
+            <a:r>
+              <a:rPr lang="en-US" altLang="zh-CN" sz="3600" b="1" dirty="0" smtClean="0">
+                <a:ln w="12700">
+                  <a:solidFill>
+                    <a:srgbClr val="4D4D4D">
+                      <a:satMod val="155000"/>
+                    </a:srgbClr>
+                  </a:solidFill>
+                  <a:prstDash val="solid"/>
+                </a:ln>
+                <a:solidFill>
+                  <a:srgbClr val="C2C1C1">
+                    <a:tint val="85000"/>
+                    <a:satMod val="155000"/>
+                  </a:srgbClr>
+                </a:solidFill>
+                <a:effectLst>
+                  <a:outerShdw blurRad="41275" dist="20320" dir="1800000" algn="tl" rotWithShape="0">
+                    <a:srgbClr val="000000">
+                      <a:alpha val="40000"/>
+                    </a:srgbClr>
+                  </a:outerShdw>
+                </a:effectLst>
+              </a:rPr>
+              <a:t>p308</a:t>
+            </a:r>
+            <a:endParaRPr lang="zh-CN" altLang="en-US" sz="3600" b="1" dirty="0">
+              <a:ln w="12700">
+                <a:solidFill>
+                  <a:srgbClr val="4D4D4D">
+                    <a:satMod val="155000"/>
+                  </a:srgbClr>
+                </a:solidFill>
+                <a:prstDash val="solid"/>
+              </a:ln>
               <a:solidFill>
                 <a:srgbClr val="C2C1C1">
-                  <a:lumMod val="20000"/>
-                  <a:lumOff val="80000"/>
+                  <a:tint val="85000"/>
+                  <a:satMod val="155000"/>
                 </a:srgbClr>
               </a:solidFill>
-              <a:latin typeface="微软雅黑"/>
-              <a:ea typeface="微软雅黑"/>
+              <a:effectLst>
+                <a:outerShdw blurRad="41275" dist="20320" dir="1800000" algn="tl" rotWithShape="0">
+                  <a:srgbClr val="000000">
+                    <a:alpha val="40000"/>
+                  </a:srgbClr>
+                </a:outerShdw>
+              </a:effectLst>
+            </a:endParaRPr>
+          </a:p>
+        </p:txBody>
+      </p:sp>
+      <p:sp>
+        <p:nvSpPr>
+          <p:cNvPr id="8" name="矩形 7"/>
+          <p:cNvSpPr/>
+          <p:nvPr/>
+        </p:nvSpPr>
+        <p:spPr>
+          <a:xfrm>
+            <a:off x="7385423" y="3017891"/>
+            <a:ext cx="3767058" cy="646331"/>
+          </a:xfrm>
+          <a:prstGeom prst="rect">
+            <a:avLst/>
+          </a:prstGeom>
+          <a:noFill/>
+        </p:spPr>
+        <p:txBody>
+          <a:bodyPr wrap="none" lIns="91440" tIns="45720" rIns="91440" bIns="45720">
+            <a:spAutoFit/>
+          </a:bodyPr>
+          <a:lstStyle/>
+          <a:p>
+            <a:pPr algn="ctr"/>
+            <a:r>
+              <a:rPr lang="en-US" altLang="zh-CN" sz="3600" b="1" dirty="0" err="1" smtClean="0">
+                <a:ln w="12700">
+                  <a:solidFill>
+                    <a:srgbClr val="4D4D4D">
+                      <a:satMod val="155000"/>
+                    </a:srgbClr>
+                  </a:solidFill>
+                  <a:prstDash val="solid"/>
+                </a:ln>
+                <a:solidFill>
+                  <a:srgbClr val="C2C1C1">
+                    <a:tint val="85000"/>
+                    <a:satMod val="155000"/>
+                  </a:srgbClr>
+                </a:solidFill>
+                <a:effectLst>
+                  <a:outerShdw blurRad="41275" dist="20320" dir="1800000" algn="tl" rotWithShape="0">
+                    <a:srgbClr val="000000">
+                      <a:alpha val="40000"/>
+                    </a:srgbClr>
+                  </a:outerShdw>
+                </a:effectLst>
+              </a:rPr>
+              <a:t>CharArrayWriter</a:t>
+            </a:r>
+            <a:endParaRPr lang="zh-CN" altLang="en-US" sz="3600" b="1" dirty="0">
+              <a:ln w="12700">
+                <a:solidFill>
+                  <a:srgbClr val="4D4D4D">
+                    <a:satMod val="155000"/>
+                  </a:srgbClr>
+                </a:solidFill>
+                <a:prstDash val="solid"/>
+              </a:ln>
+              <a:solidFill>
+                <a:srgbClr val="C2C1C1">
+                  <a:tint val="85000"/>
+                  <a:satMod val="155000"/>
+                </a:srgbClr>
+              </a:solidFill>
+              <a:effectLst>
+                <a:outerShdw blurRad="41275" dist="20320" dir="1800000" algn="tl" rotWithShape="0">
+                  <a:srgbClr val="000000">
+                    <a:alpha val="40000"/>
+                  </a:srgbClr>
+                </a:outerShdw>
+              </a:effectLst>
+            </a:endParaRPr>
+          </a:p>
+        </p:txBody>
+      </p:sp>
+    </p:spTree>
+    <p:extLst>
+      <p:ext uri="{BB962C8B-B14F-4D97-AF65-F5344CB8AC3E}">
+        <p14:creationId xmlns:p14="http://schemas.microsoft.com/office/powerpoint/2010/main" val="2816436049"/>
+      </p:ext>
+    </p:extLst>
+  </p:cSld>
+  <p:clrMapOvr>
+    <a:masterClrMapping/>
+  </p:clrMapOvr>
+  <p:transition spd="slow" advTm="7876">
+    <p:wipe/>
+  </p:transition>
+  <p:timing>
+    <p:tnLst>
+      <p:par>
+        <p:cTn id="1" dur="indefinite" restart="never" nodeType="tmRoot">
+          <p:childTnLst>
+            <p:seq concurrent="1" nextAc="seek">
+              <p:cTn id="2" dur="indefinite" nodeType="mainSeq">
+                <p:childTnLst>
+                  <p:par>
+                    <p:cTn id="3" fill="hold">
+                      <p:stCondLst>
+                        <p:cond delay="indefinite"/>
+                        <p:cond evt="onBegin" delay="0">
+                          <p:tn val="2"/>
+                        </p:cond>
+                      </p:stCondLst>
+                      <p:childTnLst>
+                        <p:par>
+                          <p:cTn id="4" fill="hold">
+                            <p:stCondLst>
+                              <p:cond delay="0"/>
+                            </p:stCondLst>
+                            <p:childTnLst>
+                              <p:par>
+                                <p:cTn id="5" presetID="2" presetClass="entr" presetSubtype="8" fill="hold" grpId="0" nodeType="afterEffect">
+                                  <p:stCondLst>
+                                    <p:cond delay="0"/>
+                                  </p:stCondLst>
+                                  <p:childTnLst>
+                                    <p:set>
+                                      <p:cBhvr>
+                                        <p:cTn id="6" dur="1" fill="hold">
+                                          <p:stCondLst>
+                                            <p:cond delay="0"/>
+                                          </p:stCondLst>
+                                        </p:cTn>
+                                        <p:tgtEl>
+                                          <p:spTgt spid="27"/>
+                                        </p:tgtEl>
+                                        <p:attrNameLst>
+                                          <p:attrName>style.visibility</p:attrName>
+                                        </p:attrNameLst>
+                                      </p:cBhvr>
+                                      <p:to>
+                                        <p:strVal val="visible"/>
+                                      </p:to>
+                                    </p:set>
+                                    <p:anim calcmode="lin" valueType="num">
+                                      <p:cBhvr additive="base">
+                                        <p:cTn id="7" dur="300" fill="hold"/>
+                                        <p:tgtEl>
+                                          <p:spTgt spid="27"/>
+                                        </p:tgtEl>
+                                        <p:attrNameLst>
+                                          <p:attrName>ppt_x</p:attrName>
+                                        </p:attrNameLst>
+                                      </p:cBhvr>
+                                      <p:tavLst>
+                                        <p:tav tm="0">
+                                          <p:val>
+                                            <p:strVal val="0-#ppt_w/2"/>
+                                          </p:val>
+                                        </p:tav>
+                                        <p:tav tm="100000">
+                                          <p:val>
+                                            <p:strVal val="#ppt_x"/>
+                                          </p:val>
+                                        </p:tav>
+                                      </p:tavLst>
+                                    </p:anim>
+                                    <p:anim calcmode="lin" valueType="num">
+                                      <p:cBhvr additive="base">
+                                        <p:cTn id="8" dur="300" fill="hold"/>
+                                        <p:tgtEl>
+                                          <p:spTgt spid="27"/>
+                                        </p:tgtEl>
+                                        <p:attrNameLst>
+                                          <p:attrName>ppt_y</p:attrName>
+                                        </p:attrNameLst>
+                                      </p:cBhvr>
+                                      <p:tavLst>
+                                        <p:tav tm="0">
+                                          <p:val>
+                                            <p:strVal val="#ppt_y"/>
+                                          </p:val>
+                                        </p:tav>
+                                        <p:tav tm="100000">
+                                          <p:val>
+                                            <p:strVal val="#ppt_y"/>
+                                          </p:val>
+                                        </p:tav>
+                                      </p:tavLst>
+                                    </p:anim>
+                                  </p:childTnLst>
+                                </p:cTn>
+                              </p:par>
+                            </p:childTnLst>
+                          </p:cTn>
+                        </p:par>
+                      </p:childTnLst>
+                    </p:cTn>
+                  </p:par>
+                </p:childTnLst>
+              </p:cTn>
+              <p:prevCondLst>
+                <p:cond evt="onPrev" delay="0">
+                  <p:tgtEl>
+                    <p:sldTgt/>
+                  </p:tgtEl>
+                </p:cond>
+              </p:prevCondLst>
+              <p:nextCondLst>
+                <p:cond evt="onNext" delay="0">
+                  <p:tgtEl>
+                    <p:sldTgt/>
+                  </p:tgtEl>
+                </p:cond>
+              </p:nextCondLst>
+            </p:seq>
+          </p:childTnLst>
+        </p:cTn>
+      </p:par>
+    </p:tnLst>
+    <p:bldLst>
+      <p:bldP spid="27" grpId="0" animBg="1"/>
+    </p:bldLst>
+  </p:timing>
+</p:sld>
+</file>
+
+<file path=ppt/slides/slide11.xml><?xml version="1.0" encoding="utf-8"?>
+<p:sld xmlns:a="http://schemas.openxmlformats.org/drawingml/2006/main" xmlns:r="http://schemas.openxmlformats.org/officeDocument/2006/relationships" xmlns:p="http://schemas.openxmlformats.org/presentationml/2006/main">
+  <p:cSld>
+    <p:bg>
+      <p:bgPr>
+        <a:solidFill>
+          <a:srgbClr val="AF2019"/>
+        </a:solidFill>
+        <a:effectLst/>
+      </p:bgPr>
+    </p:bg>
+    <p:spTree>
+      <p:nvGrpSpPr>
+        <p:cNvPr id="1" name=""/>
+        <p:cNvGrpSpPr/>
+        <p:nvPr/>
+      </p:nvGrpSpPr>
+      <p:grpSpPr>
+        <a:xfrm>
+          <a:off x="0" y="0"/>
+          <a:ext cx="0" cy="0"/>
+          <a:chOff x="0" y="0"/>
+          <a:chExt cx="0" cy="0"/>
+        </a:xfrm>
+      </p:grpSpPr>
+      <p:sp>
+        <p:nvSpPr>
+          <p:cNvPr id="22" name="矩形 21"/>
+          <p:cNvSpPr/>
+          <p:nvPr/>
+        </p:nvSpPr>
+        <p:spPr bwMode="auto">
+          <a:xfrm>
+            <a:off x="0" y="666517"/>
+            <a:ext cx="12196763" cy="6002843"/>
+          </a:xfrm>
+          <a:prstGeom prst="rect">
+            <a:avLst/>
+          </a:prstGeom>
+          <a:solidFill>
+            <a:schemeClr val="bg2">
+              <a:lumMod val="20000"/>
+              <a:lumOff val="80000"/>
+            </a:schemeClr>
+          </a:solidFill>
+          <a:ln w="9525" cap="flat" cmpd="sng" algn="ctr">
+            <a:noFill/>
+            <a:prstDash val="solid"/>
+            <a:round/>
+            <a:headEnd type="none" w="med" len="med"/>
+            <a:tailEnd type="none" w="med" len="med"/>
+          </a:ln>
+          <a:effectLst/>
+          <a:extLst/>
+        </p:spPr>
+        <p:txBody>
+          <a:bodyPr vert="horz" wrap="square" lIns="91440" tIns="45720" rIns="91440" bIns="45720" numCol="1" rtlCol="0" anchor="t" anchorCtr="0" compatLnSpc="1">
+            <a:prstTxWarp prst="textNoShape">
+              <a:avLst/>
+            </a:prstTxWarp>
+          </a:bodyPr>
+          <a:lstStyle/>
+          <a:p>
+            <a:endParaRPr lang="zh-CN" altLang="en-US" dirty="0" smtClean="0">
+              <a:solidFill>
+                <a:srgbClr val="C4261D"/>
+              </a:solidFill>
             </a:endParaRPr>
           </a:p>
         </p:txBody>
@@ -10374,8 +11381,8 @@
         </p:nvSpPr>
         <p:spPr>
           <a:xfrm>
-            <a:off x="4827312" y="971616"/>
-            <a:ext cx="2626040" cy="646331"/>
+            <a:off x="4763192" y="971616"/>
+            <a:ext cx="2754280" cy="646331"/>
           </a:xfrm>
           <a:prstGeom prst="rect">
             <a:avLst/>
@@ -10390,7 +11397,7 @@
           <a:p>
             <a:pPr algn="ctr"/>
             <a:r>
-              <a:rPr lang="zh-CN" altLang="en-US" sz="3600" b="1" dirty="0">
+              <a:rPr lang="zh-CN" altLang="en-US" sz="3600" b="1">
                 <a:ln w="12700">
                   <a:solidFill>
                     <a:srgbClr val="4D4D4D">
@@ -10416,7 +11423,7 @@
               <a:t>打印</a:t>
             </a:r>
             <a:r>
-              <a:rPr lang="zh-CN" altLang="en-US" sz="3600" b="1" dirty="0" smtClean="0">
+              <a:rPr lang="zh-CN" altLang="en-US" sz="3600" b="1" smtClean="0">
                 <a:ln w="12700">
                   <a:solidFill>
                     <a:srgbClr val="4D4D4D">
@@ -10439,10 +11446,10 @@
                   </a:outerShdw>
                 </a:effectLst>
               </a:rPr>
-              <a:t>流</a:t>
+              <a:t>流 </a:t>
             </a:r>
             <a:r>
-              <a:rPr lang="en-US" altLang="zh-CN" sz="3600" b="1" dirty="0" smtClean="0">
+              <a:rPr lang="en-US" altLang="zh-CN" sz="3600" b="1" smtClean="0">
                 <a:ln w="12700">
                   <a:solidFill>
                     <a:srgbClr val="4D4D4D">
@@ -10680,160 +11687,6 @@
                             </p:childTnLst>
                           </p:cTn>
                         </p:par>
-                        <p:par>
-                          <p:cTn id="9" fill="hold">
-                            <p:stCondLst>
-                              <p:cond delay="300"/>
-                            </p:stCondLst>
-                            <p:childTnLst>
-                              <p:par>
-                                <p:cTn id="10" presetID="41" presetClass="entr" presetSubtype="0" fill="hold" grpId="0" nodeType="afterEffect">
-                                  <p:stCondLst>
-                                    <p:cond delay="0"/>
-                                  </p:stCondLst>
-                                  <p:iterate type="lt">
-                                    <p:tmPct val="10000"/>
-                                  </p:iterate>
-                                  <p:childTnLst>
-                                    <p:set>
-                                      <p:cBhvr>
-                                        <p:cTn id="11" dur="1" fill="hold">
-                                          <p:stCondLst>
-                                            <p:cond delay="0"/>
-                                          </p:stCondLst>
-                                        </p:cTn>
-                                        <p:tgtEl>
-                                          <p:spTgt spid="77"/>
-                                        </p:tgtEl>
-                                        <p:attrNameLst>
-                                          <p:attrName>style.visibility</p:attrName>
-                                        </p:attrNameLst>
-                                      </p:cBhvr>
-                                      <p:to>
-                                        <p:strVal val="visible"/>
-                                      </p:to>
-                                    </p:set>
-                                    <p:anim calcmode="lin" valueType="num">
-                                      <p:cBhvr>
-                                        <p:cTn id="12" dur="400" fill="hold"/>
-                                        <p:tgtEl>
-                                          <p:spTgt spid="77"/>
-                                        </p:tgtEl>
-                                        <p:attrNameLst>
-                                          <p:attrName>ppt_x</p:attrName>
-                                        </p:attrNameLst>
-                                      </p:cBhvr>
-                                      <p:tavLst>
-                                        <p:tav tm="0">
-                                          <p:val>
-                                            <p:strVal val="#ppt_x"/>
-                                          </p:val>
-                                        </p:tav>
-                                        <p:tav tm="50000">
-                                          <p:val>
-                                            <p:strVal val="#ppt_x+.1"/>
-                                          </p:val>
-                                        </p:tav>
-                                        <p:tav tm="100000">
-                                          <p:val>
-                                            <p:strVal val="#ppt_x"/>
-                                          </p:val>
-                                        </p:tav>
-                                      </p:tavLst>
-                                    </p:anim>
-                                    <p:anim calcmode="lin" valueType="num">
-                                      <p:cBhvr>
-                                        <p:cTn id="13" dur="400" fill="hold"/>
-                                        <p:tgtEl>
-                                          <p:spTgt spid="77"/>
-                                        </p:tgtEl>
-                                        <p:attrNameLst>
-                                          <p:attrName>ppt_y</p:attrName>
-                                        </p:attrNameLst>
-                                      </p:cBhvr>
-                                      <p:tavLst>
-                                        <p:tav tm="0">
-                                          <p:val>
-                                            <p:strVal val="#ppt_y"/>
-                                          </p:val>
-                                        </p:tav>
-                                        <p:tav tm="100000">
-                                          <p:val>
-                                            <p:strVal val="#ppt_y"/>
-                                          </p:val>
-                                        </p:tav>
-                                      </p:tavLst>
-                                    </p:anim>
-                                    <p:anim calcmode="lin" valueType="num">
-                                      <p:cBhvr>
-                                        <p:cTn id="14" dur="400" fill="hold"/>
-                                        <p:tgtEl>
-                                          <p:spTgt spid="77"/>
-                                        </p:tgtEl>
-                                        <p:attrNameLst>
-                                          <p:attrName>ppt_h</p:attrName>
-                                        </p:attrNameLst>
-                                      </p:cBhvr>
-                                      <p:tavLst>
-                                        <p:tav tm="0">
-                                          <p:val>
-                                            <p:strVal val="#ppt_h/10"/>
-                                          </p:val>
-                                        </p:tav>
-                                        <p:tav tm="50000">
-                                          <p:val>
-                                            <p:strVal val="#ppt_h+.01"/>
-                                          </p:val>
-                                        </p:tav>
-                                        <p:tav tm="100000">
-                                          <p:val>
-                                            <p:strVal val="#ppt_h"/>
-                                          </p:val>
-                                        </p:tav>
-                                      </p:tavLst>
-                                    </p:anim>
-                                    <p:anim calcmode="lin" valueType="num">
-                                      <p:cBhvr>
-                                        <p:cTn id="15" dur="400" fill="hold"/>
-                                        <p:tgtEl>
-                                          <p:spTgt spid="77"/>
-                                        </p:tgtEl>
-                                        <p:attrNameLst>
-                                          <p:attrName>ppt_w</p:attrName>
-                                        </p:attrNameLst>
-                                      </p:cBhvr>
-                                      <p:tavLst>
-                                        <p:tav tm="0">
-                                          <p:val>
-                                            <p:strVal val="#ppt_w/10"/>
-                                          </p:val>
-                                        </p:tav>
-                                        <p:tav tm="50000">
-                                          <p:val>
-                                            <p:strVal val="#ppt_w+.01"/>
-                                          </p:val>
-                                        </p:tav>
-                                        <p:tav tm="100000">
-                                          <p:val>
-                                            <p:strVal val="#ppt_w"/>
-                                          </p:val>
-                                        </p:tav>
-                                      </p:tavLst>
-                                    </p:anim>
-                                    <p:animEffect transition="in" filter="fade">
-                                      <p:cBhvr>
-                                        <p:cTn id="16" dur="400" tmFilter="0,0; .5, 1; 1, 1"/>
-                                        <p:tgtEl>
-                                          <p:spTgt spid="77"/>
-                                        </p:tgtEl>
-                                      </p:cBhvr>
-                                    </p:animEffect>
-                                  </p:childTnLst>
-                                </p:cTn>
-                              </p:par>
-                            </p:childTnLst>
-                          </p:cTn>
-                        </p:par>
                       </p:childTnLst>
                     </p:cTn>
                   </p:par>
@@ -10859,14 +11712,13 @@
       </p:par>
     </p:tnLst>
     <p:bldLst>
-      <p:bldP spid="77" grpId="0"/>
       <p:bldP spid="27" grpId="0" animBg="1"/>
     </p:bldLst>
   </p:timing>
 </p:sld>
 </file>
 
-<file path=ppt/slides/slide11.xml><?xml version="1.0" encoding="utf-8"?>
+<file path=ppt/slides/slide12.xml><?xml version="1.0" encoding="utf-8"?>
 <p:sld xmlns:a="http://schemas.openxmlformats.org/drawingml/2006/main" xmlns:r="http://schemas.openxmlformats.org/officeDocument/2006/relationships" xmlns:p="http://schemas.openxmlformats.org/presentationml/2006/main">
   <p:cSld>
     <p:bg>
@@ -12001,7 +12853,7 @@
 </p:sld>
 </file>
 
-<file path=ppt/slides/slide12.xml><?xml version="1.0" encoding="utf-8"?>
+<file path=ppt/slides/slide13.xml><?xml version="1.0" encoding="utf-8"?>
 <p:sld xmlns:a="http://schemas.openxmlformats.org/drawingml/2006/main" xmlns:r="http://schemas.openxmlformats.org/officeDocument/2006/relationships" xmlns:p="http://schemas.openxmlformats.org/presentationml/2006/main">
   <p:cSld>
     <p:bg>
@@ -12171,16 +13023,63 @@
               </a:rPr>
               <a:t>p304</a:t>
             </a:r>
-            <a:endParaRPr lang="en-US" altLang="zh-CN" sz="4000" dirty="0" smtClean="0">
-              <a:solidFill>
-                <a:srgbClr val="F8F8F8"/>
-              </a:solidFill>
-              <a:latin typeface="微软雅黑"/>
-              <a:ea typeface="微软雅黑"/>
-            </a:endParaRPr>
           </a:p>
         </p:txBody>
       </p:sp>
+      <p:pic>
+        <p:nvPicPr>
+          <p:cNvPr id="6146" name="Picture 2"/>
+          <p:cNvPicPr>
+            <a:picLocks noChangeAspect="1" noChangeArrowheads="1"/>
+          </p:cNvPicPr>
+          <p:nvPr/>
+        </p:nvPicPr>
+        <p:blipFill>
+          <a:blip r:embed="rId3">
+            <a:extLst>
+              <a:ext uri="{28A0092B-C50C-407E-A947-70E740481C1C}">
+                <a14:useLocalDpi xmlns:a14="http://schemas.microsoft.com/office/drawing/2010/main" val="0"/>
+              </a:ext>
+            </a:extLst>
+          </a:blip>
+          <a:srcRect/>
+          <a:stretch>
+            <a:fillRect/>
+          </a:stretch>
+        </p:blipFill>
+        <p:spPr bwMode="auto">
+          <a:xfrm>
+            <a:off x="2714005" y="4005064"/>
+            <a:ext cx="7117618" cy="648072"/>
+          </a:xfrm>
+          <a:prstGeom prst="rect">
+            <a:avLst/>
+          </a:prstGeom>
+          <a:noFill/>
+          <a:ln>
+            <a:noFill/>
+          </a:ln>
+          <a:extLst>
+            <a:ext uri="{909E8E84-426E-40DD-AFC4-6F175D3DCCD1}">
+              <a14:hiddenFill xmlns:a14="http://schemas.microsoft.com/office/drawing/2010/main">
+                <a:solidFill>
+                  <a:schemeClr val="accent1"/>
+                </a:solidFill>
+              </a14:hiddenFill>
+            </a:ext>
+            <a:ext uri="{91240B29-F687-4F45-9708-019B960494DF}">
+              <a14:hiddenLine xmlns:a14="http://schemas.microsoft.com/office/drawing/2010/main" w="9525">
+                <a:solidFill>
+                  <a:schemeClr val="tx1"/>
+                </a:solidFill>
+                <a:miter lim="800000"/>
+                <a:headEnd/>
+                <a:tailEnd/>
+              </a14:hiddenLine>
+            </a:ext>
+          </a:extLst>
+        </p:spPr>
+      </p:pic>
     </p:spTree>
     <p:extLst>
       <p:ext uri="{BB962C8B-B14F-4D97-AF65-F5344CB8AC3E}">
@@ -12369,7 +13268,7 @@
 </p:sld>
 </file>
 
-<file path=ppt/slides/slide13.xml><?xml version="1.0" encoding="utf-8"?>
+<file path=ppt/slides/slide14.xml><?xml version="1.0" encoding="utf-8"?>
 <p:sld xmlns:a="http://schemas.openxmlformats.org/drawingml/2006/main" xmlns:r="http://schemas.openxmlformats.org/officeDocument/2006/relationships" xmlns:p="http://schemas.openxmlformats.org/presentationml/2006/main">
   <p:cSld>
     <p:bg>
@@ -12922,7 +13821,7 @@
 </p:sld>
 </file>
 
-<file path=ppt/slides/slide14.xml><?xml version="1.0" encoding="utf-8"?>
+<file path=ppt/slides/slide15.xml><?xml version="1.0" encoding="utf-8"?>
 <p:sld xmlns:a="http://schemas.openxmlformats.org/drawingml/2006/main" xmlns:r="http://schemas.openxmlformats.org/officeDocument/2006/relationships" xmlns:p="http://schemas.openxmlformats.org/presentationml/2006/main">
   <p:cSld>
     <p:bg>
@@ -13449,7 +14348,7 @@
 </p:sld>
 </file>
 
-<file path=ppt/slides/slide15.xml><?xml version="1.0" encoding="utf-8"?>
+<file path=ppt/slides/slide16.xml><?xml version="1.0" encoding="utf-8"?>
 <p:sld xmlns:a="http://schemas.openxmlformats.org/drawingml/2006/main" xmlns:r="http://schemas.openxmlformats.org/officeDocument/2006/relationships" xmlns:p="http://schemas.openxmlformats.org/presentationml/2006/main">
   <p:cSld>
     <p:bg>
@@ -13609,13 +14508,6 @@
               </a:rPr>
               <a:t>文件操作</a:t>
             </a:r>
-            <a:endParaRPr lang="zh-CN" altLang="en-US" sz="3200" dirty="0" smtClean="0">
-              <a:solidFill>
-                <a:srgbClr val="F8F8F8"/>
-              </a:solidFill>
-              <a:latin typeface="微软雅黑"/>
-              <a:ea typeface="微软雅黑"/>
-            </a:endParaRPr>
           </a:p>
         </p:txBody>
       </p:sp>
@@ -13677,418 +14569,6 @@
     <p:extLst>
       <p:ext uri="{BB962C8B-B14F-4D97-AF65-F5344CB8AC3E}">
         <p14:creationId xmlns:p14="http://schemas.microsoft.com/office/powerpoint/2010/main" val="3027303696"/>
-      </p:ext>
-    </p:extLst>
-  </p:cSld>
-  <p:clrMapOvr>
-    <a:masterClrMapping/>
-  </p:clrMapOvr>
-  <p:transition spd="slow" advTm="7876">
-    <p:wipe/>
-  </p:transition>
-  <p:timing>
-    <p:tnLst>
-      <p:par>
-        <p:cTn id="1" dur="indefinite" restart="never" nodeType="tmRoot">
-          <p:childTnLst>
-            <p:seq concurrent="1" nextAc="seek">
-              <p:cTn id="2" dur="indefinite" nodeType="mainSeq">
-                <p:childTnLst>
-                  <p:par>
-                    <p:cTn id="3" fill="hold">
-                      <p:stCondLst>
-                        <p:cond delay="indefinite"/>
-                        <p:cond evt="onBegin" delay="0">
-                          <p:tn val="2"/>
-                        </p:cond>
-                      </p:stCondLst>
-                      <p:childTnLst>
-                        <p:par>
-                          <p:cTn id="4" fill="hold">
-                            <p:stCondLst>
-                              <p:cond delay="0"/>
-                            </p:stCondLst>
-                            <p:childTnLst>
-                              <p:par>
-                                <p:cTn id="5" presetID="2" presetClass="entr" presetSubtype="8" fill="hold" grpId="0" nodeType="afterEffect">
-                                  <p:stCondLst>
-                                    <p:cond delay="0"/>
-                                  </p:stCondLst>
-                                  <p:childTnLst>
-                                    <p:set>
-                                      <p:cBhvr>
-                                        <p:cTn id="6" dur="1" fill="hold">
-                                          <p:stCondLst>
-                                            <p:cond delay="0"/>
-                                          </p:stCondLst>
-                                        </p:cTn>
-                                        <p:tgtEl>
-                                          <p:spTgt spid="27"/>
-                                        </p:tgtEl>
-                                        <p:attrNameLst>
-                                          <p:attrName>style.visibility</p:attrName>
-                                        </p:attrNameLst>
-                                      </p:cBhvr>
-                                      <p:to>
-                                        <p:strVal val="visible"/>
-                                      </p:to>
-                                    </p:set>
-                                    <p:anim calcmode="lin" valueType="num">
-                                      <p:cBhvr additive="base">
-                                        <p:cTn id="7" dur="300" fill="hold"/>
-                                        <p:tgtEl>
-                                          <p:spTgt spid="27"/>
-                                        </p:tgtEl>
-                                        <p:attrNameLst>
-                                          <p:attrName>ppt_x</p:attrName>
-                                        </p:attrNameLst>
-                                      </p:cBhvr>
-                                      <p:tavLst>
-                                        <p:tav tm="0">
-                                          <p:val>
-                                            <p:strVal val="0-#ppt_w/2"/>
-                                          </p:val>
-                                        </p:tav>
-                                        <p:tav tm="100000">
-                                          <p:val>
-                                            <p:strVal val="#ppt_x"/>
-                                          </p:val>
-                                        </p:tav>
-                                      </p:tavLst>
-                                    </p:anim>
-                                    <p:anim calcmode="lin" valueType="num">
-                                      <p:cBhvr additive="base">
-                                        <p:cTn id="8" dur="300" fill="hold"/>
-                                        <p:tgtEl>
-                                          <p:spTgt spid="27"/>
-                                        </p:tgtEl>
-                                        <p:attrNameLst>
-                                          <p:attrName>ppt_y</p:attrName>
-                                        </p:attrNameLst>
-                                      </p:cBhvr>
-                                      <p:tavLst>
-                                        <p:tav tm="0">
-                                          <p:val>
-                                            <p:strVal val="#ppt_y"/>
-                                          </p:val>
-                                        </p:tav>
-                                        <p:tav tm="100000">
-                                          <p:val>
-                                            <p:strVal val="#ppt_y"/>
-                                          </p:val>
-                                        </p:tav>
-                                      </p:tavLst>
-                                    </p:anim>
-                                  </p:childTnLst>
-                                </p:cTn>
-                              </p:par>
-                            </p:childTnLst>
-                          </p:cTn>
-                        </p:par>
-                        <p:par>
-                          <p:cTn id="9" fill="hold">
-                            <p:stCondLst>
-                              <p:cond delay="300"/>
-                            </p:stCondLst>
-                            <p:childTnLst>
-                              <p:par>
-                                <p:cTn id="10" presetID="22" presetClass="entr" presetSubtype="2" fill="hold" grpId="0" nodeType="afterEffect">
-                                  <p:stCondLst>
-                                    <p:cond delay="0"/>
-                                  </p:stCondLst>
-                                  <p:childTnLst>
-                                    <p:set>
-                                      <p:cBhvr>
-                                        <p:cTn id="11" dur="1" fill="hold">
-                                          <p:stCondLst>
-                                            <p:cond delay="0"/>
-                                          </p:stCondLst>
-                                        </p:cTn>
-                                        <p:tgtEl>
-                                          <p:spTgt spid="7"/>
-                                        </p:tgtEl>
-                                        <p:attrNameLst>
-                                          <p:attrName>style.visibility</p:attrName>
-                                        </p:attrNameLst>
-                                      </p:cBhvr>
-                                      <p:to>
-                                        <p:strVal val="visible"/>
-                                      </p:to>
-                                    </p:set>
-                                    <p:animEffect transition="in" filter="wipe(right)">
-                                      <p:cBhvr>
-                                        <p:cTn id="12" dur="500"/>
-                                        <p:tgtEl>
-                                          <p:spTgt spid="7"/>
-                                        </p:tgtEl>
-                                      </p:cBhvr>
-                                    </p:animEffect>
-                                  </p:childTnLst>
-                                </p:cTn>
-                              </p:par>
-                            </p:childTnLst>
-                          </p:cTn>
-                        </p:par>
-                      </p:childTnLst>
-                    </p:cTn>
-                  </p:par>
-                </p:childTnLst>
-              </p:cTn>
-              <p:prevCondLst>
-                <p:cond evt="onPrev" delay="0">
-                  <p:tgtEl>
-                    <p:sldTgt/>
-                  </p:tgtEl>
-                </p:cond>
-              </p:prevCondLst>
-              <p:nextCondLst>
-                <p:cond evt="onNext" delay="0">
-                  <p:tgtEl>
-                    <p:sldTgt/>
-                  </p:tgtEl>
-                </p:cond>
-              </p:nextCondLst>
-            </p:seq>
-          </p:childTnLst>
-        </p:cTn>
-      </p:par>
-    </p:tnLst>
-    <p:bldLst>
-      <p:bldP spid="27" grpId="0" animBg="1"/>
-      <p:bldP spid="7" grpId="0" animBg="1"/>
-    </p:bldLst>
-  </p:timing>
-</p:sld>
-</file>
-
-<file path=ppt/slides/slide16.xml><?xml version="1.0" encoding="utf-8"?>
-<p:sld xmlns:a="http://schemas.openxmlformats.org/drawingml/2006/main" xmlns:r="http://schemas.openxmlformats.org/officeDocument/2006/relationships" xmlns:p="http://schemas.openxmlformats.org/presentationml/2006/main">
-  <p:cSld>
-    <p:bg>
-      <p:bgPr>
-        <a:solidFill>
-          <a:srgbClr val="AF2019"/>
-        </a:solidFill>
-        <a:effectLst/>
-      </p:bgPr>
-    </p:bg>
-    <p:spTree>
-      <p:nvGrpSpPr>
-        <p:cNvPr id="1" name=""/>
-        <p:cNvGrpSpPr/>
-        <p:nvPr/>
-      </p:nvGrpSpPr>
-      <p:grpSpPr>
-        <a:xfrm>
-          <a:off x="0" y="0"/>
-          <a:ext cx="0" cy="0"/>
-          <a:chOff x="0" y="0"/>
-          <a:chExt cx="0" cy="0"/>
-        </a:xfrm>
-      </p:grpSpPr>
-      <p:sp>
-        <p:nvSpPr>
-          <p:cNvPr id="22" name="矩形 21"/>
-          <p:cNvSpPr/>
-          <p:nvPr/>
-        </p:nvSpPr>
-        <p:spPr bwMode="auto">
-          <a:xfrm>
-            <a:off x="0" y="666517"/>
-            <a:ext cx="12196763" cy="6002843"/>
-          </a:xfrm>
-          <a:prstGeom prst="rect">
-            <a:avLst/>
-          </a:prstGeom>
-          <a:solidFill>
-            <a:schemeClr val="bg2">
-              <a:lumMod val="20000"/>
-              <a:lumOff val="80000"/>
-            </a:schemeClr>
-          </a:solidFill>
-          <a:ln w="9525" cap="flat" cmpd="sng" algn="ctr">
-            <a:noFill/>
-            <a:prstDash val="solid"/>
-            <a:round/>
-            <a:headEnd type="none" w="med" len="med"/>
-            <a:tailEnd type="none" w="med" len="med"/>
-          </a:ln>
-          <a:effectLst/>
-          <a:extLst/>
-        </p:spPr>
-        <p:txBody>
-          <a:bodyPr vert="horz" wrap="square" lIns="91440" tIns="45720" rIns="91440" bIns="45720" numCol="1" rtlCol="0" anchor="t" anchorCtr="0" compatLnSpc="1">
-            <a:prstTxWarp prst="textNoShape">
-              <a:avLst/>
-            </a:prstTxWarp>
-          </a:bodyPr>
-          <a:lstStyle/>
-          <a:p>
-            <a:endParaRPr lang="zh-CN" altLang="en-US" dirty="0" smtClean="0">
-              <a:solidFill>
-                <a:srgbClr val="C4261D"/>
-              </a:solidFill>
-            </a:endParaRPr>
-          </a:p>
-        </p:txBody>
-      </p:sp>
-      <p:sp>
-        <p:nvSpPr>
-          <p:cNvPr id="27" name="矩形 26"/>
-          <p:cNvSpPr/>
-          <p:nvPr/>
-        </p:nvSpPr>
-        <p:spPr bwMode="auto">
-          <a:xfrm>
-            <a:off x="0" y="238581"/>
-            <a:ext cx="409749" cy="333328"/>
-          </a:xfrm>
-          <a:prstGeom prst="rect">
-            <a:avLst/>
-          </a:prstGeom>
-          <a:solidFill>
-            <a:schemeClr val="bg1"/>
-          </a:solidFill>
-          <a:ln w="9525" cap="flat" cmpd="sng" algn="ctr">
-            <a:noFill/>
-            <a:prstDash val="solid"/>
-            <a:round/>
-            <a:headEnd type="none" w="med" len="med"/>
-            <a:tailEnd type="none" w="med" len="med"/>
-          </a:ln>
-          <a:effectLst/>
-          <a:extLst/>
-        </p:spPr>
-        <p:txBody>
-          <a:bodyPr vert="horz" wrap="square" lIns="91440" tIns="45720" rIns="91440" bIns="45720" numCol="1" rtlCol="0" anchor="t" anchorCtr="0" compatLnSpc="1">
-            <a:prstTxWarp prst="textNoShape">
-              <a:avLst/>
-            </a:prstTxWarp>
-          </a:bodyPr>
-          <a:lstStyle/>
-          <a:p>
-            <a:endParaRPr lang="zh-CN" altLang="en-US" smtClean="0">
-              <a:solidFill>
-                <a:srgbClr val="C4261D"/>
-              </a:solidFill>
-            </a:endParaRPr>
-          </a:p>
-        </p:txBody>
-      </p:sp>
-      <p:sp>
-        <p:nvSpPr>
-          <p:cNvPr id="7" name="矩形 6"/>
-          <p:cNvSpPr/>
-          <p:nvPr/>
-        </p:nvSpPr>
-        <p:spPr bwMode="auto">
-          <a:xfrm>
-            <a:off x="3218061" y="2996952"/>
-            <a:ext cx="8784976" cy="621947"/>
-          </a:xfrm>
-          <a:prstGeom prst="rect">
-            <a:avLst/>
-          </a:prstGeom>
-          <a:solidFill>
-            <a:schemeClr val="tx1"/>
-          </a:solidFill>
-          <a:ln w="9525" cap="flat" cmpd="sng" algn="ctr">
-            <a:noFill/>
-            <a:prstDash val="solid"/>
-            <a:round/>
-            <a:headEnd type="none" w="med" len="med"/>
-            <a:tailEnd type="none" w="med" len="med"/>
-          </a:ln>
-          <a:effectLst/>
-          <a:extLst/>
-        </p:spPr>
-        <p:txBody>
-          <a:bodyPr vert="horz" wrap="square" lIns="91440" tIns="45720" rIns="91440" bIns="45720" numCol="1" rtlCol="0" anchor="t" anchorCtr="0" compatLnSpc="1">
-            <a:prstTxWarp prst="textNoShape">
-              <a:avLst/>
-            </a:prstTxWarp>
-          </a:bodyPr>
-          <a:lstStyle/>
-          <a:p>
-            <a:pPr algn="ctr"/>
-            <a:r>
-              <a:rPr lang="zh-CN" altLang="en-US" sz="3200" dirty="0" smtClean="0">
-                <a:solidFill>
-                  <a:srgbClr val="F8F8F8"/>
-                </a:solidFill>
-                <a:latin typeface="微软雅黑"/>
-                <a:ea typeface="微软雅黑"/>
-              </a:rPr>
-              <a:t>能否该顺序读取（写入）为随机读取（写入）？</a:t>
-            </a:r>
-            <a:endParaRPr lang="zh-CN" altLang="en-US" sz="3200" dirty="0" smtClean="0">
-              <a:solidFill>
-                <a:srgbClr val="F8F8F8"/>
-              </a:solidFill>
-              <a:latin typeface="微软雅黑"/>
-              <a:ea typeface="微软雅黑"/>
-            </a:endParaRPr>
-          </a:p>
-        </p:txBody>
-      </p:sp>
-      <p:pic>
-        <p:nvPicPr>
-          <p:cNvPr id="6" name="Picture 2"/>
-          <p:cNvPicPr>
-            <a:picLocks noChangeAspect="1" noChangeArrowheads="1"/>
-          </p:cNvPicPr>
-          <p:nvPr/>
-        </p:nvPicPr>
-        <p:blipFill>
-          <a:blip r:embed="rId3">
-            <a:extLst>
-              <a:ext uri="{28A0092B-C50C-407E-A947-70E740481C1C}">
-                <a14:useLocalDpi xmlns:a14="http://schemas.microsoft.com/office/drawing/2010/main" val="0"/>
-              </a:ext>
-            </a:extLst>
-          </a:blip>
-          <a:srcRect/>
-          <a:stretch>
-            <a:fillRect/>
-          </a:stretch>
-        </p:blipFill>
-        <p:spPr bwMode="auto">
-          <a:xfrm>
-            <a:off x="385565" y="1337208"/>
-            <a:ext cx="2683522" cy="4314428"/>
-          </a:xfrm>
-          <a:prstGeom prst="rect">
-            <a:avLst/>
-          </a:prstGeom>
-          <a:noFill/>
-          <a:ln>
-            <a:noFill/>
-          </a:ln>
-          <a:extLst>
-            <a:ext uri="{909E8E84-426E-40DD-AFC4-6F175D3DCCD1}">
-              <a14:hiddenFill xmlns:a14="http://schemas.microsoft.com/office/drawing/2010/main">
-                <a:solidFill>
-                  <a:schemeClr val="accent1"/>
-                </a:solidFill>
-              </a14:hiddenFill>
-            </a:ext>
-            <a:ext uri="{91240B29-F687-4F45-9708-019B960494DF}">
-              <a14:hiddenLine xmlns:a14="http://schemas.microsoft.com/office/drawing/2010/main" w="9525">
-                <a:solidFill>
-                  <a:schemeClr val="tx1"/>
-                </a:solidFill>
-                <a:miter lim="800000"/>
-                <a:headEnd/>
-                <a:tailEnd/>
-              </a14:hiddenLine>
-            </a:ext>
-          </a:extLst>
-        </p:spPr>
-      </p:pic>
-    </p:spTree>
-    <p:extLst>
-      <p:ext uri="{BB962C8B-B14F-4D97-AF65-F5344CB8AC3E}">
-        <p14:creationId xmlns:p14="http://schemas.microsoft.com/office/powerpoint/2010/main" val="360843440"/>
       </p:ext>
     </p:extLst>
   </p:cSld>
@@ -14346,6 +14826,54 @@
       </p:sp>
       <p:sp>
         <p:nvSpPr>
+          <p:cNvPr id="77" name="TextBox 76"/>
+          <p:cNvSpPr txBox="1"/>
+          <p:nvPr/>
+        </p:nvSpPr>
+        <p:spPr>
+          <a:xfrm>
+            <a:off x="434670" y="174412"/>
+            <a:ext cx="2723823" cy="430887"/>
+          </a:xfrm>
+          <a:prstGeom prst="rect">
+            <a:avLst/>
+          </a:prstGeom>
+          <a:noFill/>
+        </p:spPr>
+        <p:txBody>
+          <a:bodyPr wrap="none" rtlCol="0">
+            <a:spAutoFit/>
+          </a:bodyPr>
+          <a:lstStyle/>
+          <a:p>
+            <a:r>
+              <a:rPr lang="zh-CN" altLang="en-US" sz="2200" smtClean="0">
+                <a:solidFill>
+                  <a:srgbClr val="C2C1C1">
+                    <a:lumMod val="20000"/>
+                    <a:lumOff val="80000"/>
+                  </a:srgbClr>
+                </a:solidFill>
+                <a:latin typeface="微软雅黑"/>
+                <a:ea typeface="微软雅黑"/>
+              </a:rPr>
+              <a:t>遍历文件夹中的文件</a:t>
+            </a:r>
+            <a:endParaRPr lang="zh-CN" altLang="en-US" sz="2200" dirty="0">
+              <a:solidFill>
+                <a:srgbClr val="C2C1C1">
+                  <a:lumMod val="20000"/>
+                  <a:lumOff val="80000"/>
+                </a:srgbClr>
+              </a:solidFill>
+              <a:latin typeface="微软雅黑"/>
+              <a:ea typeface="微软雅黑"/>
+            </a:endParaRPr>
+          </a:p>
+        </p:txBody>
+      </p:sp>
+      <p:sp>
+        <p:nvSpPr>
           <p:cNvPr id="27" name="矩形 26"/>
           <p:cNvSpPr/>
           <p:nvPr/>
@@ -14387,65 +14915,9 @@
           </a:p>
         </p:txBody>
       </p:sp>
-      <p:sp>
-        <p:nvSpPr>
-          <p:cNvPr id="7" name="矩形 6"/>
-          <p:cNvSpPr/>
-          <p:nvPr/>
-        </p:nvSpPr>
-        <p:spPr bwMode="auto">
-          <a:xfrm>
-            <a:off x="-5478" y="51365"/>
-            <a:ext cx="12165009" cy="615152"/>
-          </a:xfrm>
-          <a:prstGeom prst="rect">
-            <a:avLst/>
-          </a:prstGeom>
-          <a:solidFill>
-            <a:schemeClr val="tx1"/>
-          </a:solidFill>
-          <a:ln w="9525" cap="flat" cmpd="sng" algn="ctr">
-            <a:noFill/>
-            <a:prstDash val="solid"/>
-            <a:round/>
-            <a:headEnd type="none" w="med" len="med"/>
-            <a:tailEnd type="none" w="med" len="med"/>
-          </a:ln>
-          <a:effectLst/>
-          <a:extLst/>
-        </p:spPr>
-        <p:txBody>
-          <a:bodyPr vert="horz" wrap="square" lIns="91440" tIns="45720" rIns="91440" bIns="45720" numCol="1" rtlCol="0" anchor="t" anchorCtr="0" compatLnSpc="1">
-            <a:prstTxWarp prst="textNoShape">
-              <a:avLst/>
-            </a:prstTxWarp>
-          </a:bodyPr>
-          <a:lstStyle/>
-          <a:p>
-            <a:pPr algn="ctr"/>
-            <a:r>
-              <a:rPr lang="en-US" altLang="zh-CN" sz="3200" dirty="0" err="1" smtClean="0">
-                <a:solidFill>
-                  <a:srgbClr val="F8F8F8"/>
-                </a:solidFill>
-                <a:latin typeface="微软雅黑"/>
-                <a:ea typeface="微软雅黑"/>
-              </a:rPr>
-              <a:t>RandomAccessFile</a:t>
-            </a:r>
-            <a:endParaRPr lang="zh-CN" altLang="en-US" sz="3200" dirty="0" smtClean="0">
-              <a:solidFill>
-                <a:srgbClr val="F8F8F8"/>
-              </a:solidFill>
-              <a:latin typeface="微软雅黑"/>
-              <a:ea typeface="微软雅黑"/>
-            </a:endParaRPr>
-          </a:p>
-        </p:txBody>
-      </p:sp>
       <p:pic>
         <p:nvPicPr>
-          <p:cNvPr id="5122" name="Picture 2"/>
+          <p:cNvPr id="8194" name="Picture 2"/>
           <p:cNvPicPr>
             <a:picLocks noChangeAspect="1" noChangeArrowheads="1"/>
           </p:cNvPicPr>
@@ -14466,8 +14938,8 @@
         </p:blipFill>
         <p:spPr bwMode="auto">
           <a:xfrm>
-            <a:off x="174625" y="1662113"/>
-            <a:ext cx="11847513" cy="3533775"/>
+            <a:off x="2930029" y="2060848"/>
+            <a:ext cx="6013300" cy="2292065"/>
           </a:xfrm>
           <a:prstGeom prst="rect">
             <a:avLst/>
@@ -14500,7 +14972,7 @@
     </p:spTree>
     <p:extLst>
       <p:ext uri="{BB962C8B-B14F-4D97-AF65-F5344CB8AC3E}">
-        <p14:creationId xmlns:p14="http://schemas.microsoft.com/office/powerpoint/2010/main" val="3589884128"/>
+        <p14:creationId xmlns:p14="http://schemas.microsoft.com/office/powerpoint/2010/main" val="2040214866"/>
       </p:ext>
     </p:extLst>
   </p:cSld>
@@ -14616,10 +15088,13 @@
                             </p:stCondLst>
                             <p:childTnLst>
                               <p:par>
-                                <p:cTn id="10" presetID="22" presetClass="entr" presetSubtype="2" fill="hold" grpId="0" nodeType="afterEffect">
+                                <p:cTn id="10" presetID="41" presetClass="entr" presetSubtype="0" fill="hold" grpId="0" nodeType="afterEffect">
                                   <p:stCondLst>
                                     <p:cond delay="0"/>
                                   </p:stCondLst>
+                                  <p:iterate type="lt">
+                                    <p:tmPct val="10000"/>
+                                  </p:iterate>
                                   <p:childTnLst>
                                     <p:set>
                                       <p:cBhvr>
@@ -14629,7 +15104,7 @@
                                           </p:stCondLst>
                                         </p:cTn>
                                         <p:tgtEl>
-                                          <p:spTgt spid="7"/>
+                                          <p:spTgt spid="77"/>
                                         </p:tgtEl>
                                         <p:attrNameLst>
                                           <p:attrName>style.visibility</p:attrName>
@@ -14639,11 +15114,118 @@
                                         <p:strVal val="visible"/>
                                       </p:to>
                                     </p:set>
-                                    <p:animEffect transition="in" filter="wipe(right)">
+                                    <p:anim calcmode="lin" valueType="num">
                                       <p:cBhvr>
-                                        <p:cTn id="12" dur="500"/>
-                                        <p:tgtEl>
-                                          <p:spTgt spid="7"/>
+                                        <p:cTn id="12" dur="400" fill="hold"/>
+                                        <p:tgtEl>
+                                          <p:spTgt spid="77"/>
+                                        </p:tgtEl>
+                                        <p:attrNameLst>
+                                          <p:attrName>ppt_x</p:attrName>
+                                        </p:attrNameLst>
+                                      </p:cBhvr>
+                                      <p:tavLst>
+                                        <p:tav tm="0">
+                                          <p:val>
+                                            <p:strVal val="#ppt_x"/>
+                                          </p:val>
+                                        </p:tav>
+                                        <p:tav tm="50000">
+                                          <p:val>
+                                            <p:strVal val="#ppt_x+.1"/>
+                                          </p:val>
+                                        </p:tav>
+                                        <p:tav tm="100000">
+                                          <p:val>
+                                            <p:strVal val="#ppt_x"/>
+                                          </p:val>
+                                        </p:tav>
+                                      </p:tavLst>
+                                    </p:anim>
+                                    <p:anim calcmode="lin" valueType="num">
+                                      <p:cBhvr>
+                                        <p:cTn id="13" dur="400" fill="hold"/>
+                                        <p:tgtEl>
+                                          <p:spTgt spid="77"/>
+                                        </p:tgtEl>
+                                        <p:attrNameLst>
+                                          <p:attrName>ppt_y</p:attrName>
+                                        </p:attrNameLst>
+                                      </p:cBhvr>
+                                      <p:tavLst>
+                                        <p:tav tm="0">
+                                          <p:val>
+                                            <p:strVal val="#ppt_y"/>
+                                          </p:val>
+                                        </p:tav>
+                                        <p:tav tm="100000">
+                                          <p:val>
+                                            <p:strVal val="#ppt_y"/>
+                                          </p:val>
+                                        </p:tav>
+                                      </p:tavLst>
+                                    </p:anim>
+                                    <p:anim calcmode="lin" valueType="num">
+                                      <p:cBhvr>
+                                        <p:cTn id="14" dur="400" fill="hold"/>
+                                        <p:tgtEl>
+                                          <p:spTgt spid="77"/>
+                                        </p:tgtEl>
+                                        <p:attrNameLst>
+                                          <p:attrName>ppt_h</p:attrName>
+                                        </p:attrNameLst>
+                                      </p:cBhvr>
+                                      <p:tavLst>
+                                        <p:tav tm="0">
+                                          <p:val>
+                                            <p:strVal val="#ppt_h/10"/>
+                                          </p:val>
+                                        </p:tav>
+                                        <p:tav tm="50000">
+                                          <p:val>
+                                            <p:strVal val="#ppt_h+.01"/>
+                                          </p:val>
+                                        </p:tav>
+                                        <p:tav tm="100000">
+                                          <p:val>
+                                            <p:strVal val="#ppt_h"/>
+                                          </p:val>
+                                        </p:tav>
+                                      </p:tavLst>
+                                    </p:anim>
+                                    <p:anim calcmode="lin" valueType="num">
+                                      <p:cBhvr>
+                                        <p:cTn id="15" dur="400" fill="hold"/>
+                                        <p:tgtEl>
+                                          <p:spTgt spid="77"/>
+                                        </p:tgtEl>
+                                        <p:attrNameLst>
+                                          <p:attrName>ppt_w</p:attrName>
+                                        </p:attrNameLst>
+                                      </p:cBhvr>
+                                      <p:tavLst>
+                                        <p:tav tm="0">
+                                          <p:val>
+                                            <p:strVal val="#ppt_w/10"/>
+                                          </p:val>
+                                        </p:tav>
+                                        <p:tav tm="50000">
+                                          <p:val>
+                                            <p:strVal val="#ppt_w+.01"/>
+                                          </p:val>
+                                        </p:tav>
+                                        <p:tav tm="100000">
+                                          <p:val>
+                                            <p:strVal val="#ppt_w"/>
+                                          </p:val>
+                                        </p:tav>
+                                      </p:tavLst>
+                                    </p:anim>
+                                    <p:animEffect transition="in" filter="fade">
+                                      <p:cBhvr>
+                                        <p:cTn id="16" dur="400" tmFilter="0,0; .5, 1; 1, 1"/>
+                                        <p:tgtEl>
+                                          <p:spTgt spid="77"/>
                                         </p:tgtEl>
                                       </p:cBhvr>
                                     </p:animEffect>
@@ -14678,8 +15260,8 @@
       </p:par>
     </p:tnLst>
     <p:bldLst>
+      <p:bldP spid="77" grpId="0"/>
       <p:bldP spid="27" grpId="0" animBg="1"/>
-      <p:bldP spid="7" grpId="0" animBg="1"/>
     </p:bldLst>
   </p:timing>
 </p:sld>
@@ -14765,7 +15347,7 @@
         <p:spPr>
           <a:xfrm>
             <a:off x="434670" y="174412"/>
-            <a:ext cx="1313180" cy="430887"/>
+            <a:ext cx="5858591" cy="430887"/>
           </a:xfrm>
           <a:prstGeom prst="rect">
             <a:avLst/>
@@ -14779,7 +15361,7 @@
           <a:lstStyle/>
           <a:p>
             <a:r>
-              <a:rPr lang="zh-CN" altLang="en-US" sz="2200" dirty="0" smtClean="0">
+              <a:rPr lang="zh-CN" altLang="en-US" sz="2200" smtClean="0">
                 <a:solidFill>
                   <a:srgbClr val="C2C1C1">
                     <a:lumMod val="20000"/>
@@ -14789,7 +15371,46 @@
                 <a:latin typeface="微软雅黑"/>
                 <a:ea typeface="微软雅黑"/>
               </a:rPr>
-              <a:t>字符编码</a:t>
+              <a:t>遍历</a:t>
+            </a:r>
+            <a:r>
+              <a:rPr lang="zh-CN" altLang="en-US" sz="2200" smtClean="0">
+                <a:solidFill>
+                  <a:srgbClr val="C2C1C1">
+                    <a:lumMod val="20000"/>
+                    <a:lumOff val="80000"/>
+                  </a:srgbClr>
+                </a:solidFill>
+                <a:latin typeface="微软雅黑"/>
+                <a:ea typeface="微软雅黑"/>
+              </a:rPr>
+              <a:t>文件夹中指定类型的文件（如</a:t>
+            </a:r>
+            <a:r>
+              <a:rPr lang="en-US" altLang="zh-CN" sz="2200" smtClean="0">
+                <a:solidFill>
+                  <a:srgbClr val="C2C1C1">
+                    <a:lumMod val="20000"/>
+                    <a:lumOff val="80000"/>
+                  </a:srgbClr>
+                </a:solidFill>
+                <a:latin typeface="微软雅黑"/>
+                <a:ea typeface="微软雅黑"/>
+              </a:rPr>
+              <a:t>.java</a:t>
+            </a:r>
+            <a:r>
+              <a:rPr lang="zh-CN" altLang="en-US" sz="2200" smtClean="0">
+                <a:solidFill>
+                  <a:srgbClr val="C2C1C1">
+                    <a:lumMod val="20000"/>
+                    <a:lumOff val="80000"/>
+                  </a:srgbClr>
+                </a:solidFill>
+                <a:latin typeface="微软雅黑"/>
+                <a:ea typeface="微软雅黑"/>
+              </a:rPr>
+              <a:t>文件）</a:t>
             </a:r>
             <a:endParaRPr lang="zh-CN" altLang="en-US" sz="2200" dirty="0">
               <a:solidFill>
@@ -14849,7 +15470,7 @@
       </p:sp>
       <p:pic>
         <p:nvPicPr>
-          <p:cNvPr id="6146" name="Picture 2"/>
+          <p:cNvPr id="9218" name="Picture 2"/>
           <p:cNvPicPr>
             <a:picLocks noChangeAspect="1" noChangeArrowheads="1"/>
           </p:cNvPicPr>
@@ -14870,8 +15491,8 @@
         </p:blipFill>
         <p:spPr bwMode="auto">
           <a:xfrm>
-            <a:off x="260350" y="876300"/>
-            <a:ext cx="11676063" cy="5105400"/>
+            <a:off x="2425973" y="980728"/>
+            <a:ext cx="7652295" cy="4634365"/>
           </a:xfrm>
           <a:prstGeom prst="rect">
             <a:avLst/>
@@ -14904,7 +15525,7 @@
     </p:spTree>
     <p:extLst>
       <p:ext uri="{BB962C8B-B14F-4D97-AF65-F5344CB8AC3E}">
-        <p14:creationId xmlns:p14="http://schemas.microsoft.com/office/powerpoint/2010/main" val="2851194778"/>
+        <p14:creationId xmlns:p14="http://schemas.microsoft.com/office/powerpoint/2010/main" val="1363147046"/>
       </p:ext>
     </p:extLst>
   </p:cSld>
@@ -15272,6 +15893,54 @@
       </p:sp>
       <p:sp>
         <p:nvSpPr>
+          <p:cNvPr id="77" name="TextBox 76"/>
+          <p:cNvSpPr txBox="1"/>
+          <p:nvPr/>
+        </p:nvSpPr>
+        <p:spPr>
+          <a:xfrm>
+            <a:off x="434670" y="174412"/>
+            <a:ext cx="2159566" cy="430887"/>
+          </a:xfrm>
+          <a:prstGeom prst="rect">
+            <a:avLst/>
+          </a:prstGeom>
+          <a:noFill/>
+        </p:spPr>
+        <p:txBody>
+          <a:bodyPr wrap="none" rtlCol="0">
+            <a:spAutoFit/>
+          </a:bodyPr>
+          <a:lstStyle/>
+          <a:p>
+            <a:r>
+              <a:rPr lang="zh-CN" altLang="en-US" sz="2200" smtClean="0">
+                <a:solidFill>
+                  <a:srgbClr val="C2C1C1">
+                    <a:lumMod val="20000"/>
+                    <a:lumOff val="80000"/>
+                  </a:srgbClr>
+                </a:solidFill>
+                <a:latin typeface="微软雅黑"/>
+                <a:ea typeface="微软雅黑"/>
+              </a:rPr>
+              <a:t>递归遍历文件夹</a:t>
+            </a:r>
+            <a:endParaRPr lang="zh-CN" altLang="en-US" sz="2200" dirty="0">
+              <a:solidFill>
+                <a:srgbClr val="C2C1C1">
+                  <a:lumMod val="20000"/>
+                  <a:lumOff val="80000"/>
+                </a:srgbClr>
+              </a:solidFill>
+              <a:latin typeface="微软雅黑"/>
+              <a:ea typeface="微软雅黑"/>
+            </a:endParaRPr>
+          </a:p>
+        </p:txBody>
+      </p:sp>
+      <p:sp>
+        <p:nvSpPr>
           <p:cNvPr id="27" name="矩形 26"/>
           <p:cNvSpPr/>
           <p:nvPr/>
@@ -15313,70 +15982,9 @@
           </a:p>
         </p:txBody>
       </p:sp>
-      <p:sp>
-        <p:nvSpPr>
-          <p:cNvPr id="5" name="TextBox 4"/>
-          <p:cNvSpPr txBox="1"/>
-          <p:nvPr/>
-        </p:nvSpPr>
-        <p:spPr>
-          <a:xfrm>
-            <a:off x="434670" y="174412"/>
-            <a:ext cx="4131387" cy="430887"/>
-          </a:xfrm>
-          <a:prstGeom prst="rect">
-            <a:avLst/>
-          </a:prstGeom>
-          <a:noFill/>
-        </p:spPr>
-        <p:txBody>
-          <a:bodyPr wrap="none" rtlCol="0">
-            <a:spAutoFit/>
-          </a:bodyPr>
-          <a:lstStyle/>
-          <a:p>
-            <a:r>
-              <a:rPr lang="en-US" altLang="zh-CN" sz="2200" dirty="0" smtClean="0">
-                <a:solidFill>
-                  <a:srgbClr val="C2C1C1">
-                    <a:lumMod val="20000"/>
-                    <a:lumOff val="80000"/>
-                  </a:srgbClr>
-                </a:solidFill>
-                <a:latin typeface="微软雅黑"/>
-                <a:ea typeface="微软雅黑"/>
-              </a:rPr>
-              <a:t>Java</a:t>
-            </a:r>
-            <a:r>
-              <a:rPr lang="zh-CN" altLang="en-US" sz="2200" dirty="0" smtClean="0">
-                <a:solidFill>
-                  <a:srgbClr val="C2C1C1">
-                    <a:lumMod val="20000"/>
-                    <a:lumOff val="80000"/>
-                  </a:srgbClr>
-                </a:solidFill>
-                <a:latin typeface="微软雅黑"/>
-                <a:ea typeface="微软雅黑"/>
-              </a:rPr>
-              <a:t>编程中的字符串编码与解码</a:t>
-            </a:r>
-            <a:endParaRPr lang="zh-CN" altLang="en-US" sz="2200" dirty="0">
-              <a:solidFill>
-                <a:srgbClr val="C2C1C1">
-                  <a:lumMod val="20000"/>
-                  <a:lumOff val="80000"/>
-                </a:srgbClr>
-              </a:solidFill>
-              <a:latin typeface="微软雅黑"/>
-              <a:ea typeface="微软雅黑"/>
-            </a:endParaRPr>
-          </a:p>
-        </p:txBody>
-      </p:sp>
       <p:pic>
         <p:nvPicPr>
-          <p:cNvPr id="7170" name="Picture 2"/>
+          <p:cNvPr id="10242" name="Picture 2"/>
           <p:cNvPicPr>
             <a:picLocks noChangeAspect="1" noChangeArrowheads="1"/>
           </p:cNvPicPr>
@@ -15397,8 +16005,8 @@
         </p:blipFill>
         <p:spPr bwMode="auto">
           <a:xfrm>
-            <a:off x="117475" y="2062163"/>
-            <a:ext cx="11961813" cy="2733675"/>
+            <a:off x="1201837" y="1845619"/>
+            <a:ext cx="10070569" cy="2736304"/>
           </a:xfrm>
           <a:prstGeom prst="rect">
             <a:avLst/>
@@ -15431,7 +16039,7 @@
     </p:spTree>
     <p:extLst>
       <p:ext uri="{BB962C8B-B14F-4D97-AF65-F5344CB8AC3E}">
-        <p14:creationId xmlns:p14="http://schemas.microsoft.com/office/powerpoint/2010/main" val="121770759"/>
+        <p14:creationId xmlns:p14="http://schemas.microsoft.com/office/powerpoint/2010/main" val="580255403"/>
       </p:ext>
     </p:extLst>
   </p:cSld>
@@ -15563,7 +16171,7 @@
                                           </p:stCondLst>
                                         </p:cTn>
                                         <p:tgtEl>
-                                          <p:spTgt spid="5"/>
+                                          <p:spTgt spid="77"/>
                                         </p:tgtEl>
                                         <p:attrNameLst>
                                           <p:attrName>style.visibility</p:attrName>
@@ -15577,7 +16185,7 @@
                                       <p:cBhvr>
                                         <p:cTn id="12" dur="400" fill="hold"/>
                                         <p:tgtEl>
-                                          <p:spTgt spid="5"/>
+                                          <p:spTgt spid="77"/>
                                         </p:tgtEl>
                                         <p:attrNameLst>
                                           <p:attrName>ppt_x</p:attrName>
@@ -15605,7 +16213,7 @@
                                       <p:cBhvr>
                                         <p:cTn id="13" dur="400" fill="hold"/>
                                         <p:tgtEl>
-                                          <p:spTgt spid="5"/>
+                                          <p:spTgt spid="77"/>
                                         </p:tgtEl>
                                         <p:attrNameLst>
                                           <p:attrName>ppt_y</p:attrName>
@@ -15628,7 +16236,7 @@
                                       <p:cBhvr>
                                         <p:cTn id="14" dur="400" fill="hold"/>
                                         <p:tgtEl>
-                                          <p:spTgt spid="5"/>
+                                          <p:spTgt spid="77"/>
                                         </p:tgtEl>
                                         <p:attrNameLst>
                                           <p:attrName>ppt_h</p:attrName>
@@ -15656,7 +16264,7 @@
                                       <p:cBhvr>
                                         <p:cTn id="15" dur="400" fill="hold"/>
                                         <p:tgtEl>
-                                          <p:spTgt spid="5"/>
+                                          <p:spTgt spid="77"/>
                                         </p:tgtEl>
                                         <p:attrNameLst>
                                           <p:attrName>ppt_w</p:attrName>
@@ -15684,7 +16292,7 @@
                                       <p:cBhvr>
                                         <p:cTn id="16" dur="400" tmFilter="0,0; .5, 1; 1, 1"/>
                                         <p:tgtEl>
-                                          <p:spTgt spid="5"/>
+                                          <p:spTgt spid="77"/>
                                         </p:tgtEl>
                                       </p:cBhvr>
                                     </p:animEffect>
@@ -15719,8 +16327,8 @@
       </p:par>
     </p:tnLst>
     <p:bldLst>
+      <p:bldP spid="77" grpId="0"/>
       <p:bldP spid="27" grpId="0" animBg="1"/>
-      <p:bldP spid="5" grpId="0"/>
     </p:bldLst>
   </p:timing>
 </p:sld>
@@ -18618,6 +19226,2404 @@
         <p:spPr>
           <a:xfrm>
             <a:off x="434670" y="174412"/>
+            <a:ext cx="3005951" cy="430887"/>
+          </a:xfrm>
+          <a:prstGeom prst="rect">
+            <a:avLst/>
+          </a:prstGeom>
+          <a:noFill/>
+        </p:spPr>
+        <p:txBody>
+          <a:bodyPr wrap="none" rtlCol="0">
+            <a:spAutoFit/>
+          </a:bodyPr>
+          <a:lstStyle/>
+          <a:p>
+            <a:r>
+              <a:rPr lang="zh-CN" altLang="en-US" sz="2200" smtClean="0">
+                <a:solidFill>
+                  <a:srgbClr val="C2C1C1">
+                    <a:lumMod val="20000"/>
+                    <a:lumOff val="80000"/>
+                  </a:srgbClr>
+                </a:solidFill>
+                <a:latin typeface="微软雅黑"/>
+                <a:ea typeface="微软雅黑"/>
+              </a:rPr>
+              <a:t>递归</a:t>
+            </a:r>
+            <a:r>
+              <a:rPr lang="zh-CN" altLang="en-US" sz="2200" smtClean="0">
+                <a:solidFill>
+                  <a:srgbClr val="C2C1C1">
+                    <a:lumMod val="20000"/>
+                    <a:lumOff val="80000"/>
+                  </a:srgbClr>
+                </a:solidFill>
+                <a:latin typeface="微软雅黑"/>
+                <a:ea typeface="微软雅黑"/>
+              </a:rPr>
+              <a:t>遍历</a:t>
+            </a:r>
+            <a:r>
+              <a:rPr lang="zh-CN" altLang="en-US" sz="2200" smtClean="0">
+                <a:solidFill>
+                  <a:srgbClr val="C2C1C1">
+                    <a:lumMod val="20000"/>
+                    <a:lumOff val="80000"/>
+                  </a:srgbClr>
+                </a:solidFill>
+                <a:latin typeface="微软雅黑"/>
+                <a:ea typeface="微软雅黑"/>
+              </a:rPr>
+              <a:t>文件夹并删除</a:t>
+            </a:r>
+            <a:endParaRPr lang="zh-CN" altLang="en-US" sz="2200" dirty="0">
+              <a:solidFill>
+                <a:srgbClr val="C2C1C1">
+                  <a:lumMod val="20000"/>
+                  <a:lumOff val="80000"/>
+                </a:srgbClr>
+              </a:solidFill>
+              <a:latin typeface="微软雅黑"/>
+              <a:ea typeface="微软雅黑"/>
+            </a:endParaRPr>
+          </a:p>
+        </p:txBody>
+      </p:sp>
+      <p:sp>
+        <p:nvSpPr>
+          <p:cNvPr id="27" name="矩形 26"/>
+          <p:cNvSpPr/>
+          <p:nvPr/>
+        </p:nvSpPr>
+        <p:spPr bwMode="auto">
+          <a:xfrm>
+            <a:off x="0" y="238581"/>
+            <a:ext cx="409749" cy="333328"/>
+          </a:xfrm>
+          <a:prstGeom prst="rect">
+            <a:avLst/>
+          </a:prstGeom>
+          <a:solidFill>
+            <a:schemeClr val="bg1"/>
+          </a:solidFill>
+          <a:ln w="9525" cap="flat" cmpd="sng" algn="ctr">
+            <a:noFill/>
+            <a:prstDash val="solid"/>
+            <a:round/>
+            <a:headEnd type="none" w="med" len="med"/>
+            <a:tailEnd type="none" w="med" len="med"/>
+          </a:ln>
+          <a:effectLst/>
+          <a:extLst/>
+        </p:spPr>
+        <p:txBody>
+          <a:bodyPr vert="horz" wrap="square" lIns="91440" tIns="45720" rIns="91440" bIns="45720" numCol="1" rtlCol="0" anchor="t" anchorCtr="0" compatLnSpc="1">
+            <a:prstTxWarp prst="textNoShape">
+              <a:avLst/>
+            </a:prstTxWarp>
+          </a:bodyPr>
+          <a:lstStyle/>
+          <a:p>
+            <a:endParaRPr lang="zh-CN" altLang="en-US" smtClean="0">
+              <a:solidFill>
+                <a:srgbClr val="C4261D"/>
+              </a:solidFill>
+            </a:endParaRPr>
+          </a:p>
+        </p:txBody>
+      </p:sp>
+      <p:pic>
+        <p:nvPicPr>
+          <p:cNvPr id="11266" name="Picture 2"/>
+          <p:cNvPicPr>
+            <a:picLocks noChangeAspect="1" noChangeArrowheads="1"/>
+          </p:cNvPicPr>
+          <p:nvPr/>
+        </p:nvPicPr>
+        <p:blipFill>
+          <a:blip r:embed="rId3">
+            <a:extLst>
+              <a:ext uri="{28A0092B-C50C-407E-A947-70E740481C1C}">
+                <a14:useLocalDpi xmlns:a14="http://schemas.microsoft.com/office/drawing/2010/main" val="0"/>
+              </a:ext>
+            </a:extLst>
+          </a:blip>
+          <a:srcRect/>
+          <a:stretch>
+            <a:fillRect/>
+          </a:stretch>
+        </p:blipFill>
+        <p:spPr bwMode="auto">
+          <a:xfrm>
+            <a:off x="2137941" y="1772816"/>
+            <a:ext cx="7171530" cy="2839286"/>
+          </a:xfrm>
+          <a:prstGeom prst="rect">
+            <a:avLst/>
+          </a:prstGeom>
+          <a:noFill/>
+          <a:ln>
+            <a:noFill/>
+          </a:ln>
+          <a:extLst>
+            <a:ext uri="{909E8E84-426E-40DD-AFC4-6F175D3DCCD1}">
+              <a14:hiddenFill xmlns:a14="http://schemas.microsoft.com/office/drawing/2010/main">
+                <a:solidFill>
+                  <a:schemeClr val="accent1"/>
+                </a:solidFill>
+              </a14:hiddenFill>
+            </a:ext>
+            <a:ext uri="{91240B29-F687-4F45-9708-019B960494DF}">
+              <a14:hiddenLine xmlns:a14="http://schemas.microsoft.com/office/drawing/2010/main" w="9525">
+                <a:solidFill>
+                  <a:schemeClr val="tx1"/>
+                </a:solidFill>
+                <a:miter lim="800000"/>
+                <a:headEnd/>
+                <a:tailEnd/>
+              </a14:hiddenLine>
+            </a:ext>
+          </a:extLst>
+        </p:spPr>
+      </p:pic>
+    </p:spTree>
+    <p:extLst>
+      <p:ext uri="{BB962C8B-B14F-4D97-AF65-F5344CB8AC3E}">
+        <p14:creationId xmlns:p14="http://schemas.microsoft.com/office/powerpoint/2010/main" val="3371999953"/>
+      </p:ext>
+    </p:extLst>
+  </p:cSld>
+  <p:clrMapOvr>
+    <a:masterClrMapping/>
+  </p:clrMapOvr>
+  <p:transition spd="slow" advTm="7876">
+    <p:wipe/>
+  </p:transition>
+  <p:timing>
+    <p:tnLst>
+      <p:par>
+        <p:cTn id="1" dur="indefinite" restart="never" nodeType="tmRoot">
+          <p:childTnLst>
+            <p:seq concurrent="1" nextAc="seek">
+              <p:cTn id="2" dur="indefinite" nodeType="mainSeq">
+                <p:childTnLst>
+                  <p:par>
+                    <p:cTn id="3" fill="hold">
+                      <p:stCondLst>
+                        <p:cond delay="indefinite"/>
+                        <p:cond evt="onBegin" delay="0">
+                          <p:tn val="2"/>
+                        </p:cond>
+                      </p:stCondLst>
+                      <p:childTnLst>
+                        <p:par>
+                          <p:cTn id="4" fill="hold">
+                            <p:stCondLst>
+                              <p:cond delay="0"/>
+                            </p:stCondLst>
+                            <p:childTnLst>
+                              <p:par>
+                                <p:cTn id="5" presetID="2" presetClass="entr" presetSubtype="8" fill="hold" grpId="0" nodeType="afterEffect">
+                                  <p:stCondLst>
+                                    <p:cond delay="0"/>
+                                  </p:stCondLst>
+                                  <p:childTnLst>
+                                    <p:set>
+                                      <p:cBhvr>
+                                        <p:cTn id="6" dur="1" fill="hold">
+                                          <p:stCondLst>
+                                            <p:cond delay="0"/>
+                                          </p:stCondLst>
+                                        </p:cTn>
+                                        <p:tgtEl>
+                                          <p:spTgt spid="27"/>
+                                        </p:tgtEl>
+                                        <p:attrNameLst>
+                                          <p:attrName>style.visibility</p:attrName>
+                                        </p:attrNameLst>
+                                      </p:cBhvr>
+                                      <p:to>
+                                        <p:strVal val="visible"/>
+                                      </p:to>
+                                    </p:set>
+                                    <p:anim calcmode="lin" valueType="num">
+                                      <p:cBhvr additive="base">
+                                        <p:cTn id="7" dur="300" fill="hold"/>
+                                        <p:tgtEl>
+                                          <p:spTgt spid="27"/>
+                                        </p:tgtEl>
+                                        <p:attrNameLst>
+                                          <p:attrName>ppt_x</p:attrName>
+                                        </p:attrNameLst>
+                                      </p:cBhvr>
+                                      <p:tavLst>
+                                        <p:tav tm="0">
+                                          <p:val>
+                                            <p:strVal val="0-#ppt_w/2"/>
+                                          </p:val>
+                                        </p:tav>
+                                        <p:tav tm="100000">
+                                          <p:val>
+                                            <p:strVal val="#ppt_x"/>
+                                          </p:val>
+                                        </p:tav>
+                                      </p:tavLst>
+                                    </p:anim>
+                                    <p:anim calcmode="lin" valueType="num">
+                                      <p:cBhvr additive="base">
+                                        <p:cTn id="8" dur="300" fill="hold"/>
+                                        <p:tgtEl>
+                                          <p:spTgt spid="27"/>
+                                        </p:tgtEl>
+                                        <p:attrNameLst>
+                                          <p:attrName>ppt_y</p:attrName>
+                                        </p:attrNameLst>
+                                      </p:cBhvr>
+                                      <p:tavLst>
+                                        <p:tav tm="0">
+                                          <p:val>
+                                            <p:strVal val="#ppt_y"/>
+                                          </p:val>
+                                        </p:tav>
+                                        <p:tav tm="100000">
+                                          <p:val>
+                                            <p:strVal val="#ppt_y"/>
+                                          </p:val>
+                                        </p:tav>
+                                      </p:tavLst>
+                                    </p:anim>
+                                  </p:childTnLst>
+                                </p:cTn>
+                              </p:par>
+                            </p:childTnLst>
+                          </p:cTn>
+                        </p:par>
+                        <p:par>
+                          <p:cTn id="9" fill="hold">
+                            <p:stCondLst>
+                              <p:cond delay="300"/>
+                            </p:stCondLst>
+                            <p:childTnLst>
+                              <p:par>
+                                <p:cTn id="10" presetID="41" presetClass="entr" presetSubtype="0" fill="hold" grpId="0" nodeType="afterEffect">
+                                  <p:stCondLst>
+                                    <p:cond delay="0"/>
+                                  </p:stCondLst>
+                                  <p:iterate type="lt">
+                                    <p:tmPct val="10000"/>
+                                  </p:iterate>
+                                  <p:childTnLst>
+                                    <p:set>
+                                      <p:cBhvr>
+                                        <p:cTn id="11" dur="1" fill="hold">
+                                          <p:stCondLst>
+                                            <p:cond delay="0"/>
+                                          </p:stCondLst>
+                                        </p:cTn>
+                                        <p:tgtEl>
+                                          <p:spTgt spid="77"/>
+                                        </p:tgtEl>
+                                        <p:attrNameLst>
+                                          <p:attrName>style.visibility</p:attrName>
+                                        </p:attrNameLst>
+                                      </p:cBhvr>
+                                      <p:to>
+                                        <p:strVal val="visible"/>
+                                      </p:to>
+                                    </p:set>
+                                    <p:anim calcmode="lin" valueType="num">
+                                      <p:cBhvr>
+                                        <p:cTn id="12" dur="400" fill="hold"/>
+                                        <p:tgtEl>
+                                          <p:spTgt spid="77"/>
+                                        </p:tgtEl>
+                                        <p:attrNameLst>
+                                          <p:attrName>ppt_x</p:attrName>
+                                        </p:attrNameLst>
+                                      </p:cBhvr>
+                                      <p:tavLst>
+                                        <p:tav tm="0">
+                                          <p:val>
+                                            <p:strVal val="#ppt_x"/>
+                                          </p:val>
+                                        </p:tav>
+                                        <p:tav tm="50000">
+                                          <p:val>
+                                            <p:strVal val="#ppt_x+.1"/>
+                                          </p:val>
+                                        </p:tav>
+                                        <p:tav tm="100000">
+                                          <p:val>
+                                            <p:strVal val="#ppt_x"/>
+                                          </p:val>
+                                        </p:tav>
+                                      </p:tavLst>
+                                    </p:anim>
+                                    <p:anim calcmode="lin" valueType="num">
+                                      <p:cBhvr>
+                                        <p:cTn id="13" dur="400" fill="hold"/>
+                                        <p:tgtEl>
+                                          <p:spTgt spid="77"/>
+                                        </p:tgtEl>
+                                        <p:attrNameLst>
+                                          <p:attrName>ppt_y</p:attrName>
+                                        </p:attrNameLst>
+                                      </p:cBhvr>
+                                      <p:tavLst>
+                                        <p:tav tm="0">
+                                          <p:val>
+                                            <p:strVal val="#ppt_y"/>
+                                          </p:val>
+                                        </p:tav>
+                                        <p:tav tm="100000">
+                                          <p:val>
+                                            <p:strVal val="#ppt_y"/>
+                                          </p:val>
+                                        </p:tav>
+                                      </p:tavLst>
+                                    </p:anim>
+                                    <p:anim calcmode="lin" valueType="num">
+                                      <p:cBhvr>
+                                        <p:cTn id="14" dur="400" fill="hold"/>
+                                        <p:tgtEl>
+                                          <p:spTgt spid="77"/>
+                                        </p:tgtEl>
+                                        <p:attrNameLst>
+                                          <p:attrName>ppt_h</p:attrName>
+                                        </p:attrNameLst>
+                                      </p:cBhvr>
+                                      <p:tavLst>
+                                        <p:tav tm="0">
+                                          <p:val>
+                                            <p:strVal val="#ppt_h/10"/>
+                                          </p:val>
+                                        </p:tav>
+                                        <p:tav tm="50000">
+                                          <p:val>
+                                            <p:strVal val="#ppt_h+.01"/>
+                                          </p:val>
+                                        </p:tav>
+                                        <p:tav tm="100000">
+                                          <p:val>
+                                            <p:strVal val="#ppt_h"/>
+                                          </p:val>
+                                        </p:tav>
+                                      </p:tavLst>
+                                    </p:anim>
+                                    <p:anim calcmode="lin" valueType="num">
+                                      <p:cBhvr>
+                                        <p:cTn id="15" dur="400" fill="hold"/>
+                                        <p:tgtEl>
+                                          <p:spTgt spid="77"/>
+                                        </p:tgtEl>
+                                        <p:attrNameLst>
+                                          <p:attrName>ppt_w</p:attrName>
+                                        </p:attrNameLst>
+                                      </p:cBhvr>
+                                      <p:tavLst>
+                                        <p:tav tm="0">
+                                          <p:val>
+                                            <p:strVal val="#ppt_w/10"/>
+                                          </p:val>
+                                        </p:tav>
+                                        <p:tav tm="50000">
+                                          <p:val>
+                                            <p:strVal val="#ppt_w+.01"/>
+                                          </p:val>
+                                        </p:tav>
+                                        <p:tav tm="100000">
+                                          <p:val>
+                                            <p:strVal val="#ppt_w"/>
+                                          </p:val>
+                                        </p:tav>
+                                      </p:tavLst>
+                                    </p:anim>
+                                    <p:animEffect transition="in" filter="fade">
+                                      <p:cBhvr>
+                                        <p:cTn id="16" dur="400" tmFilter="0,0; .5, 1; 1, 1"/>
+                                        <p:tgtEl>
+                                          <p:spTgt spid="77"/>
+                                        </p:tgtEl>
+                                      </p:cBhvr>
+                                    </p:animEffect>
+                                  </p:childTnLst>
+                                </p:cTn>
+                              </p:par>
+                            </p:childTnLst>
+                          </p:cTn>
+                        </p:par>
+                      </p:childTnLst>
+                    </p:cTn>
+                  </p:par>
+                </p:childTnLst>
+              </p:cTn>
+              <p:prevCondLst>
+                <p:cond evt="onPrev" delay="0">
+                  <p:tgtEl>
+                    <p:sldTgt/>
+                  </p:tgtEl>
+                </p:cond>
+              </p:prevCondLst>
+              <p:nextCondLst>
+                <p:cond evt="onNext" delay="0">
+                  <p:tgtEl>
+                    <p:sldTgt/>
+                  </p:tgtEl>
+                </p:cond>
+              </p:nextCondLst>
+            </p:seq>
+          </p:childTnLst>
+        </p:cTn>
+      </p:par>
+    </p:tnLst>
+    <p:bldLst>
+      <p:bldP spid="77" grpId="0"/>
+      <p:bldP spid="27" grpId="0" animBg="1"/>
+    </p:bldLst>
+  </p:timing>
+</p:sld>
+</file>
+
+<file path=ppt/slides/slide21.xml><?xml version="1.0" encoding="utf-8"?>
+<p:sld xmlns:a="http://schemas.openxmlformats.org/drawingml/2006/main" xmlns:r="http://schemas.openxmlformats.org/officeDocument/2006/relationships" xmlns:p="http://schemas.openxmlformats.org/presentationml/2006/main">
+  <p:cSld>
+    <p:bg>
+      <p:bgPr>
+        <a:solidFill>
+          <a:srgbClr val="AF2019"/>
+        </a:solidFill>
+        <a:effectLst/>
+      </p:bgPr>
+    </p:bg>
+    <p:spTree>
+      <p:nvGrpSpPr>
+        <p:cNvPr id="1" name=""/>
+        <p:cNvGrpSpPr/>
+        <p:nvPr/>
+      </p:nvGrpSpPr>
+      <p:grpSpPr>
+        <a:xfrm>
+          <a:off x="0" y="0"/>
+          <a:ext cx="0" cy="0"/>
+          <a:chOff x="0" y="0"/>
+          <a:chExt cx="0" cy="0"/>
+        </a:xfrm>
+      </p:grpSpPr>
+      <p:sp>
+        <p:nvSpPr>
+          <p:cNvPr id="22" name="矩形 21"/>
+          <p:cNvSpPr/>
+          <p:nvPr/>
+        </p:nvSpPr>
+        <p:spPr bwMode="auto">
+          <a:xfrm>
+            <a:off x="0" y="666517"/>
+            <a:ext cx="12196763" cy="6002843"/>
+          </a:xfrm>
+          <a:prstGeom prst="rect">
+            <a:avLst/>
+          </a:prstGeom>
+          <a:solidFill>
+            <a:schemeClr val="bg2">
+              <a:lumMod val="20000"/>
+              <a:lumOff val="80000"/>
+            </a:schemeClr>
+          </a:solidFill>
+          <a:ln w="9525" cap="flat" cmpd="sng" algn="ctr">
+            <a:noFill/>
+            <a:prstDash val="solid"/>
+            <a:round/>
+            <a:headEnd type="none" w="med" len="med"/>
+            <a:tailEnd type="none" w="med" len="med"/>
+          </a:ln>
+          <a:effectLst/>
+          <a:extLst/>
+        </p:spPr>
+        <p:txBody>
+          <a:bodyPr vert="horz" wrap="square" lIns="91440" tIns="45720" rIns="91440" bIns="45720" numCol="1" rtlCol="0" anchor="t" anchorCtr="0" compatLnSpc="1">
+            <a:prstTxWarp prst="textNoShape">
+              <a:avLst/>
+            </a:prstTxWarp>
+          </a:bodyPr>
+          <a:lstStyle/>
+          <a:p>
+            <a:endParaRPr lang="zh-CN" altLang="en-US" dirty="0" smtClean="0">
+              <a:solidFill>
+                <a:srgbClr val="C4261D"/>
+              </a:solidFill>
+            </a:endParaRPr>
+          </a:p>
+        </p:txBody>
+      </p:sp>
+      <p:sp>
+        <p:nvSpPr>
+          <p:cNvPr id="27" name="矩形 26"/>
+          <p:cNvSpPr/>
+          <p:nvPr/>
+        </p:nvSpPr>
+        <p:spPr bwMode="auto">
+          <a:xfrm>
+            <a:off x="0" y="238581"/>
+            <a:ext cx="409749" cy="333328"/>
+          </a:xfrm>
+          <a:prstGeom prst="rect">
+            <a:avLst/>
+          </a:prstGeom>
+          <a:solidFill>
+            <a:schemeClr val="bg1"/>
+          </a:solidFill>
+          <a:ln w="9525" cap="flat" cmpd="sng" algn="ctr">
+            <a:noFill/>
+            <a:prstDash val="solid"/>
+            <a:round/>
+            <a:headEnd type="none" w="med" len="med"/>
+            <a:tailEnd type="none" w="med" len="med"/>
+          </a:ln>
+          <a:effectLst/>
+          <a:extLst/>
+        </p:spPr>
+        <p:txBody>
+          <a:bodyPr vert="horz" wrap="square" lIns="91440" tIns="45720" rIns="91440" bIns="45720" numCol="1" rtlCol="0" anchor="t" anchorCtr="0" compatLnSpc="1">
+            <a:prstTxWarp prst="textNoShape">
+              <a:avLst/>
+            </a:prstTxWarp>
+          </a:bodyPr>
+          <a:lstStyle/>
+          <a:p>
+            <a:endParaRPr lang="zh-CN" altLang="en-US" smtClean="0">
+              <a:solidFill>
+                <a:srgbClr val="C4261D"/>
+              </a:solidFill>
+            </a:endParaRPr>
+          </a:p>
+        </p:txBody>
+      </p:sp>
+      <p:sp>
+        <p:nvSpPr>
+          <p:cNvPr id="7" name="矩形 6"/>
+          <p:cNvSpPr/>
+          <p:nvPr/>
+        </p:nvSpPr>
+        <p:spPr bwMode="auto">
+          <a:xfrm>
+            <a:off x="3218061" y="2996952"/>
+            <a:ext cx="8784976" cy="621947"/>
+          </a:xfrm>
+          <a:prstGeom prst="rect">
+            <a:avLst/>
+          </a:prstGeom>
+          <a:solidFill>
+            <a:schemeClr val="tx1"/>
+          </a:solidFill>
+          <a:ln w="9525" cap="flat" cmpd="sng" algn="ctr">
+            <a:noFill/>
+            <a:prstDash val="solid"/>
+            <a:round/>
+            <a:headEnd type="none" w="med" len="med"/>
+            <a:tailEnd type="none" w="med" len="med"/>
+          </a:ln>
+          <a:effectLst/>
+          <a:extLst/>
+        </p:spPr>
+        <p:txBody>
+          <a:bodyPr vert="horz" wrap="square" lIns="91440" tIns="45720" rIns="91440" bIns="45720" numCol="1" rtlCol="0" anchor="t" anchorCtr="0" compatLnSpc="1">
+            <a:prstTxWarp prst="textNoShape">
+              <a:avLst/>
+            </a:prstTxWarp>
+          </a:bodyPr>
+          <a:lstStyle/>
+          <a:p>
+            <a:pPr algn="ctr"/>
+            <a:r>
+              <a:rPr lang="zh-CN" altLang="en-US" sz="3200" dirty="0" smtClean="0">
+                <a:solidFill>
+                  <a:srgbClr val="F8F8F8"/>
+                </a:solidFill>
+                <a:latin typeface="微软雅黑"/>
+                <a:ea typeface="微软雅黑"/>
+              </a:rPr>
+              <a:t>能否该顺序读取（写入）为随机读取（写入）？</a:t>
+            </a:r>
+          </a:p>
+        </p:txBody>
+      </p:sp>
+      <p:pic>
+        <p:nvPicPr>
+          <p:cNvPr id="6" name="Picture 2"/>
+          <p:cNvPicPr>
+            <a:picLocks noChangeAspect="1" noChangeArrowheads="1"/>
+          </p:cNvPicPr>
+          <p:nvPr/>
+        </p:nvPicPr>
+        <p:blipFill>
+          <a:blip r:embed="rId3">
+            <a:extLst>
+              <a:ext uri="{28A0092B-C50C-407E-A947-70E740481C1C}">
+                <a14:useLocalDpi xmlns:a14="http://schemas.microsoft.com/office/drawing/2010/main" val="0"/>
+              </a:ext>
+            </a:extLst>
+          </a:blip>
+          <a:srcRect/>
+          <a:stretch>
+            <a:fillRect/>
+          </a:stretch>
+        </p:blipFill>
+        <p:spPr bwMode="auto">
+          <a:xfrm>
+            <a:off x="385565" y="1337208"/>
+            <a:ext cx="2683522" cy="4314428"/>
+          </a:xfrm>
+          <a:prstGeom prst="rect">
+            <a:avLst/>
+          </a:prstGeom>
+          <a:noFill/>
+          <a:ln>
+            <a:noFill/>
+          </a:ln>
+          <a:extLst>
+            <a:ext uri="{909E8E84-426E-40DD-AFC4-6F175D3DCCD1}">
+              <a14:hiddenFill xmlns:a14="http://schemas.microsoft.com/office/drawing/2010/main">
+                <a:solidFill>
+                  <a:schemeClr val="accent1"/>
+                </a:solidFill>
+              </a14:hiddenFill>
+            </a:ext>
+            <a:ext uri="{91240B29-F687-4F45-9708-019B960494DF}">
+              <a14:hiddenLine xmlns:a14="http://schemas.microsoft.com/office/drawing/2010/main" w="9525">
+                <a:solidFill>
+                  <a:schemeClr val="tx1"/>
+                </a:solidFill>
+                <a:miter lim="800000"/>
+                <a:headEnd/>
+                <a:tailEnd/>
+              </a14:hiddenLine>
+            </a:ext>
+          </a:extLst>
+        </p:spPr>
+      </p:pic>
+    </p:spTree>
+    <p:extLst>
+      <p:ext uri="{BB962C8B-B14F-4D97-AF65-F5344CB8AC3E}">
+        <p14:creationId xmlns:p14="http://schemas.microsoft.com/office/powerpoint/2010/main" val="360843440"/>
+      </p:ext>
+    </p:extLst>
+  </p:cSld>
+  <p:clrMapOvr>
+    <a:masterClrMapping/>
+  </p:clrMapOvr>
+  <p:transition spd="slow" advTm="7876">
+    <p:wipe/>
+  </p:transition>
+  <p:timing>
+    <p:tnLst>
+      <p:par>
+        <p:cTn id="1" dur="indefinite" restart="never" nodeType="tmRoot">
+          <p:childTnLst>
+            <p:seq concurrent="1" nextAc="seek">
+              <p:cTn id="2" dur="indefinite" nodeType="mainSeq">
+                <p:childTnLst>
+                  <p:par>
+                    <p:cTn id="3" fill="hold">
+                      <p:stCondLst>
+                        <p:cond delay="indefinite"/>
+                        <p:cond evt="onBegin" delay="0">
+                          <p:tn val="2"/>
+                        </p:cond>
+                      </p:stCondLst>
+                      <p:childTnLst>
+                        <p:par>
+                          <p:cTn id="4" fill="hold">
+                            <p:stCondLst>
+                              <p:cond delay="0"/>
+                            </p:stCondLst>
+                            <p:childTnLst>
+                              <p:par>
+                                <p:cTn id="5" presetID="2" presetClass="entr" presetSubtype="8" fill="hold" grpId="0" nodeType="afterEffect">
+                                  <p:stCondLst>
+                                    <p:cond delay="0"/>
+                                  </p:stCondLst>
+                                  <p:childTnLst>
+                                    <p:set>
+                                      <p:cBhvr>
+                                        <p:cTn id="6" dur="1" fill="hold">
+                                          <p:stCondLst>
+                                            <p:cond delay="0"/>
+                                          </p:stCondLst>
+                                        </p:cTn>
+                                        <p:tgtEl>
+                                          <p:spTgt spid="27"/>
+                                        </p:tgtEl>
+                                        <p:attrNameLst>
+                                          <p:attrName>style.visibility</p:attrName>
+                                        </p:attrNameLst>
+                                      </p:cBhvr>
+                                      <p:to>
+                                        <p:strVal val="visible"/>
+                                      </p:to>
+                                    </p:set>
+                                    <p:anim calcmode="lin" valueType="num">
+                                      <p:cBhvr additive="base">
+                                        <p:cTn id="7" dur="300" fill="hold"/>
+                                        <p:tgtEl>
+                                          <p:spTgt spid="27"/>
+                                        </p:tgtEl>
+                                        <p:attrNameLst>
+                                          <p:attrName>ppt_x</p:attrName>
+                                        </p:attrNameLst>
+                                      </p:cBhvr>
+                                      <p:tavLst>
+                                        <p:tav tm="0">
+                                          <p:val>
+                                            <p:strVal val="0-#ppt_w/2"/>
+                                          </p:val>
+                                        </p:tav>
+                                        <p:tav tm="100000">
+                                          <p:val>
+                                            <p:strVal val="#ppt_x"/>
+                                          </p:val>
+                                        </p:tav>
+                                      </p:tavLst>
+                                    </p:anim>
+                                    <p:anim calcmode="lin" valueType="num">
+                                      <p:cBhvr additive="base">
+                                        <p:cTn id="8" dur="300" fill="hold"/>
+                                        <p:tgtEl>
+                                          <p:spTgt spid="27"/>
+                                        </p:tgtEl>
+                                        <p:attrNameLst>
+                                          <p:attrName>ppt_y</p:attrName>
+                                        </p:attrNameLst>
+                                      </p:cBhvr>
+                                      <p:tavLst>
+                                        <p:tav tm="0">
+                                          <p:val>
+                                            <p:strVal val="#ppt_y"/>
+                                          </p:val>
+                                        </p:tav>
+                                        <p:tav tm="100000">
+                                          <p:val>
+                                            <p:strVal val="#ppt_y"/>
+                                          </p:val>
+                                        </p:tav>
+                                      </p:tavLst>
+                                    </p:anim>
+                                  </p:childTnLst>
+                                </p:cTn>
+                              </p:par>
+                            </p:childTnLst>
+                          </p:cTn>
+                        </p:par>
+                        <p:par>
+                          <p:cTn id="9" fill="hold">
+                            <p:stCondLst>
+                              <p:cond delay="300"/>
+                            </p:stCondLst>
+                            <p:childTnLst>
+                              <p:par>
+                                <p:cTn id="10" presetID="22" presetClass="entr" presetSubtype="2" fill="hold" grpId="0" nodeType="afterEffect">
+                                  <p:stCondLst>
+                                    <p:cond delay="0"/>
+                                  </p:stCondLst>
+                                  <p:childTnLst>
+                                    <p:set>
+                                      <p:cBhvr>
+                                        <p:cTn id="11" dur="1" fill="hold">
+                                          <p:stCondLst>
+                                            <p:cond delay="0"/>
+                                          </p:stCondLst>
+                                        </p:cTn>
+                                        <p:tgtEl>
+                                          <p:spTgt spid="7"/>
+                                        </p:tgtEl>
+                                        <p:attrNameLst>
+                                          <p:attrName>style.visibility</p:attrName>
+                                        </p:attrNameLst>
+                                      </p:cBhvr>
+                                      <p:to>
+                                        <p:strVal val="visible"/>
+                                      </p:to>
+                                    </p:set>
+                                    <p:animEffect transition="in" filter="wipe(right)">
+                                      <p:cBhvr>
+                                        <p:cTn id="12" dur="500"/>
+                                        <p:tgtEl>
+                                          <p:spTgt spid="7"/>
+                                        </p:tgtEl>
+                                      </p:cBhvr>
+                                    </p:animEffect>
+                                  </p:childTnLst>
+                                </p:cTn>
+                              </p:par>
+                            </p:childTnLst>
+                          </p:cTn>
+                        </p:par>
+                      </p:childTnLst>
+                    </p:cTn>
+                  </p:par>
+                </p:childTnLst>
+              </p:cTn>
+              <p:prevCondLst>
+                <p:cond evt="onPrev" delay="0">
+                  <p:tgtEl>
+                    <p:sldTgt/>
+                  </p:tgtEl>
+                </p:cond>
+              </p:prevCondLst>
+              <p:nextCondLst>
+                <p:cond evt="onNext" delay="0">
+                  <p:tgtEl>
+                    <p:sldTgt/>
+                  </p:tgtEl>
+                </p:cond>
+              </p:nextCondLst>
+            </p:seq>
+          </p:childTnLst>
+        </p:cTn>
+      </p:par>
+    </p:tnLst>
+    <p:bldLst>
+      <p:bldP spid="27" grpId="0" animBg="1"/>
+      <p:bldP spid="7" grpId="0" animBg="1"/>
+    </p:bldLst>
+  </p:timing>
+</p:sld>
+</file>
+
+<file path=ppt/slides/slide22.xml><?xml version="1.0" encoding="utf-8"?>
+<p:sld xmlns:a="http://schemas.openxmlformats.org/drawingml/2006/main" xmlns:r="http://schemas.openxmlformats.org/officeDocument/2006/relationships" xmlns:p="http://schemas.openxmlformats.org/presentationml/2006/main">
+  <p:cSld>
+    <p:bg>
+      <p:bgPr>
+        <a:solidFill>
+          <a:srgbClr val="AF2019"/>
+        </a:solidFill>
+        <a:effectLst/>
+      </p:bgPr>
+    </p:bg>
+    <p:spTree>
+      <p:nvGrpSpPr>
+        <p:cNvPr id="1" name=""/>
+        <p:cNvGrpSpPr/>
+        <p:nvPr/>
+      </p:nvGrpSpPr>
+      <p:grpSpPr>
+        <a:xfrm>
+          <a:off x="0" y="0"/>
+          <a:ext cx="0" cy="0"/>
+          <a:chOff x="0" y="0"/>
+          <a:chExt cx="0" cy="0"/>
+        </a:xfrm>
+      </p:grpSpPr>
+      <p:sp>
+        <p:nvSpPr>
+          <p:cNvPr id="22" name="矩形 21"/>
+          <p:cNvSpPr/>
+          <p:nvPr/>
+        </p:nvSpPr>
+        <p:spPr bwMode="auto">
+          <a:xfrm>
+            <a:off x="0" y="666517"/>
+            <a:ext cx="12196763" cy="6002843"/>
+          </a:xfrm>
+          <a:prstGeom prst="rect">
+            <a:avLst/>
+          </a:prstGeom>
+          <a:solidFill>
+            <a:schemeClr val="bg2">
+              <a:lumMod val="20000"/>
+              <a:lumOff val="80000"/>
+            </a:schemeClr>
+          </a:solidFill>
+          <a:ln w="9525" cap="flat" cmpd="sng" algn="ctr">
+            <a:noFill/>
+            <a:prstDash val="solid"/>
+            <a:round/>
+            <a:headEnd type="none" w="med" len="med"/>
+            <a:tailEnd type="none" w="med" len="med"/>
+          </a:ln>
+          <a:effectLst/>
+          <a:extLst/>
+        </p:spPr>
+        <p:txBody>
+          <a:bodyPr vert="horz" wrap="square" lIns="91440" tIns="45720" rIns="91440" bIns="45720" numCol="1" rtlCol="0" anchor="t" anchorCtr="0" compatLnSpc="1">
+            <a:prstTxWarp prst="textNoShape">
+              <a:avLst/>
+            </a:prstTxWarp>
+          </a:bodyPr>
+          <a:lstStyle/>
+          <a:p>
+            <a:endParaRPr lang="zh-CN" altLang="en-US" dirty="0" smtClean="0">
+              <a:solidFill>
+                <a:srgbClr val="C4261D"/>
+              </a:solidFill>
+            </a:endParaRPr>
+          </a:p>
+        </p:txBody>
+      </p:sp>
+      <p:sp>
+        <p:nvSpPr>
+          <p:cNvPr id="27" name="矩形 26"/>
+          <p:cNvSpPr/>
+          <p:nvPr/>
+        </p:nvSpPr>
+        <p:spPr bwMode="auto">
+          <a:xfrm>
+            <a:off x="0" y="238581"/>
+            <a:ext cx="409749" cy="333328"/>
+          </a:xfrm>
+          <a:prstGeom prst="rect">
+            <a:avLst/>
+          </a:prstGeom>
+          <a:solidFill>
+            <a:schemeClr val="bg1"/>
+          </a:solidFill>
+          <a:ln w="9525" cap="flat" cmpd="sng" algn="ctr">
+            <a:noFill/>
+            <a:prstDash val="solid"/>
+            <a:round/>
+            <a:headEnd type="none" w="med" len="med"/>
+            <a:tailEnd type="none" w="med" len="med"/>
+          </a:ln>
+          <a:effectLst/>
+          <a:extLst/>
+        </p:spPr>
+        <p:txBody>
+          <a:bodyPr vert="horz" wrap="square" lIns="91440" tIns="45720" rIns="91440" bIns="45720" numCol="1" rtlCol="0" anchor="t" anchorCtr="0" compatLnSpc="1">
+            <a:prstTxWarp prst="textNoShape">
+              <a:avLst/>
+            </a:prstTxWarp>
+          </a:bodyPr>
+          <a:lstStyle/>
+          <a:p>
+            <a:endParaRPr lang="zh-CN" altLang="en-US" smtClean="0">
+              <a:solidFill>
+                <a:srgbClr val="C4261D"/>
+              </a:solidFill>
+            </a:endParaRPr>
+          </a:p>
+        </p:txBody>
+      </p:sp>
+      <p:sp>
+        <p:nvSpPr>
+          <p:cNvPr id="7" name="矩形 6"/>
+          <p:cNvSpPr/>
+          <p:nvPr/>
+        </p:nvSpPr>
+        <p:spPr bwMode="auto">
+          <a:xfrm>
+            <a:off x="-5478" y="51365"/>
+            <a:ext cx="12165009" cy="615152"/>
+          </a:xfrm>
+          <a:prstGeom prst="rect">
+            <a:avLst/>
+          </a:prstGeom>
+          <a:solidFill>
+            <a:schemeClr val="tx1"/>
+          </a:solidFill>
+          <a:ln w="9525" cap="flat" cmpd="sng" algn="ctr">
+            <a:noFill/>
+            <a:prstDash val="solid"/>
+            <a:round/>
+            <a:headEnd type="none" w="med" len="med"/>
+            <a:tailEnd type="none" w="med" len="med"/>
+          </a:ln>
+          <a:effectLst/>
+          <a:extLst/>
+        </p:spPr>
+        <p:txBody>
+          <a:bodyPr vert="horz" wrap="square" lIns="91440" tIns="45720" rIns="91440" bIns="45720" numCol="1" rtlCol="0" anchor="t" anchorCtr="0" compatLnSpc="1">
+            <a:prstTxWarp prst="textNoShape">
+              <a:avLst/>
+            </a:prstTxWarp>
+          </a:bodyPr>
+          <a:lstStyle/>
+          <a:p>
+            <a:pPr algn="ctr"/>
+            <a:r>
+              <a:rPr lang="en-US" altLang="zh-CN" sz="3200" dirty="0" err="1" smtClean="0">
+                <a:solidFill>
+                  <a:srgbClr val="F8F8F8"/>
+                </a:solidFill>
+                <a:latin typeface="微软雅黑"/>
+                <a:ea typeface="微软雅黑"/>
+              </a:rPr>
+              <a:t>RandomAccessFile</a:t>
+            </a:r>
+            <a:endParaRPr lang="zh-CN" altLang="en-US" sz="3200" dirty="0" smtClean="0">
+              <a:solidFill>
+                <a:srgbClr val="F8F8F8"/>
+              </a:solidFill>
+              <a:latin typeface="微软雅黑"/>
+              <a:ea typeface="微软雅黑"/>
+            </a:endParaRPr>
+          </a:p>
+        </p:txBody>
+      </p:sp>
+      <p:pic>
+        <p:nvPicPr>
+          <p:cNvPr id="5122" name="Picture 2"/>
+          <p:cNvPicPr>
+            <a:picLocks noChangeAspect="1" noChangeArrowheads="1"/>
+          </p:cNvPicPr>
+          <p:nvPr/>
+        </p:nvPicPr>
+        <p:blipFill>
+          <a:blip r:embed="rId3">
+            <a:extLst>
+              <a:ext uri="{28A0092B-C50C-407E-A947-70E740481C1C}">
+                <a14:useLocalDpi xmlns:a14="http://schemas.microsoft.com/office/drawing/2010/main" val="0"/>
+              </a:ext>
+            </a:extLst>
+          </a:blip>
+          <a:srcRect/>
+          <a:stretch>
+            <a:fillRect/>
+          </a:stretch>
+        </p:blipFill>
+        <p:spPr bwMode="auto">
+          <a:xfrm>
+            <a:off x="174625" y="1662113"/>
+            <a:ext cx="11847513" cy="3533775"/>
+          </a:xfrm>
+          <a:prstGeom prst="rect">
+            <a:avLst/>
+          </a:prstGeom>
+          <a:noFill/>
+          <a:ln>
+            <a:noFill/>
+          </a:ln>
+          <a:extLst>
+            <a:ext uri="{909E8E84-426E-40DD-AFC4-6F175D3DCCD1}">
+              <a14:hiddenFill xmlns:a14="http://schemas.microsoft.com/office/drawing/2010/main">
+                <a:solidFill>
+                  <a:schemeClr val="accent1"/>
+                </a:solidFill>
+              </a14:hiddenFill>
+            </a:ext>
+            <a:ext uri="{91240B29-F687-4F45-9708-019B960494DF}">
+              <a14:hiddenLine xmlns:a14="http://schemas.microsoft.com/office/drawing/2010/main" w="9525">
+                <a:solidFill>
+                  <a:schemeClr val="tx1"/>
+                </a:solidFill>
+                <a:miter lim="800000"/>
+                <a:headEnd/>
+                <a:tailEnd/>
+              </a14:hiddenLine>
+            </a:ext>
+          </a:extLst>
+        </p:spPr>
+      </p:pic>
+    </p:spTree>
+    <p:extLst>
+      <p:ext uri="{BB962C8B-B14F-4D97-AF65-F5344CB8AC3E}">
+        <p14:creationId xmlns:p14="http://schemas.microsoft.com/office/powerpoint/2010/main" val="3589884128"/>
+      </p:ext>
+    </p:extLst>
+  </p:cSld>
+  <p:clrMapOvr>
+    <a:masterClrMapping/>
+  </p:clrMapOvr>
+  <p:transition spd="slow" advTm="7876">
+    <p:wipe/>
+  </p:transition>
+  <p:timing>
+    <p:tnLst>
+      <p:par>
+        <p:cTn id="1" dur="indefinite" restart="never" nodeType="tmRoot">
+          <p:childTnLst>
+            <p:seq concurrent="1" nextAc="seek">
+              <p:cTn id="2" dur="indefinite" nodeType="mainSeq">
+                <p:childTnLst>
+                  <p:par>
+                    <p:cTn id="3" fill="hold">
+                      <p:stCondLst>
+                        <p:cond delay="indefinite"/>
+                        <p:cond evt="onBegin" delay="0">
+                          <p:tn val="2"/>
+                        </p:cond>
+                      </p:stCondLst>
+                      <p:childTnLst>
+                        <p:par>
+                          <p:cTn id="4" fill="hold">
+                            <p:stCondLst>
+                              <p:cond delay="0"/>
+                            </p:stCondLst>
+                            <p:childTnLst>
+                              <p:par>
+                                <p:cTn id="5" presetID="2" presetClass="entr" presetSubtype="8" fill="hold" grpId="0" nodeType="afterEffect">
+                                  <p:stCondLst>
+                                    <p:cond delay="0"/>
+                                  </p:stCondLst>
+                                  <p:childTnLst>
+                                    <p:set>
+                                      <p:cBhvr>
+                                        <p:cTn id="6" dur="1" fill="hold">
+                                          <p:stCondLst>
+                                            <p:cond delay="0"/>
+                                          </p:stCondLst>
+                                        </p:cTn>
+                                        <p:tgtEl>
+                                          <p:spTgt spid="27"/>
+                                        </p:tgtEl>
+                                        <p:attrNameLst>
+                                          <p:attrName>style.visibility</p:attrName>
+                                        </p:attrNameLst>
+                                      </p:cBhvr>
+                                      <p:to>
+                                        <p:strVal val="visible"/>
+                                      </p:to>
+                                    </p:set>
+                                    <p:anim calcmode="lin" valueType="num">
+                                      <p:cBhvr additive="base">
+                                        <p:cTn id="7" dur="300" fill="hold"/>
+                                        <p:tgtEl>
+                                          <p:spTgt spid="27"/>
+                                        </p:tgtEl>
+                                        <p:attrNameLst>
+                                          <p:attrName>ppt_x</p:attrName>
+                                        </p:attrNameLst>
+                                      </p:cBhvr>
+                                      <p:tavLst>
+                                        <p:tav tm="0">
+                                          <p:val>
+                                            <p:strVal val="0-#ppt_w/2"/>
+                                          </p:val>
+                                        </p:tav>
+                                        <p:tav tm="100000">
+                                          <p:val>
+                                            <p:strVal val="#ppt_x"/>
+                                          </p:val>
+                                        </p:tav>
+                                      </p:tavLst>
+                                    </p:anim>
+                                    <p:anim calcmode="lin" valueType="num">
+                                      <p:cBhvr additive="base">
+                                        <p:cTn id="8" dur="300" fill="hold"/>
+                                        <p:tgtEl>
+                                          <p:spTgt spid="27"/>
+                                        </p:tgtEl>
+                                        <p:attrNameLst>
+                                          <p:attrName>ppt_y</p:attrName>
+                                        </p:attrNameLst>
+                                      </p:cBhvr>
+                                      <p:tavLst>
+                                        <p:tav tm="0">
+                                          <p:val>
+                                            <p:strVal val="#ppt_y"/>
+                                          </p:val>
+                                        </p:tav>
+                                        <p:tav tm="100000">
+                                          <p:val>
+                                            <p:strVal val="#ppt_y"/>
+                                          </p:val>
+                                        </p:tav>
+                                      </p:tavLst>
+                                    </p:anim>
+                                  </p:childTnLst>
+                                </p:cTn>
+                              </p:par>
+                            </p:childTnLst>
+                          </p:cTn>
+                        </p:par>
+                        <p:par>
+                          <p:cTn id="9" fill="hold">
+                            <p:stCondLst>
+                              <p:cond delay="300"/>
+                            </p:stCondLst>
+                            <p:childTnLst>
+                              <p:par>
+                                <p:cTn id="10" presetID="22" presetClass="entr" presetSubtype="2" fill="hold" grpId="0" nodeType="afterEffect">
+                                  <p:stCondLst>
+                                    <p:cond delay="0"/>
+                                  </p:stCondLst>
+                                  <p:childTnLst>
+                                    <p:set>
+                                      <p:cBhvr>
+                                        <p:cTn id="11" dur="1" fill="hold">
+                                          <p:stCondLst>
+                                            <p:cond delay="0"/>
+                                          </p:stCondLst>
+                                        </p:cTn>
+                                        <p:tgtEl>
+                                          <p:spTgt spid="7"/>
+                                        </p:tgtEl>
+                                        <p:attrNameLst>
+                                          <p:attrName>style.visibility</p:attrName>
+                                        </p:attrNameLst>
+                                      </p:cBhvr>
+                                      <p:to>
+                                        <p:strVal val="visible"/>
+                                      </p:to>
+                                    </p:set>
+                                    <p:animEffect transition="in" filter="wipe(right)">
+                                      <p:cBhvr>
+                                        <p:cTn id="12" dur="500"/>
+                                        <p:tgtEl>
+                                          <p:spTgt spid="7"/>
+                                        </p:tgtEl>
+                                      </p:cBhvr>
+                                    </p:animEffect>
+                                  </p:childTnLst>
+                                </p:cTn>
+                              </p:par>
+                            </p:childTnLst>
+                          </p:cTn>
+                        </p:par>
+                      </p:childTnLst>
+                    </p:cTn>
+                  </p:par>
+                </p:childTnLst>
+              </p:cTn>
+              <p:prevCondLst>
+                <p:cond evt="onPrev" delay="0">
+                  <p:tgtEl>
+                    <p:sldTgt/>
+                  </p:tgtEl>
+                </p:cond>
+              </p:prevCondLst>
+              <p:nextCondLst>
+                <p:cond evt="onNext" delay="0">
+                  <p:tgtEl>
+                    <p:sldTgt/>
+                  </p:tgtEl>
+                </p:cond>
+              </p:nextCondLst>
+            </p:seq>
+          </p:childTnLst>
+        </p:cTn>
+      </p:par>
+    </p:tnLst>
+    <p:bldLst>
+      <p:bldP spid="27" grpId="0" animBg="1"/>
+      <p:bldP spid="7" grpId="0" animBg="1"/>
+    </p:bldLst>
+  </p:timing>
+</p:sld>
+</file>
+
+<file path=ppt/slides/slide23.xml><?xml version="1.0" encoding="utf-8"?>
+<p:sld xmlns:a="http://schemas.openxmlformats.org/drawingml/2006/main" xmlns:r="http://schemas.openxmlformats.org/officeDocument/2006/relationships" xmlns:p="http://schemas.openxmlformats.org/presentationml/2006/main">
+  <p:cSld>
+    <p:bg>
+      <p:bgPr>
+        <a:solidFill>
+          <a:srgbClr val="AF2019"/>
+        </a:solidFill>
+        <a:effectLst/>
+      </p:bgPr>
+    </p:bg>
+    <p:spTree>
+      <p:nvGrpSpPr>
+        <p:cNvPr id="1" name=""/>
+        <p:cNvGrpSpPr/>
+        <p:nvPr/>
+      </p:nvGrpSpPr>
+      <p:grpSpPr>
+        <a:xfrm>
+          <a:off x="0" y="0"/>
+          <a:ext cx="0" cy="0"/>
+          <a:chOff x="0" y="0"/>
+          <a:chExt cx="0" cy="0"/>
+        </a:xfrm>
+      </p:grpSpPr>
+      <p:sp>
+        <p:nvSpPr>
+          <p:cNvPr id="22" name="矩形 21"/>
+          <p:cNvSpPr/>
+          <p:nvPr/>
+        </p:nvSpPr>
+        <p:spPr bwMode="auto">
+          <a:xfrm>
+            <a:off x="0" y="666517"/>
+            <a:ext cx="12196763" cy="6002843"/>
+          </a:xfrm>
+          <a:prstGeom prst="rect">
+            <a:avLst/>
+          </a:prstGeom>
+          <a:solidFill>
+            <a:schemeClr val="bg2">
+              <a:lumMod val="20000"/>
+              <a:lumOff val="80000"/>
+            </a:schemeClr>
+          </a:solidFill>
+          <a:ln w="9525" cap="flat" cmpd="sng" algn="ctr">
+            <a:noFill/>
+            <a:prstDash val="solid"/>
+            <a:round/>
+            <a:headEnd type="none" w="med" len="med"/>
+            <a:tailEnd type="none" w="med" len="med"/>
+          </a:ln>
+          <a:effectLst/>
+          <a:extLst/>
+        </p:spPr>
+        <p:txBody>
+          <a:bodyPr vert="horz" wrap="square" lIns="91440" tIns="45720" rIns="91440" bIns="45720" numCol="1" rtlCol="0" anchor="t" anchorCtr="0" compatLnSpc="1">
+            <a:prstTxWarp prst="textNoShape">
+              <a:avLst/>
+            </a:prstTxWarp>
+          </a:bodyPr>
+          <a:lstStyle/>
+          <a:p>
+            <a:endParaRPr lang="zh-CN" altLang="en-US" dirty="0" smtClean="0">
+              <a:solidFill>
+                <a:srgbClr val="C4261D"/>
+              </a:solidFill>
+            </a:endParaRPr>
+          </a:p>
+        </p:txBody>
+      </p:sp>
+      <p:sp>
+        <p:nvSpPr>
+          <p:cNvPr id="77" name="TextBox 76"/>
+          <p:cNvSpPr txBox="1"/>
+          <p:nvPr/>
+        </p:nvSpPr>
+        <p:spPr>
+          <a:xfrm>
+            <a:off x="434670" y="174412"/>
+            <a:ext cx="1313180" cy="430887"/>
+          </a:xfrm>
+          <a:prstGeom prst="rect">
+            <a:avLst/>
+          </a:prstGeom>
+          <a:noFill/>
+        </p:spPr>
+        <p:txBody>
+          <a:bodyPr wrap="none" rtlCol="0">
+            <a:spAutoFit/>
+          </a:bodyPr>
+          <a:lstStyle/>
+          <a:p>
+            <a:r>
+              <a:rPr lang="zh-CN" altLang="en-US" sz="2200" dirty="0" smtClean="0">
+                <a:solidFill>
+                  <a:srgbClr val="C2C1C1">
+                    <a:lumMod val="20000"/>
+                    <a:lumOff val="80000"/>
+                  </a:srgbClr>
+                </a:solidFill>
+                <a:latin typeface="微软雅黑"/>
+                <a:ea typeface="微软雅黑"/>
+              </a:rPr>
+              <a:t>字符编码</a:t>
+            </a:r>
+            <a:endParaRPr lang="zh-CN" altLang="en-US" sz="2200" dirty="0">
+              <a:solidFill>
+                <a:srgbClr val="C2C1C1">
+                  <a:lumMod val="20000"/>
+                  <a:lumOff val="80000"/>
+                </a:srgbClr>
+              </a:solidFill>
+              <a:latin typeface="微软雅黑"/>
+              <a:ea typeface="微软雅黑"/>
+            </a:endParaRPr>
+          </a:p>
+        </p:txBody>
+      </p:sp>
+      <p:sp>
+        <p:nvSpPr>
+          <p:cNvPr id="27" name="矩形 26"/>
+          <p:cNvSpPr/>
+          <p:nvPr/>
+        </p:nvSpPr>
+        <p:spPr bwMode="auto">
+          <a:xfrm>
+            <a:off x="0" y="238581"/>
+            <a:ext cx="409749" cy="333328"/>
+          </a:xfrm>
+          <a:prstGeom prst="rect">
+            <a:avLst/>
+          </a:prstGeom>
+          <a:solidFill>
+            <a:schemeClr val="bg1"/>
+          </a:solidFill>
+          <a:ln w="9525" cap="flat" cmpd="sng" algn="ctr">
+            <a:noFill/>
+            <a:prstDash val="solid"/>
+            <a:round/>
+            <a:headEnd type="none" w="med" len="med"/>
+            <a:tailEnd type="none" w="med" len="med"/>
+          </a:ln>
+          <a:effectLst/>
+          <a:extLst/>
+        </p:spPr>
+        <p:txBody>
+          <a:bodyPr vert="horz" wrap="square" lIns="91440" tIns="45720" rIns="91440" bIns="45720" numCol="1" rtlCol="0" anchor="t" anchorCtr="0" compatLnSpc="1">
+            <a:prstTxWarp prst="textNoShape">
+              <a:avLst/>
+            </a:prstTxWarp>
+          </a:bodyPr>
+          <a:lstStyle/>
+          <a:p>
+            <a:endParaRPr lang="zh-CN" altLang="en-US" smtClean="0">
+              <a:solidFill>
+                <a:srgbClr val="C4261D"/>
+              </a:solidFill>
+            </a:endParaRPr>
+          </a:p>
+        </p:txBody>
+      </p:sp>
+      <p:pic>
+        <p:nvPicPr>
+          <p:cNvPr id="6146" name="Picture 2"/>
+          <p:cNvPicPr>
+            <a:picLocks noChangeAspect="1" noChangeArrowheads="1"/>
+          </p:cNvPicPr>
+          <p:nvPr/>
+        </p:nvPicPr>
+        <p:blipFill>
+          <a:blip r:embed="rId3">
+            <a:extLst>
+              <a:ext uri="{28A0092B-C50C-407E-A947-70E740481C1C}">
+                <a14:useLocalDpi xmlns:a14="http://schemas.microsoft.com/office/drawing/2010/main" val="0"/>
+              </a:ext>
+            </a:extLst>
+          </a:blip>
+          <a:srcRect/>
+          <a:stretch>
+            <a:fillRect/>
+          </a:stretch>
+        </p:blipFill>
+        <p:spPr bwMode="auto">
+          <a:xfrm>
+            <a:off x="260350" y="876300"/>
+            <a:ext cx="11676063" cy="5105400"/>
+          </a:xfrm>
+          <a:prstGeom prst="rect">
+            <a:avLst/>
+          </a:prstGeom>
+          <a:noFill/>
+          <a:ln>
+            <a:noFill/>
+          </a:ln>
+          <a:extLst>
+            <a:ext uri="{909E8E84-426E-40DD-AFC4-6F175D3DCCD1}">
+              <a14:hiddenFill xmlns:a14="http://schemas.microsoft.com/office/drawing/2010/main">
+                <a:solidFill>
+                  <a:schemeClr val="accent1"/>
+                </a:solidFill>
+              </a14:hiddenFill>
+            </a:ext>
+            <a:ext uri="{91240B29-F687-4F45-9708-019B960494DF}">
+              <a14:hiddenLine xmlns:a14="http://schemas.microsoft.com/office/drawing/2010/main" w="9525">
+                <a:solidFill>
+                  <a:schemeClr val="tx1"/>
+                </a:solidFill>
+                <a:miter lim="800000"/>
+                <a:headEnd/>
+                <a:tailEnd/>
+              </a14:hiddenLine>
+            </a:ext>
+          </a:extLst>
+        </p:spPr>
+      </p:pic>
+    </p:spTree>
+    <p:extLst>
+      <p:ext uri="{BB962C8B-B14F-4D97-AF65-F5344CB8AC3E}">
+        <p14:creationId xmlns:p14="http://schemas.microsoft.com/office/powerpoint/2010/main" val="2851194778"/>
+      </p:ext>
+    </p:extLst>
+  </p:cSld>
+  <p:clrMapOvr>
+    <a:masterClrMapping/>
+  </p:clrMapOvr>
+  <p:transition spd="slow" advTm="7876">
+    <p:wipe/>
+  </p:transition>
+  <p:timing>
+    <p:tnLst>
+      <p:par>
+        <p:cTn id="1" dur="indefinite" restart="never" nodeType="tmRoot">
+          <p:childTnLst>
+            <p:seq concurrent="1" nextAc="seek">
+              <p:cTn id="2" dur="indefinite" nodeType="mainSeq">
+                <p:childTnLst>
+                  <p:par>
+                    <p:cTn id="3" fill="hold">
+                      <p:stCondLst>
+                        <p:cond delay="indefinite"/>
+                        <p:cond evt="onBegin" delay="0">
+                          <p:tn val="2"/>
+                        </p:cond>
+                      </p:stCondLst>
+                      <p:childTnLst>
+                        <p:par>
+                          <p:cTn id="4" fill="hold">
+                            <p:stCondLst>
+                              <p:cond delay="0"/>
+                            </p:stCondLst>
+                            <p:childTnLst>
+                              <p:par>
+                                <p:cTn id="5" presetID="2" presetClass="entr" presetSubtype="8" fill="hold" grpId="0" nodeType="afterEffect">
+                                  <p:stCondLst>
+                                    <p:cond delay="0"/>
+                                  </p:stCondLst>
+                                  <p:childTnLst>
+                                    <p:set>
+                                      <p:cBhvr>
+                                        <p:cTn id="6" dur="1" fill="hold">
+                                          <p:stCondLst>
+                                            <p:cond delay="0"/>
+                                          </p:stCondLst>
+                                        </p:cTn>
+                                        <p:tgtEl>
+                                          <p:spTgt spid="27"/>
+                                        </p:tgtEl>
+                                        <p:attrNameLst>
+                                          <p:attrName>style.visibility</p:attrName>
+                                        </p:attrNameLst>
+                                      </p:cBhvr>
+                                      <p:to>
+                                        <p:strVal val="visible"/>
+                                      </p:to>
+                                    </p:set>
+                                    <p:anim calcmode="lin" valueType="num">
+                                      <p:cBhvr additive="base">
+                                        <p:cTn id="7" dur="300" fill="hold"/>
+                                        <p:tgtEl>
+                                          <p:spTgt spid="27"/>
+                                        </p:tgtEl>
+                                        <p:attrNameLst>
+                                          <p:attrName>ppt_x</p:attrName>
+                                        </p:attrNameLst>
+                                      </p:cBhvr>
+                                      <p:tavLst>
+                                        <p:tav tm="0">
+                                          <p:val>
+                                            <p:strVal val="0-#ppt_w/2"/>
+                                          </p:val>
+                                        </p:tav>
+                                        <p:tav tm="100000">
+                                          <p:val>
+                                            <p:strVal val="#ppt_x"/>
+                                          </p:val>
+                                        </p:tav>
+                                      </p:tavLst>
+                                    </p:anim>
+                                    <p:anim calcmode="lin" valueType="num">
+                                      <p:cBhvr additive="base">
+                                        <p:cTn id="8" dur="300" fill="hold"/>
+                                        <p:tgtEl>
+                                          <p:spTgt spid="27"/>
+                                        </p:tgtEl>
+                                        <p:attrNameLst>
+                                          <p:attrName>ppt_y</p:attrName>
+                                        </p:attrNameLst>
+                                      </p:cBhvr>
+                                      <p:tavLst>
+                                        <p:tav tm="0">
+                                          <p:val>
+                                            <p:strVal val="#ppt_y"/>
+                                          </p:val>
+                                        </p:tav>
+                                        <p:tav tm="100000">
+                                          <p:val>
+                                            <p:strVal val="#ppt_y"/>
+                                          </p:val>
+                                        </p:tav>
+                                      </p:tavLst>
+                                    </p:anim>
+                                  </p:childTnLst>
+                                </p:cTn>
+                              </p:par>
+                            </p:childTnLst>
+                          </p:cTn>
+                        </p:par>
+                        <p:par>
+                          <p:cTn id="9" fill="hold">
+                            <p:stCondLst>
+                              <p:cond delay="300"/>
+                            </p:stCondLst>
+                            <p:childTnLst>
+                              <p:par>
+                                <p:cTn id="10" presetID="41" presetClass="entr" presetSubtype="0" fill="hold" grpId="0" nodeType="afterEffect">
+                                  <p:stCondLst>
+                                    <p:cond delay="0"/>
+                                  </p:stCondLst>
+                                  <p:iterate type="lt">
+                                    <p:tmPct val="10000"/>
+                                  </p:iterate>
+                                  <p:childTnLst>
+                                    <p:set>
+                                      <p:cBhvr>
+                                        <p:cTn id="11" dur="1" fill="hold">
+                                          <p:stCondLst>
+                                            <p:cond delay="0"/>
+                                          </p:stCondLst>
+                                        </p:cTn>
+                                        <p:tgtEl>
+                                          <p:spTgt spid="77"/>
+                                        </p:tgtEl>
+                                        <p:attrNameLst>
+                                          <p:attrName>style.visibility</p:attrName>
+                                        </p:attrNameLst>
+                                      </p:cBhvr>
+                                      <p:to>
+                                        <p:strVal val="visible"/>
+                                      </p:to>
+                                    </p:set>
+                                    <p:anim calcmode="lin" valueType="num">
+                                      <p:cBhvr>
+                                        <p:cTn id="12" dur="400" fill="hold"/>
+                                        <p:tgtEl>
+                                          <p:spTgt spid="77"/>
+                                        </p:tgtEl>
+                                        <p:attrNameLst>
+                                          <p:attrName>ppt_x</p:attrName>
+                                        </p:attrNameLst>
+                                      </p:cBhvr>
+                                      <p:tavLst>
+                                        <p:tav tm="0">
+                                          <p:val>
+                                            <p:strVal val="#ppt_x"/>
+                                          </p:val>
+                                        </p:tav>
+                                        <p:tav tm="50000">
+                                          <p:val>
+                                            <p:strVal val="#ppt_x+.1"/>
+                                          </p:val>
+                                        </p:tav>
+                                        <p:tav tm="100000">
+                                          <p:val>
+                                            <p:strVal val="#ppt_x"/>
+                                          </p:val>
+                                        </p:tav>
+                                      </p:tavLst>
+                                    </p:anim>
+                                    <p:anim calcmode="lin" valueType="num">
+                                      <p:cBhvr>
+                                        <p:cTn id="13" dur="400" fill="hold"/>
+                                        <p:tgtEl>
+                                          <p:spTgt spid="77"/>
+                                        </p:tgtEl>
+                                        <p:attrNameLst>
+                                          <p:attrName>ppt_y</p:attrName>
+                                        </p:attrNameLst>
+                                      </p:cBhvr>
+                                      <p:tavLst>
+                                        <p:tav tm="0">
+                                          <p:val>
+                                            <p:strVal val="#ppt_y"/>
+                                          </p:val>
+                                        </p:tav>
+                                        <p:tav tm="100000">
+                                          <p:val>
+                                            <p:strVal val="#ppt_y"/>
+                                          </p:val>
+                                        </p:tav>
+                                      </p:tavLst>
+                                    </p:anim>
+                                    <p:anim calcmode="lin" valueType="num">
+                                      <p:cBhvr>
+                                        <p:cTn id="14" dur="400" fill="hold"/>
+                                        <p:tgtEl>
+                                          <p:spTgt spid="77"/>
+                                        </p:tgtEl>
+                                        <p:attrNameLst>
+                                          <p:attrName>ppt_h</p:attrName>
+                                        </p:attrNameLst>
+                                      </p:cBhvr>
+                                      <p:tavLst>
+                                        <p:tav tm="0">
+                                          <p:val>
+                                            <p:strVal val="#ppt_h/10"/>
+                                          </p:val>
+                                        </p:tav>
+                                        <p:tav tm="50000">
+                                          <p:val>
+                                            <p:strVal val="#ppt_h+.01"/>
+                                          </p:val>
+                                        </p:tav>
+                                        <p:tav tm="100000">
+                                          <p:val>
+                                            <p:strVal val="#ppt_h"/>
+                                          </p:val>
+                                        </p:tav>
+                                      </p:tavLst>
+                                    </p:anim>
+                                    <p:anim calcmode="lin" valueType="num">
+                                      <p:cBhvr>
+                                        <p:cTn id="15" dur="400" fill="hold"/>
+                                        <p:tgtEl>
+                                          <p:spTgt spid="77"/>
+                                        </p:tgtEl>
+                                        <p:attrNameLst>
+                                          <p:attrName>ppt_w</p:attrName>
+                                        </p:attrNameLst>
+                                      </p:cBhvr>
+                                      <p:tavLst>
+                                        <p:tav tm="0">
+                                          <p:val>
+                                            <p:strVal val="#ppt_w/10"/>
+                                          </p:val>
+                                        </p:tav>
+                                        <p:tav tm="50000">
+                                          <p:val>
+                                            <p:strVal val="#ppt_w+.01"/>
+                                          </p:val>
+                                        </p:tav>
+                                        <p:tav tm="100000">
+                                          <p:val>
+                                            <p:strVal val="#ppt_w"/>
+                                          </p:val>
+                                        </p:tav>
+                                      </p:tavLst>
+                                    </p:anim>
+                                    <p:animEffect transition="in" filter="fade">
+                                      <p:cBhvr>
+                                        <p:cTn id="16" dur="400" tmFilter="0,0; .5, 1; 1, 1"/>
+                                        <p:tgtEl>
+                                          <p:spTgt spid="77"/>
+                                        </p:tgtEl>
+                                      </p:cBhvr>
+                                    </p:animEffect>
+                                  </p:childTnLst>
+                                </p:cTn>
+                              </p:par>
+                            </p:childTnLst>
+                          </p:cTn>
+                        </p:par>
+                      </p:childTnLst>
+                    </p:cTn>
+                  </p:par>
+                </p:childTnLst>
+              </p:cTn>
+              <p:prevCondLst>
+                <p:cond evt="onPrev" delay="0">
+                  <p:tgtEl>
+                    <p:sldTgt/>
+                  </p:tgtEl>
+                </p:cond>
+              </p:prevCondLst>
+              <p:nextCondLst>
+                <p:cond evt="onNext" delay="0">
+                  <p:tgtEl>
+                    <p:sldTgt/>
+                  </p:tgtEl>
+                </p:cond>
+              </p:nextCondLst>
+            </p:seq>
+          </p:childTnLst>
+        </p:cTn>
+      </p:par>
+    </p:tnLst>
+    <p:bldLst>
+      <p:bldP spid="77" grpId="0"/>
+      <p:bldP spid="27" grpId="0" animBg="1"/>
+    </p:bldLst>
+  </p:timing>
+</p:sld>
+</file>
+
+<file path=ppt/slides/slide24.xml><?xml version="1.0" encoding="utf-8"?>
+<p:sld xmlns:a="http://schemas.openxmlformats.org/drawingml/2006/main" xmlns:r="http://schemas.openxmlformats.org/officeDocument/2006/relationships" xmlns:p="http://schemas.openxmlformats.org/presentationml/2006/main">
+  <p:cSld>
+    <p:bg>
+      <p:bgPr>
+        <a:solidFill>
+          <a:srgbClr val="AF2019"/>
+        </a:solidFill>
+        <a:effectLst/>
+      </p:bgPr>
+    </p:bg>
+    <p:spTree>
+      <p:nvGrpSpPr>
+        <p:cNvPr id="1" name=""/>
+        <p:cNvGrpSpPr/>
+        <p:nvPr/>
+      </p:nvGrpSpPr>
+      <p:grpSpPr>
+        <a:xfrm>
+          <a:off x="0" y="0"/>
+          <a:ext cx="0" cy="0"/>
+          <a:chOff x="0" y="0"/>
+          <a:chExt cx="0" cy="0"/>
+        </a:xfrm>
+      </p:grpSpPr>
+      <p:sp>
+        <p:nvSpPr>
+          <p:cNvPr id="22" name="矩形 21"/>
+          <p:cNvSpPr/>
+          <p:nvPr/>
+        </p:nvSpPr>
+        <p:spPr bwMode="auto">
+          <a:xfrm>
+            <a:off x="0" y="666517"/>
+            <a:ext cx="12196763" cy="6002843"/>
+          </a:xfrm>
+          <a:prstGeom prst="rect">
+            <a:avLst/>
+          </a:prstGeom>
+          <a:solidFill>
+            <a:schemeClr val="bg2">
+              <a:lumMod val="20000"/>
+              <a:lumOff val="80000"/>
+            </a:schemeClr>
+          </a:solidFill>
+          <a:ln w="9525" cap="flat" cmpd="sng" algn="ctr">
+            <a:noFill/>
+            <a:prstDash val="solid"/>
+            <a:round/>
+            <a:headEnd type="none" w="med" len="med"/>
+            <a:tailEnd type="none" w="med" len="med"/>
+          </a:ln>
+          <a:effectLst/>
+          <a:extLst/>
+        </p:spPr>
+        <p:txBody>
+          <a:bodyPr vert="horz" wrap="square" lIns="91440" tIns="45720" rIns="91440" bIns="45720" numCol="1" rtlCol="0" anchor="t" anchorCtr="0" compatLnSpc="1">
+            <a:prstTxWarp prst="textNoShape">
+              <a:avLst/>
+            </a:prstTxWarp>
+          </a:bodyPr>
+          <a:lstStyle/>
+          <a:p>
+            <a:endParaRPr lang="zh-CN" altLang="en-US" dirty="0" smtClean="0">
+              <a:solidFill>
+                <a:srgbClr val="C4261D"/>
+              </a:solidFill>
+            </a:endParaRPr>
+          </a:p>
+        </p:txBody>
+      </p:sp>
+      <p:sp>
+        <p:nvSpPr>
+          <p:cNvPr id="27" name="矩形 26"/>
+          <p:cNvSpPr/>
+          <p:nvPr/>
+        </p:nvSpPr>
+        <p:spPr bwMode="auto">
+          <a:xfrm>
+            <a:off x="0" y="238581"/>
+            <a:ext cx="409749" cy="333328"/>
+          </a:xfrm>
+          <a:prstGeom prst="rect">
+            <a:avLst/>
+          </a:prstGeom>
+          <a:solidFill>
+            <a:schemeClr val="bg1"/>
+          </a:solidFill>
+          <a:ln w="9525" cap="flat" cmpd="sng" algn="ctr">
+            <a:noFill/>
+            <a:prstDash val="solid"/>
+            <a:round/>
+            <a:headEnd type="none" w="med" len="med"/>
+            <a:tailEnd type="none" w="med" len="med"/>
+          </a:ln>
+          <a:effectLst/>
+          <a:extLst/>
+        </p:spPr>
+        <p:txBody>
+          <a:bodyPr vert="horz" wrap="square" lIns="91440" tIns="45720" rIns="91440" bIns="45720" numCol="1" rtlCol="0" anchor="t" anchorCtr="0" compatLnSpc="1">
+            <a:prstTxWarp prst="textNoShape">
+              <a:avLst/>
+            </a:prstTxWarp>
+          </a:bodyPr>
+          <a:lstStyle/>
+          <a:p>
+            <a:endParaRPr lang="zh-CN" altLang="en-US" smtClean="0">
+              <a:solidFill>
+                <a:srgbClr val="C4261D"/>
+              </a:solidFill>
+            </a:endParaRPr>
+          </a:p>
+        </p:txBody>
+      </p:sp>
+      <p:sp>
+        <p:nvSpPr>
+          <p:cNvPr id="5" name="TextBox 4"/>
+          <p:cNvSpPr txBox="1"/>
+          <p:nvPr/>
+        </p:nvSpPr>
+        <p:spPr>
+          <a:xfrm>
+            <a:off x="434670" y="174412"/>
+            <a:ext cx="4131387" cy="430887"/>
+          </a:xfrm>
+          <a:prstGeom prst="rect">
+            <a:avLst/>
+          </a:prstGeom>
+          <a:noFill/>
+        </p:spPr>
+        <p:txBody>
+          <a:bodyPr wrap="none" rtlCol="0">
+            <a:spAutoFit/>
+          </a:bodyPr>
+          <a:lstStyle/>
+          <a:p>
+            <a:r>
+              <a:rPr lang="en-US" altLang="zh-CN" sz="2200" dirty="0" smtClean="0">
+                <a:solidFill>
+                  <a:srgbClr val="C2C1C1">
+                    <a:lumMod val="20000"/>
+                    <a:lumOff val="80000"/>
+                  </a:srgbClr>
+                </a:solidFill>
+                <a:latin typeface="微软雅黑"/>
+                <a:ea typeface="微软雅黑"/>
+              </a:rPr>
+              <a:t>Java</a:t>
+            </a:r>
+            <a:r>
+              <a:rPr lang="zh-CN" altLang="en-US" sz="2200" dirty="0" smtClean="0">
+                <a:solidFill>
+                  <a:srgbClr val="C2C1C1">
+                    <a:lumMod val="20000"/>
+                    <a:lumOff val="80000"/>
+                  </a:srgbClr>
+                </a:solidFill>
+                <a:latin typeface="微软雅黑"/>
+                <a:ea typeface="微软雅黑"/>
+              </a:rPr>
+              <a:t>编程中的字符串编码与解码</a:t>
+            </a:r>
+            <a:endParaRPr lang="zh-CN" altLang="en-US" sz="2200" dirty="0">
+              <a:solidFill>
+                <a:srgbClr val="C2C1C1">
+                  <a:lumMod val="20000"/>
+                  <a:lumOff val="80000"/>
+                </a:srgbClr>
+              </a:solidFill>
+              <a:latin typeface="微软雅黑"/>
+              <a:ea typeface="微软雅黑"/>
+            </a:endParaRPr>
+          </a:p>
+        </p:txBody>
+      </p:sp>
+      <p:pic>
+        <p:nvPicPr>
+          <p:cNvPr id="7170" name="Picture 2"/>
+          <p:cNvPicPr>
+            <a:picLocks noChangeAspect="1" noChangeArrowheads="1"/>
+          </p:cNvPicPr>
+          <p:nvPr/>
+        </p:nvPicPr>
+        <p:blipFill>
+          <a:blip r:embed="rId3">
+            <a:extLst>
+              <a:ext uri="{28A0092B-C50C-407E-A947-70E740481C1C}">
+                <a14:useLocalDpi xmlns:a14="http://schemas.microsoft.com/office/drawing/2010/main" val="0"/>
+              </a:ext>
+            </a:extLst>
+          </a:blip>
+          <a:srcRect/>
+          <a:stretch>
+            <a:fillRect/>
+          </a:stretch>
+        </p:blipFill>
+        <p:spPr bwMode="auto">
+          <a:xfrm>
+            <a:off x="117475" y="2062163"/>
+            <a:ext cx="11961813" cy="2733675"/>
+          </a:xfrm>
+          <a:prstGeom prst="rect">
+            <a:avLst/>
+          </a:prstGeom>
+          <a:noFill/>
+          <a:ln>
+            <a:noFill/>
+          </a:ln>
+          <a:extLst>
+            <a:ext uri="{909E8E84-426E-40DD-AFC4-6F175D3DCCD1}">
+              <a14:hiddenFill xmlns:a14="http://schemas.microsoft.com/office/drawing/2010/main">
+                <a:solidFill>
+                  <a:schemeClr val="accent1"/>
+                </a:solidFill>
+              </a14:hiddenFill>
+            </a:ext>
+            <a:ext uri="{91240B29-F687-4F45-9708-019B960494DF}">
+              <a14:hiddenLine xmlns:a14="http://schemas.microsoft.com/office/drawing/2010/main" w="9525">
+                <a:solidFill>
+                  <a:schemeClr val="tx1"/>
+                </a:solidFill>
+                <a:miter lim="800000"/>
+                <a:headEnd/>
+                <a:tailEnd/>
+              </a14:hiddenLine>
+            </a:ext>
+          </a:extLst>
+        </p:spPr>
+      </p:pic>
+    </p:spTree>
+    <p:extLst>
+      <p:ext uri="{BB962C8B-B14F-4D97-AF65-F5344CB8AC3E}">
+        <p14:creationId xmlns:p14="http://schemas.microsoft.com/office/powerpoint/2010/main" val="121770759"/>
+      </p:ext>
+    </p:extLst>
+  </p:cSld>
+  <p:clrMapOvr>
+    <a:masterClrMapping/>
+  </p:clrMapOvr>
+  <p:transition spd="slow" advTm="7876">
+    <p:wipe/>
+  </p:transition>
+  <p:timing>
+    <p:tnLst>
+      <p:par>
+        <p:cTn id="1" dur="indefinite" restart="never" nodeType="tmRoot">
+          <p:childTnLst>
+            <p:seq concurrent="1" nextAc="seek">
+              <p:cTn id="2" dur="indefinite" nodeType="mainSeq">
+                <p:childTnLst>
+                  <p:par>
+                    <p:cTn id="3" fill="hold">
+                      <p:stCondLst>
+                        <p:cond delay="indefinite"/>
+                        <p:cond evt="onBegin" delay="0">
+                          <p:tn val="2"/>
+                        </p:cond>
+                      </p:stCondLst>
+                      <p:childTnLst>
+                        <p:par>
+                          <p:cTn id="4" fill="hold">
+                            <p:stCondLst>
+                              <p:cond delay="0"/>
+                            </p:stCondLst>
+                            <p:childTnLst>
+                              <p:par>
+                                <p:cTn id="5" presetID="2" presetClass="entr" presetSubtype="8" fill="hold" grpId="0" nodeType="afterEffect">
+                                  <p:stCondLst>
+                                    <p:cond delay="0"/>
+                                  </p:stCondLst>
+                                  <p:childTnLst>
+                                    <p:set>
+                                      <p:cBhvr>
+                                        <p:cTn id="6" dur="1" fill="hold">
+                                          <p:stCondLst>
+                                            <p:cond delay="0"/>
+                                          </p:stCondLst>
+                                        </p:cTn>
+                                        <p:tgtEl>
+                                          <p:spTgt spid="27"/>
+                                        </p:tgtEl>
+                                        <p:attrNameLst>
+                                          <p:attrName>style.visibility</p:attrName>
+                                        </p:attrNameLst>
+                                      </p:cBhvr>
+                                      <p:to>
+                                        <p:strVal val="visible"/>
+                                      </p:to>
+                                    </p:set>
+                                    <p:anim calcmode="lin" valueType="num">
+                                      <p:cBhvr additive="base">
+                                        <p:cTn id="7" dur="300" fill="hold"/>
+                                        <p:tgtEl>
+                                          <p:spTgt spid="27"/>
+                                        </p:tgtEl>
+                                        <p:attrNameLst>
+                                          <p:attrName>ppt_x</p:attrName>
+                                        </p:attrNameLst>
+                                      </p:cBhvr>
+                                      <p:tavLst>
+                                        <p:tav tm="0">
+                                          <p:val>
+                                            <p:strVal val="0-#ppt_w/2"/>
+                                          </p:val>
+                                        </p:tav>
+                                        <p:tav tm="100000">
+                                          <p:val>
+                                            <p:strVal val="#ppt_x"/>
+                                          </p:val>
+                                        </p:tav>
+                                      </p:tavLst>
+                                    </p:anim>
+                                    <p:anim calcmode="lin" valueType="num">
+                                      <p:cBhvr additive="base">
+                                        <p:cTn id="8" dur="300" fill="hold"/>
+                                        <p:tgtEl>
+                                          <p:spTgt spid="27"/>
+                                        </p:tgtEl>
+                                        <p:attrNameLst>
+                                          <p:attrName>ppt_y</p:attrName>
+                                        </p:attrNameLst>
+                                      </p:cBhvr>
+                                      <p:tavLst>
+                                        <p:tav tm="0">
+                                          <p:val>
+                                            <p:strVal val="#ppt_y"/>
+                                          </p:val>
+                                        </p:tav>
+                                        <p:tav tm="100000">
+                                          <p:val>
+                                            <p:strVal val="#ppt_y"/>
+                                          </p:val>
+                                        </p:tav>
+                                      </p:tavLst>
+                                    </p:anim>
+                                  </p:childTnLst>
+                                </p:cTn>
+                              </p:par>
+                            </p:childTnLst>
+                          </p:cTn>
+                        </p:par>
+                        <p:par>
+                          <p:cTn id="9" fill="hold">
+                            <p:stCondLst>
+                              <p:cond delay="300"/>
+                            </p:stCondLst>
+                            <p:childTnLst>
+                              <p:par>
+                                <p:cTn id="10" presetID="41" presetClass="entr" presetSubtype="0" fill="hold" grpId="0" nodeType="afterEffect">
+                                  <p:stCondLst>
+                                    <p:cond delay="0"/>
+                                  </p:stCondLst>
+                                  <p:iterate type="lt">
+                                    <p:tmPct val="10000"/>
+                                  </p:iterate>
+                                  <p:childTnLst>
+                                    <p:set>
+                                      <p:cBhvr>
+                                        <p:cTn id="11" dur="1" fill="hold">
+                                          <p:stCondLst>
+                                            <p:cond delay="0"/>
+                                          </p:stCondLst>
+                                        </p:cTn>
+                                        <p:tgtEl>
+                                          <p:spTgt spid="5"/>
+                                        </p:tgtEl>
+                                        <p:attrNameLst>
+                                          <p:attrName>style.visibility</p:attrName>
+                                        </p:attrNameLst>
+                                      </p:cBhvr>
+                                      <p:to>
+                                        <p:strVal val="visible"/>
+                                      </p:to>
+                                    </p:set>
+                                    <p:anim calcmode="lin" valueType="num">
+                                      <p:cBhvr>
+                                        <p:cTn id="12" dur="400" fill="hold"/>
+                                        <p:tgtEl>
+                                          <p:spTgt spid="5"/>
+                                        </p:tgtEl>
+                                        <p:attrNameLst>
+                                          <p:attrName>ppt_x</p:attrName>
+                                        </p:attrNameLst>
+                                      </p:cBhvr>
+                                      <p:tavLst>
+                                        <p:tav tm="0">
+                                          <p:val>
+                                            <p:strVal val="#ppt_x"/>
+                                          </p:val>
+                                        </p:tav>
+                                        <p:tav tm="50000">
+                                          <p:val>
+                                            <p:strVal val="#ppt_x+.1"/>
+                                          </p:val>
+                                        </p:tav>
+                                        <p:tav tm="100000">
+                                          <p:val>
+                                            <p:strVal val="#ppt_x"/>
+                                          </p:val>
+                                        </p:tav>
+                                      </p:tavLst>
+                                    </p:anim>
+                                    <p:anim calcmode="lin" valueType="num">
+                                      <p:cBhvr>
+                                        <p:cTn id="13" dur="400" fill="hold"/>
+                                        <p:tgtEl>
+                                          <p:spTgt spid="5"/>
+                                        </p:tgtEl>
+                                        <p:attrNameLst>
+                                          <p:attrName>ppt_y</p:attrName>
+                                        </p:attrNameLst>
+                                      </p:cBhvr>
+                                      <p:tavLst>
+                                        <p:tav tm="0">
+                                          <p:val>
+                                            <p:strVal val="#ppt_y"/>
+                                          </p:val>
+                                        </p:tav>
+                                        <p:tav tm="100000">
+                                          <p:val>
+                                            <p:strVal val="#ppt_y"/>
+                                          </p:val>
+                                        </p:tav>
+                                      </p:tavLst>
+                                    </p:anim>
+                                    <p:anim calcmode="lin" valueType="num">
+                                      <p:cBhvr>
+                                        <p:cTn id="14" dur="400" fill="hold"/>
+                                        <p:tgtEl>
+                                          <p:spTgt spid="5"/>
+                                        </p:tgtEl>
+                                        <p:attrNameLst>
+                                          <p:attrName>ppt_h</p:attrName>
+                                        </p:attrNameLst>
+                                      </p:cBhvr>
+                                      <p:tavLst>
+                                        <p:tav tm="0">
+                                          <p:val>
+                                            <p:strVal val="#ppt_h/10"/>
+                                          </p:val>
+                                        </p:tav>
+                                        <p:tav tm="50000">
+                                          <p:val>
+                                            <p:strVal val="#ppt_h+.01"/>
+                                          </p:val>
+                                        </p:tav>
+                                        <p:tav tm="100000">
+                                          <p:val>
+                                            <p:strVal val="#ppt_h"/>
+                                          </p:val>
+                                        </p:tav>
+                                      </p:tavLst>
+                                    </p:anim>
+                                    <p:anim calcmode="lin" valueType="num">
+                                      <p:cBhvr>
+                                        <p:cTn id="15" dur="400" fill="hold"/>
+                                        <p:tgtEl>
+                                          <p:spTgt spid="5"/>
+                                        </p:tgtEl>
+                                        <p:attrNameLst>
+                                          <p:attrName>ppt_w</p:attrName>
+                                        </p:attrNameLst>
+                                      </p:cBhvr>
+                                      <p:tavLst>
+                                        <p:tav tm="0">
+                                          <p:val>
+                                            <p:strVal val="#ppt_w/10"/>
+                                          </p:val>
+                                        </p:tav>
+                                        <p:tav tm="50000">
+                                          <p:val>
+                                            <p:strVal val="#ppt_w+.01"/>
+                                          </p:val>
+                                        </p:tav>
+                                        <p:tav tm="100000">
+                                          <p:val>
+                                            <p:strVal val="#ppt_w"/>
+                                          </p:val>
+                                        </p:tav>
+                                      </p:tavLst>
+                                    </p:anim>
+                                    <p:animEffect transition="in" filter="fade">
+                                      <p:cBhvr>
+                                        <p:cTn id="16" dur="400" tmFilter="0,0; .5, 1; 1, 1"/>
+                                        <p:tgtEl>
+                                          <p:spTgt spid="5"/>
+                                        </p:tgtEl>
+                                      </p:cBhvr>
+                                    </p:animEffect>
+                                  </p:childTnLst>
+                                </p:cTn>
+                              </p:par>
+                            </p:childTnLst>
+                          </p:cTn>
+                        </p:par>
+                      </p:childTnLst>
+                    </p:cTn>
+                  </p:par>
+                </p:childTnLst>
+              </p:cTn>
+              <p:prevCondLst>
+                <p:cond evt="onPrev" delay="0">
+                  <p:tgtEl>
+                    <p:sldTgt/>
+                  </p:tgtEl>
+                </p:cond>
+              </p:prevCondLst>
+              <p:nextCondLst>
+                <p:cond evt="onNext" delay="0">
+                  <p:tgtEl>
+                    <p:sldTgt/>
+                  </p:tgtEl>
+                </p:cond>
+              </p:nextCondLst>
+            </p:seq>
+          </p:childTnLst>
+        </p:cTn>
+      </p:par>
+    </p:tnLst>
+    <p:bldLst>
+      <p:bldP spid="27" grpId="0" animBg="1"/>
+      <p:bldP spid="5" grpId="0"/>
+    </p:bldLst>
+  </p:timing>
+</p:sld>
+</file>
+
+<file path=ppt/slides/slide25.xml><?xml version="1.0" encoding="utf-8"?>
+<p:sld xmlns:a="http://schemas.openxmlformats.org/drawingml/2006/main" xmlns:r="http://schemas.openxmlformats.org/officeDocument/2006/relationships" xmlns:p="http://schemas.openxmlformats.org/presentationml/2006/main">
+  <p:cSld>
+    <p:bg>
+      <p:bgPr>
+        <a:solidFill>
+          <a:srgbClr val="AF2019"/>
+        </a:solidFill>
+        <a:effectLst/>
+      </p:bgPr>
+    </p:bg>
+    <p:spTree>
+      <p:nvGrpSpPr>
+        <p:cNvPr id="1" name=""/>
+        <p:cNvGrpSpPr/>
+        <p:nvPr/>
+      </p:nvGrpSpPr>
+      <p:grpSpPr>
+        <a:xfrm>
+          <a:off x="0" y="0"/>
+          <a:ext cx="0" cy="0"/>
+          <a:chOff x="0" y="0"/>
+          <a:chExt cx="0" cy="0"/>
+        </a:xfrm>
+      </p:grpSpPr>
+      <p:sp>
+        <p:nvSpPr>
+          <p:cNvPr id="22" name="矩形 21"/>
+          <p:cNvSpPr/>
+          <p:nvPr/>
+        </p:nvSpPr>
+        <p:spPr bwMode="auto">
+          <a:xfrm>
+            <a:off x="0" y="666517"/>
+            <a:ext cx="12196763" cy="6002843"/>
+          </a:xfrm>
+          <a:prstGeom prst="rect">
+            <a:avLst/>
+          </a:prstGeom>
+          <a:solidFill>
+            <a:schemeClr val="bg2">
+              <a:lumMod val="20000"/>
+              <a:lumOff val="80000"/>
+            </a:schemeClr>
+          </a:solidFill>
+          <a:ln w="9525" cap="flat" cmpd="sng" algn="ctr">
+            <a:noFill/>
+            <a:prstDash val="solid"/>
+            <a:round/>
+            <a:headEnd type="none" w="med" len="med"/>
+            <a:tailEnd type="none" w="med" len="med"/>
+          </a:ln>
+          <a:effectLst/>
+          <a:extLst/>
+        </p:spPr>
+        <p:txBody>
+          <a:bodyPr vert="horz" wrap="square" lIns="91440" tIns="45720" rIns="91440" bIns="45720" numCol="1" rtlCol="0" anchor="t" anchorCtr="0" compatLnSpc="1">
+            <a:prstTxWarp prst="textNoShape">
+              <a:avLst/>
+            </a:prstTxWarp>
+          </a:bodyPr>
+          <a:lstStyle/>
+          <a:p>
+            <a:endParaRPr lang="zh-CN" altLang="en-US" dirty="0" smtClean="0">
+              <a:solidFill>
+                <a:srgbClr val="C4261D"/>
+              </a:solidFill>
+            </a:endParaRPr>
+          </a:p>
+        </p:txBody>
+      </p:sp>
+      <p:sp>
+        <p:nvSpPr>
+          <p:cNvPr id="77" name="TextBox 76"/>
+          <p:cNvSpPr txBox="1"/>
+          <p:nvPr/>
+        </p:nvSpPr>
+        <p:spPr>
+          <a:xfrm>
+            <a:off x="434670" y="174412"/>
             <a:ext cx="748923" cy="430887"/>
           </a:xfrm>
           <a:prstGeom prst="rect">
@@ -18737,33 +21743,7 @@
                   </a:outerShdw>
                 </a:effectLst>
               </a:rPr>
-              <a:t>讨论</a:t>
-            </a:r>
-            <a:r>
-              <a:rPr lang="zh-CN" altLang="en-US" sz="5400" b="1" cap="none" spc="0" dirty="0" smtClean="0">
-                <a:ln w="12700">
-                  <a:solidFill>
-                    <a:schemeClr val="tx2">
-                      <a:satMod val="155000"/>
-                    </a:schemeClr>
-                  </a:solidFill>
-                  <a:prstDash val="solid"/>
-                </a:ln>
-                <a:solidFill>
-                  <a:schemeClr val="bg2">
-                    <a:tint val="85000"/>
-                    <a:satMod val="155000"/>
-                  </a:schemeClr>
-                </a:solidFill>
-                <a:effectLst>
-                  <a:outerShdw blurRad="41275" dist="20320" dir="1800000" algn="tl" rotWithShape="0">
-                    <a:srgbClr val="000000">
-                      <a:alpha val="40000"/>
-                    </a:srgbClr>
-                  </a:outerShdw>
-                </a:effectLst>
-              </a:rPr>
-              <a:t>：</a:t>
+              <a:t>讨论：</a:t>
             </a:r>
             <a:r>
               <a:rPr lang="en-US" altLang="zh-CN" sz="5400" b="1" cap="none" spc="0" dirty="0" smtClean="0">
@@ -18815,33 +21795,7 @@
                   </a:outerShdw>
                 </a:effectLst>
               </a:rPr>
-              <a:t>程序中的乱码问题</a:t>
-            </a:r>
-            <a:r>
-              <a:rPr lang="zh-CN" altLang="en-US" sz="5400" b="1" cap="none" spc="0" dirty="0" smtClean="0">
-                <a:ln w="12700">
-                  <a:solidFill>
-                    <a:schemeClr val="tx2">
-                      <a:satMod val="155000"/>
-                    </a:schemeClr>
-                  </a:solidFill>
-                  <a:prstDash val="solid"/>
-                </a:ln>
-                <a:solidFill>
-                  <a:schemeClr val="bg2">
-                    <a:tint val="85000"/>
-                    <a:satMod val="155000"/>
-                  </a:schemeClr>
-                </a:solidFill>
-                <a:effectLst>
-                  <a:outerShdw blurRad="41275" dist="20320" dir="1800000" algn="tl" rotWithShape="0">
-                    <a:srgbClr val="000000">
-                      <a:alpha val="40000"/>
-                    </a:srgbClr>
-                  </a:outerShdw>
-                </a:effectLst>
-              </a:rPr>
-              <a:t>。</a:t>
+              <a:t>程序中的乱码问题。</a:t>
             </a:r>
             <a:endParaRPr lang="en-US" altLang="zh-CN" sz="5400" b="1" cap="none" spc="0" dirty="0" smtClean="0">
               <a:ln w="12700">
@@ -19271,7 +22225,7 @@
 </p:sld>
 </file>
 
-<file path=ppt/slides/slide21.xml><?xml version="1.0" encoding="utf-8"?>
+<file path=ppt/slides/slide26.xml><?xml version="1.0" encoding="utf-8"?>
 <p:sld xmlns:a="http://schemas.openxmlformats.org/drawingml/2006/main" xmlns:r="http://schemas.openxmlformats.org/officeDocument/2006/relationships" xmlns:p="http://schemas.openxmlformats.org/presentationml/2006/main">
   <p:cSld>
     <p:bg>
@@ -19785,7 +22739,7 @@
 </p:sld>
 </file>
 
-<file path=ppt/slides/slide22.xml><?xml version="1.0" encoding="utf-8"?>
+<file path=ppt/slides/slide27.xml><?xml version="1.0" encoding="utf-8"?>
 <p:sld xmlns:a="http://schemas.openxmlformats.org/drawingml/2006/main" xmlns:r="http://schemas.openxmlformats.org/officeDocument/2006/relationships" xmlns:p="http://schemas.openxmlformats.org/presentationml/2006/main">
   <p:cSld>
     <p:bg>
@@ -20240,13 +23194,6 @@
               </a:rPr>
               <a:t>Car</a:t>
             </a:r>
-            <a:endParaRPr lang="en-US" altLang="zh-CN" dirty="0" smtClean="0">
-              <a:solidFill>
-                <a:srgbClr val="080808"/>
-              </a:solidFill>
-              <a:latin typeface="微软雅黑" pitchFamily="34" charset="-122"/>
-              <a:ea typeface="微软雅黑" pitchFamily="34" charset="-122"/>
-            </a:endParaRPr>
           </a:p>
           <a:p>
             <a:pPr algn="ctr" eaLnBrk="0" fontAlgn="ctr" hangingPunct="0">
@@ -20400,13 +23347,6 @@
               </a:rPr>
               <a:t>…</a:t>
             </a:r>
-            <a:endParaRPr lang="en-US" altLang="zh-CN" dirty="0" smtClean="0">
-              <a:solidFill>
-                <a:srgbClr val="080808"/>
-              </a:solidFill>
-              <a:latin typeface="微软雅黑" pitchFamily="34" charset="-122"/>
-              <a:ea typeface="微软雅黑" pitchFamily="34" charset="-122"/>
-            </a:endParaRPr>
           </a:p>
         </p:txBody>
       </p:sp>
@@ -21376,17 +24316,7 @@
                 <a:latin typeface="微软雅黑" pitchFamily="34" charset="-122"/>
                 <a:ea typeface="微软雅黑" pitchFamily="34" charset="-122"/>
               </a:rPr>
-              <a:t>第十二次</a:t>
-            </a:r>
-            <a:r>
-              <a:rPr lang="zh-CN" altLang="en-US" sz="2400" dirty="0" smtClean="0">
-                <a:solidFill>
-                  <a:srgbClr val="4D4D4D"/>
-                </a:solidFill>
-                <a:latin typeface="微软雅黑" pitchFamily="34" charset="-122"/>
-                <a:ea typeface="微软雅黑" pitchFamily="34" charset="-122"/>
-              </a:rPr>
-              <a:t>课的内容</a:t>
+              <a:t>第十二次课的内容</a:t>
             </a:r>
             <a:endParaRPr lang="zh-CN" altLang="en-US" sz="2400" dirty="0">
               <a:solidFill>
@@ -23255,8 +26185,8 @@
         </p:blipFill>
         <p:spPr bwMode="auto">
           <a:xfrm>
-            <a:off x="795972" y="1268760"/>
-            <a:ext cx="3646225" cy="2232248"/>
+            <a:off x="818478" y="663390"/>
+            <a:ext cx="2903639" cy="1777631"/>
           </a:xfrm>
           <a:prstGeom prst="rect">
             <a:avLst/>
@@ -23319,8 +26249,8 @@
         </p:blipFill>
         <p:spPr bwMode="auto">
           <a:xfrm>
-            <a:off x="6962477" y="1177238"/>
-            <a:ext cx="3100635" cy="2323769"/>
+            <a:off x="7391313" y="663390"/>
+            <a:ext cx="2160240" cy="1618991"/>
           </a:xfrm>
           <a:prstGeom prst="rect">
             <a:avLst/>
@@ -23368,7 +26298,7 @@
         </p:nvSpPr>
         <p:spPr>
           <a:xfrm>
-            <a:off x="769789" y="3790781"/>
+            <a:off x="769789" y="3861048"/>
             <a:ext cx="3672800" cy="646331"/>
           </a:xfrm>
           <a:prstGeom prst="rect">
@@ -23960,6 +26890,114 @@
           </a:p>
         </p:txBody>
       </p:sp>
+      <p:pic>
+        <p:nvPicPr>
+          <p:cNvPr id="4" name="Picture 3"/>
+          <p:cNvPicPr>
+            <a:picLocks noChangeAspect="1" noChangeArrowheads="1"/>
+          </p:cNvPicPr>
+          <p:nvPr/>
+        </p:nvPicPr>
+        <p:blipFill>
+          <a:blip r:embed="rId5">
+            <a:extLst>
+              <a:ext uri="{28A0092B-C50C-407E-A947-70E740481C1C}">
+                <a14:useLocalDpi xmlns:a14="http://schemas.microsoft.com/office/drawing/2010/main" val="0"/>
+              </a:ext>
+            </a:extLst>
+          </a:blip>
+          <a:srcRect/>
+          <a:stretch>
+            <a:fillRect/>
+          </a:stretch>
+        </p:blipFill>
+        <p:spPr bwMode="auto">
+          <a:xfrm>
+            <a:off x="841797" y="2468928"/>
+            <a:ext cx="4560511" cy="1464128"/>
+          </a:xfrm>
+          <a:prstGeom prst="rect">
+            <a:avLst/>
+          </a:prstGeom>
+          <a:noFill/>
+          <a:ln>
+            <a:noFill/>
+          </a:ln>
+          <a:extLst>
+            <a:ext uri="{909E8E84-426E-40DD-AFC4-6F175D3DCCD1}">
+              <a14:hiddenFill xmlns:a14="http://schemas.microsoft.com/office/drawing/2010/main">
+                <a:solidFill>
+                  <a:schemeClr val="accent1"/>
+                </a:solidFill>
+              </a14:hiddenFill>
+            </a:ext>
+            <a:ext uri="{91240B29-F687-4F45-9708-019B960494DF}">
+              <a14:hiddenLine xmlns:a14="http://schemas.microsoft.com/office/drawing/2010/main" w="9525">
+                <a:solidFill>
+                  <a:schemeClr val="tx1"/>
+                </a:solidFill>
+                <a:miter lim="800000"/>
+                <a:headEnd/>
+                <a:tailEnd/>
+              </a14:hiddenLine>
+            </a:ext>
+          </a:extLst>
+        </p:spPr>
+      </p:pic>
+      <p:pic>
+        <p:nvPicPr>
+          <p:cNvPr id="1028" name="Picture 4"/>
+          <p:cNvPicPr>
+            <a:picLocks noChangeAspect="1" noChangeArrowheads="1"/>
+          </p:cNvPicPr>
+          <p:nvPr/>
+        </p:nvPicPr>
+        <p:blipFill>
+          <a:blip r:embed="rId6">
+            <a:extLst>
+              <a:ext uri="{28A0092B-C50C-407E-A947-70E740481C1C}">
+                <a14:useLocalDpi xmlns:a14="http://schemas.microsoft.com/office/drawing/2010/main" val="0"/>
+              </a:ext>
+            </a:extLst>
+          </a:blip>
+          <a:srcRect/>
+          <a:stretch>
+            <a:fillRect/>
+          </a:stretch>
+        </p:blipFill>
+        <p:spPr bwMode="auto">
+          <a:xfrm>
+            <a:off x="7129441" y="2295352"/>
+            <a:ext cx="4441738" cy="1565696"/>
+          </a:xfrm>
+          <a:prstGeom prst="rect">
+            <a:avLst/>
+          </a:prstGeom>
+          <a:noFill/>
+          <a:ln>
+            <a:noFill/>
+          </a:ln>
+          <a:extLst>
+            <a:ext uri="{909E8E84-426E-40DD-AFC4-6F175D3DCCD1}">
+              <a14:hiddenFill xmlns:a14="http://schemas.microsoft.com/office/drawing/2010/main">
+                <a:solidFill>
+                  <a:schemeClr val="accent1"/>
+                </a:solidFill>
+              </a14:hiddenFill>
+            </a:ext>
+            <a:ext uri="{91240B29-F687-4F45-9708-019B960494DF}">
+              <a14:hiddenLine xmlns:a14="http://schemas.microsoft.com/office/drawing/2010/main" w="9525">
+                <a:solidFill>
+                  <a:schemeClr val="tx1"/>
+                </a:solidFill>
+                <a:miter lim="800000"/>
+                <a:headEnd/>
+                <a:tailEnd/>
+              </a14:hiddenLine>
+            </a:ext>
+          </a:extLst>
+        </p:spPr>
+      </p:pic>
     </p:spTree>
     <p:extLst>
       <p:ext uri="{BB962C8B-B14F-4D97-AF65-F5344CB8AC3E}">
@@ -24454,7 +27492,7 @@
         </p:nvSpPr>
         <p:spPr>
           <a:xfrm>
-            <a:off x="381765" y="3045060"/>
+            <a:off x="265733" y="1844824"/>
             <a:ext cx="4442243" cy="646331"/>
           </a:xfrm>
           <a:prstGeom prst="rect">
@@ -24630,7 +27668,7 @@
         </p:nvSpPr>
         <p:spPr>
           <a:xfrm>
-            <a:off x="7249743" y="3017891"/>
+            <a:off x="7231567" y="3861048"/>
             <a:ext cx="4587794" cy="646331"/>
           </a:xfrm>
           <a:prstGeom prst="rect">
@@ -24697,6 +27735,114 @@
           </a:p>
         </p:txBody>
       </p:sp>
+      <p:pic>
+        <p:nvPicPr>
+          <p:cNvPr id="2050" name="Picture 2"/>
+          <p:cNvPicPr>
+            <a:picLocks noChangeAspect="1" noChangeArrowheads="1"/>
+          </p:cNvPicPr>
+          <p:nvPr/>
+        </p:nvPicPr>
+        <p:blipFill>
+          <a:blip r:embed="rId3">
+            <a:extLst>
+              <a:ext uri="{28A0092B-C50C-407E-A947-70E740481C1C}">
+                <a14:useLocalDpi xmlns:a14="http://schemas.microsoft.com/office/drawing/2010/main" val="0"/>
+              </a:ext>
+            </a:extLst>
+          </a:blip>
+          <a:srcRect/>
+          <a:stretch>
+            <a:fillRect/>
+          </a:stretch>
+        </p:blipFill>
+        <p:spPr bwMode="auto">
+          <a:xfrm>
+            <a:off x="265733" y="2852936"/>
+            <a:ext cx="6865937" cy="666750"/>
+          </a:xfrm>
+          <a:prstGeom prst="rect">
+            <a:avLst/>
+          </a:prstGeom>
+          <a:noFill/>
+          <a:ln>
+            <a:noFill/>
+          </a:ln>
+          <a:extLst>
+            <a:ext uri="{909E8E84-426E-40DD-AFC4-6F175D3DCCD1}">
+              <a14:hiddenFill xmlns:a14="http://schemas.microsoft.com/office/drawing/2010/main">
+                <a:solidFill>
+                  <a:schemeClr val="accent1"/>
+                </a:solidFill>
+              </a14:hiddenFill>
+            </a:ext>
+            <a:ext uri="{91240B29-F687-4F45-9708-019B960494DF}">
+              <a14:hiddenLine xmlns:a14="http://schemas.microsoft.com/office/drawing/2010/main" w="9525">
+                <a:solidFill>
+                  <a:schemeClr val="tx1"/>
+                </a:solidFill>
+                <a:miter lim="800000"/>
+                <a:headEnd/>
+                <a:tailEnd/>
+              </a14:hiddenLine>
+            </a:ext>
+          </a:extLst>
+        </p:spPr>
+      </p:pic>
+      <p:pic>
+        <p:nvPicPr>
+          <p:cNvPr id="2052" name="Picture 4"/>
+          <p:cNvPicPr>
+            <a:picLocks noChangeAspect="1" noChangeArrowheads="1"/>
+          </p:cNvPicPr>
+          <p:nvPr/>
+        </p:nvPicPr>
+        <p:blipFill>
+          <a:blip r:embed="rId4">
+            <a:extLst>
+              <a:ext uri="{28A0092B-C50C-407E-A947-70E740481C1C}">
+                <a14:useLocalDpi xmlns:a14="http://schemas.microsoft.com/office/drawing/2010/main" val="0"/>
+              </a:ext>
+            </a:extLst>
+          </a:blip>
+          <a:srcRect/>
+          <a:stretch>
+            <a:fillRect/>
+          </a:stretch>
+        </p:blipFill>
+        <p:spPr bwMode="auto">
+          <a:xfrm>
+            <a:off x="4586213" y="4941168"/>
+            <a:ext cx="7037387" cy="695325"/>
+          </a:xfrm>
+          <a:prstGeom prst="rect">
+            <a:avLst/>
+          </a:prstGeom>
+          <a:noFill/>
+          <a:ln>
+            <a:noFill/>
+          </a:ln>
+          <a:extLst>
+            <a:ext uri="{909E8E84-426E-40DD-AFC4-6F175D3DCCD1}">
+              <a14:hiddenFill xmlns:a14="http://schemas.microsoft.com/office/drawing/2010/main">
+                <a:solidFill>
+                  <a:schemeClr val="accent1"/>
+                </a:solidFill>
+              </a14:hiddenFill>
+            </a:ext>
+            <a:ext uri="{91240B29-F687-4F45-9708-019B960494DF}">
+              <a14:hiddenLine xmlns:a14="http://schemas.microsoft.com/office/drawing/2010/main" w="9525">
+                <a:solidFill>
+                  <a:schemeClr val="tx1"/>
+                </a:solidFill>
+                <a:miter lim="800000"/>
+                <a:headEnd/>
+                <a:tailEnd/>
+              </a14:hiddenLine>
+            </a:ext>
+          </a:extLst>
+        </p:spPr>
+      </p:pic>
     </p:spTree>
     <p:extLst>
       <p:ext uri="{BB962C8B-B14F-4D97-AF65-F5344CB8AC3E}">
@@ -25191,7 +28337,7 @@
         </p:nvSpPr>
         <p:spPr>
           <a:xfrm>
-            <a:off x="445890" y="3045060"/>
+            <a:off x="445890" y="4077072"/>
             <a:ext cx="4314001" cy="646331"/>
           </a:xfrm>
           <a:prstGeom prst="rect">
@@ -25367,7 +28513,7 @@
         </p:nvSpPr>
         <p:spPr>
           <a:xfrm>
-            <a:off x="7194279" y="3017891"/>
+            <a:off x="7194279" y="1988840"/>
             <a:ext cx="4698722" cy="646331"/>
           </a:xfrm>
           <a:prstGeom prst="rect">
@@ -25434,6 +28580,114 @@
           </a:p>
         </p:txBody>
       </p:sp>
+      <p:pic>
+        <p:nvPicPr>
+          <p:cNvPr id="3074" name="Picture 2"/>
+          <p:cNvPicPr>
+            <a:picLocks noChangeAspect="1" noChangeArrowheads="1"/>
+          </p:cNvPicPr>
+          <p:nvPr/>
+        </p:nvPicPr>
+        <p:blipFill>
+          <a:blip r:embed="rId3">
+            <a:extLst>
+              <a:ext uri="{28A0092B-C50C-407E-A947-70E740481C1C}">
+                <a14:useLocalDpi xmlns:a14="http://schemas.microsoft.com/office/drawing/2010/main" val="0"/>
+              </a:ext>
+            </a:extLst>
+          </a:blip>
+          <a:srcRect/>
+          <a:stretch>
+            <a:fillRect/>
+          </a:stretch>
+        </p:blipFill>
+        <p:spPr bwMode="auto">
+          <a:xfrm>
+            <a:off x="4168776" y="2757223"/>
+            <a:ext cx="8027987" cy="952500"/>
+          </a:xfrm>
+          <a:prstGeom prst="rect">
+            <a:avLst/>
+          </a:prstGeom>
+          <a:noFill/>
+          <a:ln>
+            <a:noFill/>
+          </a:ln>
+          <a:extLst>
+            <a:ext uri="{909E8E84-426E-40DD-AFC4-6F175D3DCCD1}">
+              <a14:hiddenFill xmlns:a14="http://schemas.microsoft.com/office/drawing/2010/main">
+                <a:solidFill>
+                  <a:schemeClr val="accent1"/>
+                </a:solidFill>
+              </a14:hiddenFill>
+            </a:ext>
+            <a:ext uri="{91240B29-F687-4F45-9708-019B960494DF}">
+              <a14:hiddenLine xmlns:a14="http://schemas.microsoft.com/office/drawing/2010/main" w="9525">
+                <a:solidFill>
+                  <a:schemeClr val="tx1"/>
+                </a:solidFill>
+                <a:miter lim="800000"/>
+                <a:headEnd/>
+                <a:tailEnd/>
+              </a14:hiddenLine>
+            </a:ext>
+          </a:extLst>
+        </p:spPr>
+      </p:pic>
+      <p:pic>
+        <p:nvPicPr>
+          <p:cNvPr id="3075" name="Picture 3"/>
+          <p:cNvPicPr>
+            <a:picLocks noChangeAspect="1" noChangeArrowheads="1"/>
+          </p:cNvPicPr>
+          <p:nvPr/>
+        </p:nvPicPr>
+        <p:blipFill>
+          <a:blip r:embed="rId4">
+            <a:extLst>
+              <a:ext uri="{28A0092B-C50C-407E-A947-70E740481C1C}">
+                <a14:useLocalDpi xmlns:a14="http://schemas.microsoft.com/office/drawing/2010/main" val="0"/>
+              </a:ext>
+            </a:extLst>
+          </a:blip>
+          <a:srcRect/>
+          <a:stretch>
+            <a:fillRect/>
+          </a:stretch>
+        </p:blipFill>
+        <p:spPr bwMode="auto">
+          <a:xfrm>
+            <a:off x="625773" y="4869160"/>
+            <a:ext cx="7808913" cy="990600"/>
+          </a:xfrm>
+          <a:prstGeom prst="rect">
+            <a:avLst/>
+          </a:prstGeom>
+          <a:noFill/>
+          <a:ln>
+            <a:noFill/>
+          </a:ln>
+          <a:extLst>
+            <a:ext uri="{909E8E84-426E-40DD-AFC4-6F175D3DCCD1}">
+              <a14:hiddenFill xmlns:a14="http://schemas.microsoft.com/office/drawing/2010/main">
+                <a:solidFill>
+                  <a:schemeClr val="accent1"/>
+                </a:solidFill>
+              </a14:hiddenFill>
+            </a:ext>
+            <a:ext uri="{91240B29-F687-4F45-9708-019B960494DF}">
+              <a14:hiddenLine xmlns:a14="http://schemas.microsoft.com/office/drawing/2010/main" w="9525">
+                <a:solidFill>
+                  <a:schemeClr val="tx1"/>
+                </a:solidFill>
+                <a:miter lim="800000"/>
+                <a:headEnd/>
+                <a:tailEnd/>
+              </a14:hiddenLine>
+            </a:ext>
+          </a:extLst>
+        </p:spPr>
+      </p:pic>
     </p:spTree>
     <p:extLst>
       <p:ext uri="{BB962C8B-B14F-4D97-AF65-F5344CB8AC3E}">
@@ -25928,7 +29182,7 @@
         </p:nvSpPr>
         <p:spPr>
           <a:xfrm>
-            <a:off x="663899" y="3045060"/>
+            <a:off x="0" y="2278613"/>
             <a:ext cx="3877986" cy="646331"/>
           </a:xfrm>
           <a:prstGeom prst="rect">
@@ -26003,7 +29257,7 @@
         </p:nvSpPr>
         <p:spPr>
           <a:xfrm>
-            <a:off x="2512580" y="971616"/>
+            <a:off x="2512580" y="692696"/>
             <a:ext cx="7255512" cy="646331"/>
           </a:xfrm>
           <a:prstGeom prst="rect">
@@ -26042,33 +29296,7 @@
                   </a:outerShdw>
                 </a:effectLst>
               </a:rPr>
-              <a:t>数据输入流与数据输出</a:t>
-            </a:r>
-            <a:r>
-              <a:rPr lang="zh-CN" altLang="en-US" sz="3600" b="1" dirty="0" smtClean="0">
-                <a:ln w="12700">
-                  <a:solidFill>
-                    <a:srgbClr val="4D4D4D">
-                      <a:satMod val="155000"/>
-                    </a:srgbClr>
-                  </a:solidFill>
-                  <a:prstDash val="solid"/>
-                </a:ln>
-                <a:solidFill>
-                  <a:srgbClr val="C2C1C1">
-                    <a:tint val="85000"/>
-                    <a:satMod val="155000"/>
-                  </a:srgbClr>
-                </a:solidFill>
-                <a:effectLst>
-                  <a:outerShdw blurRad="41275" dist="20320" dir="1800000" algn="tl" rotWithShape="0">
-                    <a:srgbClr val="000000">
-                      <a:alpha val="40000"/>
-                    </a:srgbClr>
-                  </a:outerShdw>
-                </a:effectLst>
-              </a:rPr>
-              <a:t>流</a:t>
+              <a:t>数据输入流与数据输出流</a:t>
             </a:r>
             <a:r>
               <a:rPr lang="en-US" altLang="zh-CN" sz="3600" b="1" dirty="0" smtClean="0">
@@ -26130,7 +29358,7 @@
         </p:nvSpPr>
         <p:spPr>
           <a:xfrm>
-            <a:off x="7412288" y="3017891"/>
+            <a:off x="0" y="4437111"/>
             <a:ext cx="4262705" cy="646331"/>
           </a:xfrm>
           <a:prstGeom prst="rect">
@@ -26197,6 +29425,114 @@
           </a:p>
         </p:txBody>
       </p:sp>
+      <p:pic>
+        <p:nvPicPr>
+          <p:cNvPr id="4098" name="Picture 2"/>
+          <p:cNvPicPr>
+            <a:picLocks noChangeAspect="1" noChangeArrowheads="1"/>
+          </p:cNvPicPr>
+          <p:nvPr/>
+        </p:nvPicPr>
+        <p:blipFill>
+          <a:blip r:embed="rId3">
+            <a:extLst>
+              <a:ext uri="{28A0092B-C50C-407E-A947-70E740481C1C}">
+                <a14:useLocalDpi xmlns:a14="http://schemas.microsoft.com/office/drawing/2010/main" val="0"/>
+              </a:ext>
+            </a:extLst>
+          </a:blip>
+          <a:srcRect/>
+          <a:stretch>
+            <a:fillRect/>
+          </a:stretch>
+        </p:blipFill>
+        <p:spPr bwMode="auto">
+          <a:xfrm>
+            <a:off x="4154165" y="1645609"/>
+            <a:ext cx="7970837" cy="1819275"/>
+          </a:xfrm>
+          <a:prstGeom prst="rect">
+            <a:avLst/>
+          </a:prstGeom>
+          <a:noFill/>
+          <a:ln>
+            <a:noFill/>
+          </a:ln>
+          <a:extLst>
+            <a:ext uri="{909E8E84-426E-40DD-AFC4-6F175D3DCCD1}">
+              <a14:hiddenFill xmlns:a14="http://schemas.microsoft.com/office/drawing/2010/main">
+                <a:solidFill>
+                  <a:schemeClr val="accent1"/>
+                </a:solidFill>
+              </a14:hiddenFill>
+            </a:ext>
+            <a:ext uri="{91240B29-F687-4F45-9708-019B960494DF}">
+              <a14:hiddenLine xmlns:a14="http://schemas.microsoft.com/office/drawing/2010/main" w="9525">
+                <a:solidFill>
+                  <a:schemeClr val="tx1"/>
+                </a:solidFill>
+                <a:miter lim="800000"/>
+                <a:headEnd/>
+                <a:tailEnd/>
+              </a14:hiddenLine>
+            </a:ext>
+          </a:extLst>
+        </p:spPr>
+      </p:pic>
+      <p:pic>
+        <p:nvPicPr>
+          <p:cNvPr id="4099" name="Picture 3"/>
+          <p:cNvPicPr>
+            <a:picLocks noChangeAspect="1" noChangeArrowheads="1"/>
+          </p:cNvPicPr>
+          <p:nvPr/>
+        </p:nvPicPr>
+        <p:blipFill>
+          <a:blip r:embed="rId4">
+            <a:extLst>
+              <a:ext uri="{28A0092B-C50C-407E-A947-70E740481C1C}">
+                <a14:useLocalDpi xmlns:a14="http://schemas.microsoft.com/office/drawing/2010/main" val="0"/>
+              </a:ext>
+            </a:extLst>
+          </a:blip>
+          <a:srcRect/>
+          <a:stretch>
+            <a:fillRect/>
+          </a:stretch>
+        </p:blipFill>
+        <p:spPr bwMode="auto">
+          <a:xfrm>
+            <a:off x="4262705" y="4208803"/>
+            <a:ext cx="7589837" cy="1819275"/>
+          </a:xfrm>
+          <a:prstGeom prst="rect">
+            <a:avLst/>
+          </a:prstGeom>
+          <a:noFill/>
+          <a:ln>
+            <a:noFill/>
+          </a:ln>
+          <a:extLst>
+            <a:ext uri="{909E8E84-426E-40DD-AFC4-6F175D3DCCD1}">
+              <a14:hiddenFill xmlns:a14="http://schemas.microsoft.com/office/drawing/2010/main">
+                <a:solidFill>
+                  <a:schemeClr val="accent1"/>
+                </a:solidFill>
+              </a14:hiddenFill>
+            </a:ext>
+            <a:ext uri="{91240B29-F687-4F45-9708-019B960494DF}">
+              <a14:hiddenLine xmlns:a14="http://schemas.microsoft.com/office/drawing/2010/main" w="9525">
+                <a:solidFill>
+                  <a:schemeClr val="tx1"/>
+                </a:solidFill>
+                <a:miter lim="800000"/>
+                <a:headEnd/>
+                <a:tailEnd/>
+              </a14:hiddenLine>
+            </a:ext>
+          </a:extLst>
+        </p:spPr>
+      </p:pic>
     </p:spTree>
     <p:extLst>
       <p:ext uri="{BB962C8B-B14F-4D97-AF65-F5344CB8AC3E}">
@@ -26568,74 +29904,358 @@
       </p:sp>
       <p:sp>
         <p:nvSpPr>
-          <p:cNvPr id="77" name="TextBox 76"/>
-          <p:cNvSpPr txBox="1"/>
+          <p:cNvPr id="27" name="矩形 26"/>
+          <p:cNvSpPr/>
           <p:nvPr/>
         </p:nvSpPr>
-        <p:spPr>
+        <p:spPr bwMode="auto">
           <a:xfrm>
-            <a:off x="434670" y="174412"/>
-            <a:ext cx="3600666" cy="430887"/>
+            <a:off x="0" y="238581"/>
+            <a:ext cx="409749" cy="333328"/>
           </a:xfrm>
           <a:prstGeom prst="rect">
             <a:avLst/>
           </a:prstGeom>
-          <a:noFill/>
+          <a:solidFill>
+            <a:schemeClr val="bg1"/>
+          </a:solidFill>
+          <a:ln w="9525" cap="flat" cmpd="sng" algn="ctr">
+            <a:noFill/>
+            <a:prstDash val="solid"/>
+            <a:round/>
+            <a:headEnd type="none" w="med" len="med"/>
+            <a:tailEnd type="none" w="med" len="med"/>
+          </a:ln>
+          <a:effectLst/>
+          <a:extLst/>
         </p:spPr>
         <p:txBody>
-          <a:bodyPr wrap="none" rtlCol="0">
-            <a:spAutoFit/>
+          <a:bodyPr vert="horz" wrap="square" lIns="91440" tIns="45720" rIns="91440" bIns="45720" numCol="1" rtlCol="0" anchor="t" anchorCtr="0" compatLnSpc="1">
+            <a:prstTxWarp prst="textNoShape">
+              <a:avLst/>
+            </a:prstTxWarp>
           </a:bodyPr>
           <a:lstStyle/>
           <a:p>
+            <a:endParaRPr lang="zh-CN" altLang="en-US" smtClean="0">
+              <a:solidFill>
+                <a:srgbClr val="C4261D"/>
+              </a:solidFill>
+            </a:endParaRPr>
+          </a:p>
+        </p:txBody>
+      </p:sp>
+      <p:sp>
+        <p:nvSpPr>
+          <p:cNvPr id="6" name="矩形 5"/>
+          <p:cNvSpPr/>
+          <p:nvPr/>
+        </p:nvSpPr>
+        <p:spPr bwMode="auto">
+          <a:xfrm>
+            <a:off x="363361" y="2885010"/>
+            <a:ext cx="11495659" cy="615998"/>
+          </a:xfrm>
+          <a:prstGeom prst="rect">
+            <a:avLst/>
+          </a:prstGeom>
+          <a:solidFill>
+            <a:schemeClr val="tx1"/>
+          </a:solidFill>
+          <a:ln w="9525" cap="flat" cmpd="sng" algn="ctr">
+            <a:noFill/>
+            <a:prstDash val="solid"/>
+            <a:round/>
+            <a:headEnd type="none" w="med" len="med"/>
+            <a:tailEnd type="none" w="med" len="med"/>
+          </a:ln>
+          <a:effectLst/>
+          <a:extLst/>
+        </p:spPr>
+        <p:txBody>
+          <a:bodyPr vert="horz" wrap="square" lIns="91440" tIns="45720" rIns="91440" bIns="45720" numCol="1" rtlCol="0" anchor="t" anchorCtr="0" compatLnSpc="1">
+            <a:prstTxWarp prst="textNoShape">
+              <a:avLst/>
+            </a:prstTxWarp>
+          </a:bodyPr>
+          <a:lstStyle/>
+          <a:p>
+            <a:pPr algn="ctr"/>
             <a:r>
-              <a:rPr lang="zh-CN" altLang="en-US" sz="2200" dirty="0">
+              <a:rPr lang="zh-CN" altLang="en-US" sz="3200" smtClean="0">
                 <a:solidFill>
-                  <a:srgbClr val="C2C1C1">
-                    <a:lumMod val="20000"/>
-                    <a:lumOff val="80000"/>
-                  </a:srgbClr>
+                  <a:srgbClr val="F8F8F8"/>
                 </a:solidFill>
                 <a:latin typeface="微软雅黑"/>
                 <a:ea typeface="微软雅黑"/>
               </a:rPr>
-              <a:t>其他</a:t>
+              <a:t>改变一下，以输出为例，先写入“缓冲区”，再写入文件。</a:t>
             </a:r>
-            <a:r>
-              <a:rPr lang="en-US" altLang="zh-CN" sz="2200" dirty="0">
-                <a:solidFill>
-                  <a:srgbClr val="C2C1C1">
-                    <a:lumMod val="20000"/>
-                    <a:lumOff val="80000"/>
-                  </a:srgbClr>
-                </a:solidFill>
-                <a:latin typeface="微软雅黑"/>
-                <a:ea typeface="微软雅黑"/>
-              </a:rPr>
-              <a:t>IO</a:t>
-            </a:r>
-            <a:r>
-              <a:rPr lang="zh-CN" altLang="en-US" sz="2200" dirty="0">
-                <a:solidFill>
-                  <a:srgbClr val="C2C1C1">
-                    <a:lumMod val="20000"/>
-                    <a:lumOff val="80000"/>
-                  </a:srgbClr>
-                </a:solidFill>
-                <a:latin typeface="微软雅黑"/>
-                <a:ea typeface="微软雅黑"/>
-              </a:rPr>
-              <a:t>流及装饰模式的应用</a:t>
-            </a:r>
-            <a:endParaRPr lang="zh-CN" altLang="en-US" sz="2200" dirty="0" smtClean="0">
+            <a:endParaRPr lang="en-US" altLang="zh-CN" sz="3200" dirty="0" smtClean="0">
               <a:solidFill>
-                <a:srgbClr val="C2C1C1">
-                  <a:lumMod val="20000"/>
-                  <a:lumOff val="80000"/>
-                </a:srgbClr>
+                <a:srgbClr val="F8F8F8"/>
               </a:solidFill>
               <a:latin typeface="微软雅黑"/>
               <a:ea typeface="微软雅黑"/>
+            </a:endParaRPr>
+          </a:p>
+        </p:txBody>
+      </p:sp>
+    </p:spTree>
+    <p:extLst>
+      <p:ext uri="{BB962C8B-B14F-4D97-AF65-F5344CB8AC3E}">
+        <p14:creationId xmlns:p14="http://schemas.microsoft.com/office/powerpoint/2010/main" val="132892658"/>
+      </p:ext>
+    </p:extLst>
+  </p:cSld>
+  <p:clrMapOvr>
+    <a:masterClrMapping/>
+  </p:clrMapOvr>
+  <p:transition spd="slow" advTm="7876">
+    <p:wipe/>
+  </p:transition>
+  <p:timing>
+    <p:tnLst>
+      <p:par>
+        <p:cTn id="1" dur="indefinite" restart="never" nodeType="tmRoot">
+          <p:childTnLst>
+            <p:seq concurrent="1" nextAc="seek">
+              <p:cTn id="2" dur="indefinite" nodeType="mainSeq">
+                <p:childTnLst>
+                  <p:par>
+                    <p:cTn id="3" fill="hold">
+                      <p:stCondLst>
+                        <p:cond delay="indefinite"/>
+                        <p:cond evt="onBegin" delay="0">
+                          <p:tn val="2"/>
+                        </p:cond>
+                      </p:stCondLst>
+                      <p:childTnLst>
+                        <p:par>
+                          <p:cTn id="4" fill="hold">
+                            <p:stCondLst>
+                              <p:cond delay="0"/>
+                            </p:stCondLst>
+                            <p:childTnLst>
+                              <p:par>
+                                <p:cTn id="5" presetID="2" presetClass="entr" presetSubtype="8" fill="hold" grpId="0" nodeType="afterEffect">
+                                  <p:stCondLst>
+                                    <p:cond delay="0"/>
+                                  </p:stCondLst>
+                                  <p:childTnLst>
+                                    <p:set>
+                                      <p:cBhvr>
+                                        <p:cTn id="6" dur="1" fill="hold">
+                                          <p:stCondLst>
+                                            <p:cond delay="0"/>
+                                          </p:stCondLst>
+                                        </p:cTn>
+                                        <p:tgtEl>
+                                          <p:spTgt spid="27"/>
+                                        </p:tgtEl>
+                                        <p:attrNameLst>
+                                          <p:attrName>style.visibility</p:attrName>
+                                        </p:attrNameLst>
+                                      </p:cBhvr>
+                                      <p:to>
+                                        <p:strVal val="visible"/>
+                                      </p:to>
+                                    </p:set>
+                                    <p:anim calcmode="lin" valueType="num">
+                                      <p:cBhvr additive="base">
+                                        <p:cTn id="7" dur="300" fill="hold"/>
+                                        <p:tgtEl>
+                                          <p:spTgt spid="27"/>
+                                        </p:tgtEl>
+                                        <p:attrNameLst>
+                                          <p:attrName>ppt_x</p:attrName>
+                                        </p:attrNameLst>
+                                      </p:cBhvr>
+                                      <p:tavLst>
+                                        <p:tav tm="0">
+                                          <p:val>
+                                            <p:strVal val="0-#ppt_w/2"/>
+                                          </p:val>
+                                        </p:tav>
+                                        <p:tav tm="100000">
+                                          <p:val>
+                                            <p:strVal val="#ppt_x"/>
+                                          </p:val>
+                                        </p:tav>
+                                      </p:tavLst>
+                                    </p:anim>
+                                    <p:anim calcmode="lin" valueType="num">
+                                      <p:cBhvr additive="base">
+                                        <p:cTn id="8" dur="300" fill="hold"/>
+                                        <p:tgtEl>
+                                          <p:spTgt spid="27"/>
+                                        </p:tgtEl>
+                                        <p:attrNameLst>
+                                          <p:attrName>ppt_y</p:attrName>
+                                        </p:attrNameLst>
+                                      </p:cBhvr>
+                                      <p:tavLst>
+                                        <p:tav tm="0">
+                                          <p:val>
+                                            <p:strVal val="#ppt_y"/>
+                                          </p:val>
+                                        </p:tav>
+                                        <p:tav tm="100000">
+                                          <p:val>
+                                            <p:strVal val="#ppt_y"/>
+                                          </p:val>
+                                        </p:tav>
+                                      </p:tavLst>
+                                    </p:anim>
+                                  </p:childTnLst>
+                                </p:cTn>
+                              </p:par>
+                            </p:childTnLst>
+                          </p:cTn>
+                        </p:par>
+                        <p:par>
+                          <p:cTn id="9" fill="hold">
+                            <p:stCondLst>
+                              <p:cond delay="300"/>
+                            </p:stCondLst>
+                            <p:childTnLst>
+                              <p:par>
+                                <p:cTn id="10" presetID="22" presetClass="entr" presetSubtype="2" fill="hold" grpId="0" nodeType="afterEffect">
+                                  <p:stCondLst>
+                                    <p:cond delay="0"/>
+                                  </p:stCondLst>
+                                  <p:childTnLst>
+                                    <p:set>
+                                      <p:cBhvr>
+                                        <p:cTn id="11" dur="1" fill="hold">
+                                          <p:stCondLst>
+                                            <p:cond delay="0"/>
+                                          </p:stCondLst>
+                                        </p:cTn>
+                                        <p:tgtEl>
+                                          <p:spTgt spid="6"/>
+                                        </p:tgtEl>
+                                        <p:attrNameLst>
+                                          <p:attrName>style.visibility</p:attrName>
+                                        </p:attrNameLst>
+                                      </p:cBhvr>
+                                      <p:to>
+                                        <p:strVal val="visible"/>
+                                      </p:to>
+                                    </p:set>
+                                    <p:animEffect transition="in" filter="wipe(right)">
+                                      <p:cBhvr>
+                                        <p:cTn id="12" dur="500"/>
+                                        <p:tgtEl>
+                                          <p:spTgt spid="6"/>
+                                        </p:tgtEl>
+                                      </p:cBhvr>
+                                    </p:animEffect>
+                                  </p:childTnLst>
+                                </p:cTn>
+                              </p:par>
+                            </p:childTnLst>
+                          </p:cTn>
+                        </p:par>
+                      </p:childTnLst>
+                    </p:cTn>
+                  </p:par>
+                </p:childTnLst>
+              </p:cTn>
+              <p:prevCondLst>
+                <p:cond evt="onPrev" delay="0">
+                  <p:tgtEl>
+                    <p:sldTgt/>
+                  </p:tgtEl>
+                </p:cond>
+              </p:prevCondLst>
+              <p:nextCondLst>
+                <p:cond evt="onNext" delay="0">
+                  <p:tgtEl>
+                    <p:sldTgt/>
+                  </p:tgtEl>
+                </p:cond>
+              </p:nextCondLst>
+            </p:seq>
+          </p:childTnLst>
+        </p:cTn>
+      </p:par>
+    </p:tnLst>
+    <p:bldLst>
+      <p:bldP spid="27" grpId="0" animBg="1"/>
+      <p:bldP spid="6" grpId="0" animBg="1"/>
+    </p:bldLst>
+  </p:timing>
+</p:sld>
+</file>
+
+<file path=ppt/slides/slide9.xml><?xml version="1.0" encoding="utf-8"?>
+<p:sld xmlns:a="http://schemas.openxmlformats.org/drawingml/2006/main" xmlns:r="http://schemas.openxmlformats.org/officeDocument/2006/relationships" xmlns:p="http://schemas.openxmlformats.org/presentationml/2006/main">
+  <p:cSld>
+    <p:bg>
+      <p:bgPr>
+        <a:solidFill>
+          <a:srgbClr val="AF2019"/>
+        </a:solidFill>
+        <a:effectLst/>
+      </p:bgPr>
+    </p:bg>
+    <p:spTree>
+      <p:nvGrpSpPr>
+        <p:cNvPr id="1" name=""/>
+        <p:cNvGrpSpPr/>
+        <p:nvPr/>
+      </p:nvGrpSpPr>
+      <p:grpSpPr>
+        <a:xfrm>
+          <a:off x="0" y="0"/>
+          <a:ext cx="0" cy="0"/>
+          <a:chOff x="0" y="0"/>
+          <a:chExt cx="0" cy="0"/>
+        </a:xfrm>
+      </p:grpSpPr>
+      <p:sp>
+        <p:nvSpPr>
+          <p:cNvPr id="22" name="矩形 21"/>
+          <p:cNvSpPr/>
+          <p:nvPr/>
+        </p:nvSpPr>
+        <p:spPr bwMode="auto">
+          <a:xfrm>
+            <a:off x="0" y="666517"/>
+            <a:ext cx="12196763" cy="6002843"/>
+          </a:xfrm>
+          <a:prstGeom prst="rect">
+            <a:avLst/>
+          </a:prstGeom>
+          <a:solidFill>
+            <a:schemeClr val="bg2">
+              <a:lumMod val="20000"/>
+              <a:lumOff val="80000"/>
+            </a:schemeClr>
+          </a:solidFill>
+          <a:ln w="9525" cap="flat" cmpd="sng" algn="ctr">
+            <a:noFill/>
+            <a:prstDash val="solid"/>
+            <a:round/>
+            <a:headEnd type="none" w="med" len="med"/>
+            <a:tailEnd type="none" w="med" len="med"/>
+          </a:ln>
+          <a:effectLst/>
+          <a:extLst/>
+        </p:spPr>
+        <p:txBody>
+          <a:bodyPr vert="horz" wrap="square" lIns="91440" tIns="45720" rIns="91440" bIns="45720" numCol="1" rtlCol="0" anchor="t" anchorCtr="0" compatLnSpc="1">
+            <a:prstTxWarp prst="textNoShape">
+              <a:avLst/>
+            </a:prstTxWarp>
+          </a:bodyPr>
+          <a:lstStyle/>
+          <a:p>
+            <a:endParaRPr lang="zh-CN" altLang="en-US" dirty="0" smtClean="0">
+              <a:solidFill>
+                <a:srgbClr val="C4261D"/>
+              </a:solidFill>
             </a:endParaRPr>
           </a:p>
         </p:txBody>
@@ -26691,7 +30311,7 @@
         </p:nvSpPr>
         <p:spPr>
           <a:xfrm>
-            <a:off x="222849" y="3045060"/>
+            <a:off x="6746453" y="1832775"/>
             <a:ext cx="5083444" cy="646331"/>
           </a:xfrm>
           <a:prstGeom prst="rect">
@@ -26805,33 +30425,7 @@
                   </a:outerShdw>
                 </a:effectLst>
               </a:rPr>
-              <a:t>字节数组输入流与字节数组输出</a:t>
-            </a:r>
-            <a:r>
-              <a:rPr lang="zh-CN" altLang="en-US" sz="3600" b="1" dirty="0" smtClean="0">
-                <a:ln w="12700">
-                  <a:solidFill>
-                    <a:srgbClr val="4D4D4D">
-                      <a:satMod val="155000"/>
-                    </a:srgbClr>
-                  </a:solidFill>
-                  <a:prstDash val="solid"/>
-                </a:ln>
-                <a:solidFill>
-                  <a:srgbClr val="C2C1C1">
-                    <a:tint val="85000"/>
-                    <a:satMod val="155000"/>
-                  </a:srgbClr>
-                </a:solidFill>
-                <a:effectLst>
-                  <a:outerShdw blurRad="41275" dist="20320" dir="1800000" algn="tl" rotWithShape="0">
-                    <a:srgbClr val="000000">
-                      <a:alpha val="40000"/>
-                    </a:srgbClr>
-                  </a:outerShdw>
-                </a:effectLst>
-              </a:rPr>
-              <a:t>流</a:t>
+              <a:t>字节数组输入流与字节数组输出流</a:t>
             </a:r>
             <a:r>
               <a:rPr lang="en-US" altLang="zh-CN" sz="3600" b="1" dirty="0" smtClean="0">
@@ -26893,7 +30487,7 @@
         </p:nvSpPr>
         <p:spPr>
           <a:xfrm>
-            <a:off x="6534873" y="3017891"/>
+            <a:off x="434670" y="1844824"/>
             <a:ext cx="5468164" cy="646331"/>
           </a:xfrm>
           <a:prstGeom prst="rect">
@@ -26960,6 +30554,60 @@
           </a:p>
         </p:txBody>
       </p:sp>
+      <p:pic>
+        <p:nvPicPr>
+          <p:cNvPr id="5122" name="Picture 2"/>
+          <p:cNvPicPr>
+            <a:picLocks noChangeAspect="1" noChangeArrowheads="1"/>
+          </p:cNvPicPr>
+          <p:nvPr/>
+        </p:nvPicPr>
+        <p:blipFill>
+          <a:blip r:embed="rId3">
+            <a:extLst>
+              <a:ext uri="{28A0092B-C50C-407E-A947-70E740481C1C}">
+                <a14:useLocalDpi xmlns:a14="http://schemas.microsoft.com/office/drawing/2010/main" val="0"/>
+              </a:ext>
+            </a:extLst>
+          </a:blip>
+          <a:srcRect/>
+          <a:stretch>
+            <a:fillRect/>
+          </a:stretch>
+        </p:blipFill>
+        <p:spPr bwMode="auto">
+          <a:xfrm>
+            <a:off x="483363" y="2924944"/>
+            <a:ext cx="7446963" cy="2971800"/>
+          </a:xfrm>
+          <a:prstGeom prst="rect">
+            <a:avLst/>
+          </a:prstGeom>
+          <a:noFill/>
+          <a:ln>
+            <a:noFill/>
+          </a:ln>
+          <a:extLst>
+            <a:ext uri="{909E8E84-426E-40DD-AFC4-6F175D3DCCD1}">
+              <a14:hiddenFill xmlns:a14="http://schemas.microsoft.com/office/drawing/2010/main">
+                <a:solidFill>
+                  <a:schemeClr val="accent1"/>
+                </a:solidFill>
+              </a14:hiddenFill>
+            </a:ext>
+            <a:ext uri="{91240B29-F687-4F45-9708-019B960494DF}">
+              <a14:hiddenLine xmlns:a14="http://schemas.microsoft.com/office/drawing/2010/main" w="9525">
+                <a:solidFill>
+                  <a:schemeClr val="tx1"/>
+                </a:solidFill>
+                <a:miter lim="800000"/>
+                <a:headEnd/>
+                <a:tailEnd/>
+              </a14:hiddenLine>
+            </a:ext>
+          </a:extLst>
+        </p:spPr>
+      </p:pic>
     </p:spTree>
     <p:extLst>
       <p:ext uri="{BB962C8B-B14F-4D97-AF65-F5344CB8AC3E}">
@@ -27072,160 +30720,6 @@
                             </p:childTnLst>
                           </p:cTn>
                         </p:par>
-                        <p:par>
-                          <p:cTn id="9" fill="hold">
-                            <p:stCondLst>
-                              <p:cond delay="300"/>
-                            </p:stCondLst>
-                            <p:childTnLst>
-                              <p:par>
-                                <p:cTn id="10" presetID="41" presetClass="entr" presetSubtype="0" fill="hold" grpId="0" nodeType="afterEffect">
-                                  <p:stCondLst>
-                                    <p:cond delay="0"/>
-                                  </p:stCondLst>
-                                  <p:iterate type="lt">
-                                    <p:tmPct val="10000"/>
-                                  </p:iterate>
-                                  <p:childTnLst>
-                                    <p:set>
-                                      <p:cBhvr>
-                                        <p:cTn id="11" dur="1" fill="hold">
-                                          <p:stCondLst>
-                                            <p:cond delay="0"/>
-                                          </p:stCondLst>
-                                        </p:cTn>
-                                        <p:tgtEl>
-                                          <p:spTgt spid="77"/>
-                                        </p:tgtEl>
-                                        <p:attrNameLst>
-                                          <p:attrName>style.visibility</p:attrName>
-                                        </p:attrNameLst>
-                                      </p:cBhvr>
-                                      <p:to>
-                                        <p:strVal val="visible"/>
-                                      </p:to>
-                                    </p:set>
-                                    <p:anim calcmode="lin" valueType="num">
-                                      <p:cBhvr>
-                                        <p:cTn id="12" dur="400" fill="hold"/>
-                                        <p:tgtEl>
-                                          <p:spTgt spid="77"/>
-                                        </p:tgtEl>
-                                        <p:attrNameLst>
-                                          <p:attrName>ppt_x</p:attrName>
-                                        </p:attrNameLst>
-                                      </p:cBhvr>
-                                      <p:tavLst>
-                                        <p:tav tm="0">
-                                          <p:val>
-                                            <p:strVal val="#ppt_x"/>
-                                          </p:val>
-                                        </p:tav>
-                                        <p:tav tm="50000">
-                                          <p:val>
-                                            <p:strVal val="#ppt_x+.1"/>
-                                          </p:val>
-                                        </p:tav>
-                                        <p:tav tm="100000">
-                                          <p:val>
-                                            <p:strVal val="#ppt_x"/>
-                                          </p:val>
-                                        </p:tav>
-                                      </p:tavLst>
-                                    </p:anim>
-                                    <p:anim calcmode="lin" valueType="num">
-                                      <p:cBhvr>
-                                        <p:cTn id="13" dur="400" fill="hold"/>
-                                        <p:tgtEl>
-                                          <p:spTgt spid="77"/>
-                                        </p:tgtEl>
-                                        <p:attrNameLst>
-                                          <p:attrName>ppt_y</p:attrName>
-                                        </p:attrNameLst>
-                                      </p:cBhvr>
-                                      <p:tavLst>
-                                        <p:tav tm="0">
-                                          <p:val>
-                                            <p:strVal val="#ppt_y"/>
-                                          </p:val>
-                                        </p:tav>
-                                        <p:tav tm="100000">
-                                          <p:val>
-                                            <p:strVal val="#ppt_y"/>
-                                          </p:val>
-                                        </p:tav>
-                                      </p:tavLst>
-                                    </p:anim>
-                                    <p:anim calcmode="lin" valueType="num">
-                                      <p:cBhvr>
-                                        <p:cTn id="14" dur="400" fill="hold"/>
-                                        <p:tgtEl>
-                                          <p:spTgt spid="77"/>
-                                        </p:tgtEl>
-                                        <p:attrNameLst>
-                                          <p:attrName>ppt_h</p:attrName>
-                                        </p:attrNameLst>
-                                      </p:cBhvr>
-                                      <p:tavLst>
-                                        <p:tav tm="0">
-                                          <p:val>
-                                            <p:strVal val="#ppt_h/10"/>
-                                          </p:val>
-                                        </p:tav>
-                                        <p:tav tm="50000">
-                                          <p:val>
-                                            <p:strVal val="#ppt_h+.01"/>
-                                          </p:val>
-                                        </p:tav>
-                                        <p:tav tm="100000">
-                                          <p:val>
-                                            <p:strVal val="#ppt_h"/>
-                                          </p:val>
-                                        </p:tav>
-                                      </p:tavLst>
-                                    </p:anim>
-                                    <p:anim calcmode="lin" valueType="num">
-                                      <p:cBhvr>
-                                        <p:cTn id="15" dur="400" fill="hold"/>
-                                        <p:tgtEl>
-                                          <p:spTgt spid="77"/>
-                                        </p:tgtEl>
-                                        <p:attrNameLst>
-                                          <p:attrName>ppt_w</p:attrName>
-                                        </p:attrNameLst>
-                                      </p:cBhvr>
-                                      <p:tavLst>
-                                        <p:tav tm="0">
-                                          <p:val>
-                                            <p:strVal val="#ppt_w/10"/>
-                                          </p:val>
-                                        </p:tav>
-                                        <p:tav tm="50000">
-                                          <p:val>
-                                            <p:strVal val="#ppt_w+.01"/>
-                                          </p:val>
-                                        </p:tav>
-                                        <p:tav tm="100000">
-                                          <p:val>
-                                            <p:strVal val="#ppt_w"/>
-                                          </p:val>
-                                        </p:tav>
-                                      </p:tavLst>
-                                    </p:anim>
-                                    <p:animEffect transition="in" filter="fade">
-                                      <p:cBhvr>
-                                        <p:cTn id="16" dur="400" tmFilter="0,0; .5, 1; 1, 1"/>
-                                        <p:tgtEl>
-                                          <p:spTgt spid="77"/>
-                                        </p:tgtEl>
-                                      </p:cBhvr>
-                                    </p:animEffect>
-                                  </p:childTnLst>
-                                </p:cTn>
-                              </p:par>
-                            </p:childTnLst>
-                          </p:cTn>
-                        </p:par>
                       </p:childTnLst>
                     </p:cTn>
                   </p:par>
@@ -27251,900 +30745,6 @@
       </p:par>
     </p:tnLst>
     <p:bldLst>
-      <p:bldP spid="77" grpId="0"/>
-      <p:bldP spid="27" grpId="0" animBg="1"/>
-    </p:bldLst>
-  </p:timing>
-</p:sld>
-</file>
-
-<file path=ppt/slides/slide9.xml><?xml version="1.0" encoding="utf-8"?>
-<p:sld xmlns:a="http://schemas.openxmlformats.org/drawingml/2006/main" xmlns:r="http://schemas.openxmlformats.org/officeDocument/2006/relationships" xmlns:p="http://schemas.openxmlformats.org/presentationml/2006/main">
-  <p:cSld>
-    <p:bg>
-      <p:bgPr>
-        <a:solidFill>
-          <a:srgbClr val="AF2019"/>
-        </a:solidFill>
-        <a:effectLst/>
-      </p:bgPr>
-    </p:bg>
-    <p:spTree>
-      <p:nvGrpSpPr>
-        <p:cNvPr id="1" name=""/>
-        <p:cNvGrpSpPr/>
-        <p:nvPr/>
-      </p:nvGrpSpPr>
-      <p:grpSpPr>
-        <a:xfrm>
-          <a:off x="0" y="0"/>
-          <a:ext cx="0" cy="0"/>
-          <a:chOff x="0" y="0"/>
-          <a:chExt cx="0" cy="0"/>
-        </a:xfrm>
-      </p:grpSpPr>
-      <p:sp>
-        <p:nvSpPr>
-          <p:cNvPr id="22" name="矩形 21"/>
-          <p:cNvSpPr/>
-          <p:nvPr/>
-        </p:nvSpPr>
-        <p:spPr bwMode="auto">
-          <a:xfrm>
-            <a:off x="0" y="666517"/>
-            <a:ext cx="12196763" cy="6002843"/>
-          </a:xfrm>
-          <a:prstGeom prst="rect">
-            <a:avLst/>
-          </a:prstGeom>
-          <a:solidFill>
-            <a:schemeClr val="bg2">
-              <a:lumMod val="20000"/>
-              <a:lumOff val="80000"/>
-            </a:schemeClr>
-          </a:solidFill>
-          <a:ln w="9525" cap="flat" cmpd="sng" algn="ctr">
-            <a:noFill/>
-            <a:prstDash val="solid"/>
-            <a:round/>
-            <a:headEnd type="none" w="med" len="med"/>
-            <a:tailEnd type="none" w="med" len="med"/>
-          </a:ln>
-          <a:effectLst/>
-          <a:extLst/>
-        </p:spPr>
-        <p:txBody>
-          <a:bodyPr vert="horz" wrap="square" lIns="91440" tIns="45720" rIns="91440" bIns="45720" numCol="1" rtlCol="0" anchor="t" anchorCtr="0" compatLnSpc="1">
-            <a:prstTxWarp prst="textNoShape">
-              <a:avLst/>
-            </a:prstTxWarp>
-          </a:bodyPr>
-          <a:lstStyle/>
-          <a:p>
-            <a:endParaRPr lang="zh-CN" altLang="en-US" dirty="0" smtClean="0">
-              <a:solidFill>
-                <a:srgbClr val="C4261D"/>
-              </a:solidFill>
-            </a:endParaRPr>
-          </a:p>
-        </p:txBody>
-      </p:sp>
-      <p:sp>
-        <p:nvSpPr>
-          <p:cNvPr id="77" name="TextBox 76"/>
-          <p:cNvSpPr txBox="1"/>
-          <p:nvPr/>
-        </p:nvSpPr>
-        <p:spPr>
-          <a:xfrm>
-            <a:off x="434670" y="174412"/>
-            <a:ext cx="3600666" cy="430887"/>
-          </a:xfrm>
-          <a:prstGeom prst="rect">
-            <a:avLst/>
-          </a:prstGeom>
-          <a:noFill/>
-        </p:spPr>
-        <p:txBody>
-          <a:bodyPr wrap="none" rtlCol="0">
-            <a:spAutoFit/>
-          </a:bodyPr>
-          <a:lstStyle/>
-          <a:p>
-            <a:r>
-              <a:rPr lang="zh-CN" altLang="en-US" sz="2200" dirty="0">
-                <a:solidFill>
-                  <a:srgbClr val="C2C1C1">
-                    <a:lumMod val="20000"/>
-                    <a:lumOff val="80000"/>
-                  </a:srgbClr>
-                </a:solidFill>
-                <a:latin typeface="微软雅黑"/>
-                <a:ea typeface="微软雅黑"/>
-              </a:rPr>
-              <a:t>其他</a:t>
-            </a:r>
-            <a:r>
-              <a:rPr lang="en-US" altLang="zh-CN" sz="2200" dirty="0">
-                <a:solidFill>
-                  <a:srgbClr val="C2C1C1">
-                    <a:lumMod val="20000"/>
-                    <a:lumOff val="80000"/>
-                  </a:srgbClr>
-                </a:solidFill>
-                <a:latin typeface="微软雅黑"/>
-                <a:ea typeface="微软雅黑"/>
-              </a:rPr>
-              <a:t>IO</a:t>
-            </a:r>
-            <a:r>
-              <a:rPr lang="zh-CN" altLang="en-US" sz="2200" dirty="0">
-                <a:solidFill>
-                  <a:srgbClr val="C2C1C1">
-                    <a:lumMod val="20000"/>
-                    <a:lumOff val="80000"/>
-                  </a:srgbClr>
-                </a:solidFill>
-                <a:latin typeface="微软雅黑"/>
-                <a:ea typeface="微软雅黑"/>
-              </a:rPr>
-              <a:t>流及装饰模式的应用</a:t>
-            </a:r>
-            <a:endParaRPr lang="zh-CN" altLang="en-US" sz="2200" dirty="0" smtClean="0">
-              <a:solidFill>
-                <a:srgbClr val="C2C1C1">
-                  <a:lumMod val="20000"/>
-                  <a:lumOff val="80000"/>
-                </a:srgbClr>
-              </a:solidFill>
-              <a:latin typeface="微软雅黑"/>
-              <a:ea typeface="微软雅黑"/>
-            </a:endParaRPr>
-          </a:p>
-        </p:txBody>
-      </p:sp>
-      <p:sp>
-        <p:nvSpPr>
-          <p:cNvPr id="27" name="矩形 26"/>
-          <p:cNvSpPr/>
-          <p:nvPr/>
-        </p:nvSpPr>
-        <p:spPr bwMode="auto">
-          <a:xfrm>
-            <a:off x="0" y="238581"/>
-            <a:ext cx="409749" cy="333328"/>
-          </a:xfrm>
-          <a:prstGeom prst="rect">
-            <a:avLst/>
-          </a:prstGeom>
-          <a:solidFill>
-            <a:schemeClr val="bg1"/>
-          </a:solidFill>
-          <a:ln w="9525" cap="flat" cmpd="sng" algn="ctr">
-            <a:noFill/>
-            <a:prstDash val="solid"/>
-            <a:round/>
-            <a:headEnd type="none" w="med" len="med"/>
-            <a:tailEnd type="none" w="med" len="med"/>
-          </a:ln>
-          <a:effectLst/>
-          <a:extLst/>
-        </p:spPr>
-        <p:txBody>
-          <a:bodyPr vert="horz" wrap="square" lIns="91440" tIns="45720" rIns="91440" bIns="45720" numCol="1" rtlCol="0" anchor="t" anchorCtr="0" compatLnSpc="1">
-            <a:prstTxWarp prst="textNoShape">
-              <a:avLst/>
-            </a:prstTxWarp>
-          </a:bodyPr>
-          <a:lstStyle/>
-          <a:p>
-            <a:endParaRPr lang="zh-CN" altLang="en-US" smtClean="0">
-              <a:solidFill>
-                <a:srgbClr val="C4261D"/>
-              </a:solidFill>
-            </a:endParaRPr>
-          </a:p>
-        </p:txBody>
-      </p:sp>
-      <p:sp>
-        <p:nvSpPr>
-          <p:cNvPr id="6" name="矩形 5"/>
-          <p:cNvSpPr/>
-          <p:nvPr/>
-        </p:nvSpPr>
-        <p:spPr>
-          <a:xfrm>
-            <a:off x="761459" y="3045060"/>
-            <a:ext cx="4006225" cy="646331"/>
-          </a:xfrm>
-          <a:prstGeom prst="rect">
-            <a:avLst/>
-          </a:prstGeom>
-          <a:noFill/>
-        </p:spPr>
-        <p:txBody>
-          <a:bodyPr wrap="none" lIns="91440" tIns="45720" rIns="91440" bIns="45720">
-            <a:spAutoFit/>
-          </a:bodyPr>
-          <a:lstStyle/>
-          <a:p>
-            <a:pPr algn="ctr"/>
-            <a:r>
-              <a:rPr lang="en-US" altLang="zh-CN" sz="3600" b="1" dirty="0" err="1" smtClean="0">
-                <a:ln w="12700">
-                  <a:solidFill>
-                    <a:srgbClr val="4D4D4D">
-                      <a:satMod val="155000"/>
-                    </a:srgbClr>
-                  </a:solidFill>
-                  <a:prstDash val="solid"/>
-                </a:ln>
-                <a:solidFill>
-                  <a:srgbClr val="C2C1C1">
-                    <a:tint val="85000"/>
-                    <a:satMod val="155000"/>
-                  </a:srgbClr>
-                </a:solidFill>
-                <a:effectLst>
-                  <a:outerShdw blurRad="41275" dist="20320" dir="1800000" algn="tl" rotWithShape="0">
-                    <a:srgbClr val="000000">
-                      <a:alpha val="40000"/>
-                    </a:srgbClr>
-                  </a:outerShdw>
-                </a:effectLst>
-              </a:rPr>
-              <a:t>CharArrayReader</a:t>
-            </a:r>
-            <a:endParaRPr lang="zh-CN" altLang="en-US" sz="3600" b="1" dirty="0">
-              <a:ln w="12700">
-                <a:solidFill>
-                  <a:srgbClr val="4D4D4D">
-                    <a:satMod val="155000"/>
-                  </a:srgbClr>
-                </a:solidFill>
-                <a:prstDash val="solid"/>
-              </a:ln>
-              <a:solidFill>
-                <a:srgbClr val="C2C1C1">
-                  <a:tint val="85000"/>
-                  <a:satMod val="155000"/>
-                </a:srgbClr>
-              </a:solidFill>
-              <a:effectLst>
-                <a:outerShdw blurRad="41275" dist="20320" dir="1800000" algn="tl" rotWithShape="0">
-                  <a:srgbClr val="000000">
-                    <a:alpha val="40000"/>
-                  </a:srgbClr>
-                </a:outerShdw>
-              </a:effectLst>
-            </a:endParaRPr>
-          </a:p>
-        </p:txBody>
-      </p:sp>
-      <p:sp>
-        <p:nvSpPr>
-          <p:cNvPr id="7" name="矩形 6"/>
-          <p:cNvSpPr/>
-          <p:nvPr/>
-        </p:nvSpPr>
-        <p:spPr>
-          <a:xfrm>
-            <a:off x="2047708" y="971616"/>
-            <a:ext cx="8185254" cy="646331"/>
-          </a:xfrm>
-          <a:prstGeom prst="rect">
-            <a:avLst/>
-          </a:prstGeom>
-          <a:noFill/>
-        </p:spPr>
-        <p:txBody>
-          <a:bodyPr wrap="none" lIns="91440" tIns="45720" rIns="91440" bIns="45720">
-            <a:spAutoFit/>
-          </a:bodyPr>
-          <a:lstStyle/>
-          <a:p>
-            <a:pPr algn="ctr"/>
-            <a:r>
-              <a:rPr lang="zh-CN" altLang="en-US" sz="3600" b="1" dirty="0">
-                <a:ln w="12700">
-                  <a:solidFill>
-                    <a:srgbClr val="4D4D4D">
-                      <a:satMod val="155000"/>
-                    </a:srgbClr>
-                  </a:solidFill>
-                  <a:prstDash val="solid"/>
-                </a:ln>
-                <a:solidFill>
-                  <a:srgbClr val="C2C1C1">
-                    <a:tint val="85000"/>
-                    <a:satMod val="155000"/>
-                  </a:srgbClr>
-                </a:solidFill>
-                <a:effectLst>
-                  <a:outerShdw blurRad="41275" dist="20320" dir="1800000" algn="tl" rotWithShape="0">
-                    <a:srgbClr val="000000">
-                      <a:alpha val="40000"/>
-                    </a:srgbClr>
-                  </a:outerShdw>
-                </a:effectLst>
-              </a:rPr>
-              <a:t>字符</a:t>
-            </a:r>
-            <a:r>
-              <a:rPr lang="zh-CN" altLang="en-US" sz="3600" b="1" dirty="0" smtClean="0">
-                <a:ln w="12700">
-                  <a:solidFill>
-                    <a:srgbClr val="4D4D4D">
-                      <a:satMod val="155000"/>
-                    </a:srgbClr>
-                  </a:solidFill>
-                  <a:prstDash val="solid"/>
-                </a:ln>
-                <a:solidFill>
-                  <a:srgbClr val="C2C1C1">
-                    <a:tint val="85000"/>
-                    <a:satMod val="155000"/>
-                  </a:srgbClr>
-                </a:solidFill>
-                <a:effectLst>
-                  <a:outerShdw blurRad="41275" dist="20320" dir="1800000" algn="tl" rotWithShape="0">
-                    <a:srgbClr val="000000">
-                      <a:alpha val="40000"/>
-                    </a:srgbClr>
-                  </a:outerShdw>
-                </a:effectLst>
-              </a:rPr>
-              <a:t>数组</a:t>
-            </a:r>
-            <a:r>
-              <a:rPr lang="zh-CN" altLang="en-US" sz="3600" b="1" dirty="0" smtClean="0">
-                <a:ln w="12700">
-                  <a:solidFill>
-                    <a:srgbClr val="4D4D4D">
-                      <a:satMod val="155000"/>
-                    </a:srgbClr>
-                  </a:solidFill>
-                  <a:prstDash val="solid"/>
-                </a:ln>
-                <a:solidFill>
-                  <a:srgbClr val="C2C1C1">
-                    <a:tint val="85000"/>
-                    <a:satMod val="155000"/>
-                  </a:srgbClr>
-                </a:solidFill>
-                <a:effectLst>
-                  <a:outerShdw blurRad="41275" dist="20320" dir="1800000" algn="tl" rotWithShape="0">
-                    <a:srgbClr val="000000">
-                      <a:alpha val="40000"/>
-                    </a:srgbClr>
-                  </a:outerShdw>
-                </a:effectLst>
-              </a:rPr>
-              <a:t>输入流</a:t>
-            </a:r>
-            <a:r>
-              <a:rPr lang="zh-CN" altLang="en-US" sz="3600" b="1" dirty="0" smtClean="0">
-                <a:ln w="12700">
-                  <a:solidFill>
-                    <a:srgbClr val="4D4D4D">
-                      <a:satMod val="155000"/>
-                    </a:srgbClr>
-                  </a:solidFill>
-                  <a:prstDash val="solid"/>
-                </a:ln>
-                <a:solidFill>
-                  <a:srgbClr val="C2C1C1">
-                    <a:tint val="85000"/>
-                    <a:satMod val="155000"/>
-                  </a:srgbClr>
-                </a:solidFill>
-                <a:effectLst>
-                  <a:outerShdw blurRad="41275" dist="20320" dir="1800000" algn="tl" rotWithShape="0">
-                    <a:srgbClr val="000000">
-                      <a:alpha val="40000"/>
-                    </a:srgbClr>
-                  </a:outerShdw>
-                </a:effectLst>
-              </a:rPr>
-              <a:t>与</a:t>
-            </a:r>
-            <a:r>
-              <a:rPr lang="zh-CN" altLang="en-US" sz="3600" b="1" dirty="0">
-                <a:ln w="12700">
-                  <a:solidFill>
-                    <a:srgbClr val="4D4D4D">
-                      <a:satMod val="155000"/>
-                    </a:srgbClr>
-                  </a:solidFill>
-                  <a:prstDash val="solid"/>
-                </a:ln>
-                <a:solidFill>
-                  <a:srgbClr val="C2C1C1">
-                    <a:tint val="85000"/>
-                    <a:satMod val="155000"/>
-                  </a:srgbClr>
-                </a:solidFill>
-                <a:effectLst>
-                  <a:outerShdw blurRad="41275" dist="20320" dir="1800000" algn="tl" rotWithShape="0">
-                    <a:srgbClr val="000000">
-                      <a:alpha val="40000"/>
-                    </a:srgbClr>
-                  </a:outerShdw>
-                </a:effectLst>
-              </a:rPr>
-              <a:t>字符</a:t>
-            </a:r>
-            <a:r>
-              <a:rPr lang="zh-CN" altLang="en-US" sz="3600" b="1" dirty="0" smtClean="0">
-                <a:ln w="12700">
-                  <a:solidFill>
-                    <a:srgbClr val="4D4D4D">
-                      <a:satMod val="155000"/>
-                    </a:srgbClr>
-                  </a:solidFill>
-                  <a:prstDash val="solid"/>
-                </a:ln>
-                <a:solidFill>
-                  <a:srgbClr val="C2C1C1">
-                    <a:tint val="85000"/>
-                    <a:satMod val="155000"/>
-                  </a:srgbClr>
-                </a:solidFill>
-                <a:effectLst>
-                  <a:outerShdw blurRad="41275" dist="20320" dir="1800000" algn="tl" rotWithShape="0">
-                    <a:srgbClr val="000000">
-                      <a:alpha val="40000"/>
-                    </a:srgbClr>
-                  </a:outerShdw>
-                </a:effectLst>
-              </a:rPr>
-              <a:t>数组</a:t>
-            </a:r>
-            <a:r>
-              <a:rPr lang="zh-CN" altLang="en-US" sz="3600" b="1" dirty="0" smtClean="0">
-                <a:ln w="12700">
-                  <a:solidFill>
-                    <a:srgbClr val="4D4D4D">
-                      <a:satMod val="155000"/>
-                    </a:srgbClr>
-                  </a:solidFill>
-                  <a:prstDash val="solid"/>
-                </a:ln>
-                <a:solidFill>
-                  <a:srgbClr val="C2C1C1">
-                    <a:tint val="85000"/>
-                    <a:satMod val="155000"/>
-                  </a:srgbClr>
-                </a:solidFill>
-                <a:effectLst>
-                  <a:outerShdw blurRad="41275" dist="20320" dir="1800000" algn="tl" rotWithShape="0">
-                    <a:srgbClr val="000000">
-                      <a:alpha val="40000"/>
-                    </a:srgbClr>
-                  </a:outerShdw>
-                </a:effectLst>
-              </a:rPr>
-              <a:t>输出流</a:t>
-            </a:r>
-            <a:r>
-              <a:rPr lang="en-US" altLang="zh-CN" sz="3600" b="1" dirty="0" smtClean="0">
-                <a:ln w="12700">
-                  <a:solidFill>
-                    <a:srgbClr val="4D4D4D">
-                      <a:satMod val="155000"/>
-                    </a:srgbClr>
-                  </a:solidFill>
-                  <a:prstDash val="solid"/>
-                </a:ln>
-                <a:solidFill>
-                  <a:srgbClr val="C2C1C1">
-                    <a:tint val="85000"/>
-                    <a:satMod val="155000"/>
-                  </a:srgbClr>
-                </a:solidFill>
-                <a:effectLst>
-                  <a:outerShdw blurRad="41275" dist="20320" dir="1800000" algn="tl" rotWithShape="0">
-                    <a:srgbClr val="000000">
-                      <a:alpha val="40000"/>
-                    </a:srgbClr>
-                  </a:outerShdw>
-                </a:effectLst>
-              </a:rPr>
-              <a:t>p308</a:t>
-            </a:r>
-            <a:endParaRPr lang="zh-CN" altLang="en-US" sz="3600" b="1" dirty="0">
-              <a:ln w="12700">
-                <a:solidFill>
-                  <a:srgbClr val="4D4D4D">
-                    <a:satMod val="155000"/>
-                  </a:srgbClr>
-                </a:solidFill>
-                <a:prstDash val="solid"/>
-              </a:ln>
-              <a:solidFill>
-                <a:srgbClr val="C2C1C1">
-                  <a:tint val="85000"/>
-                  <a:satMod val="155000"/>
-                </a:srgbClr>
-              </a:solidFill>
-              <a:effectLst>
-                <a:outerShdw blurRad="41275" dist="20320" dir="1800000" algn="tl" rotWithShape="0">
-                  <a:srgbClr val="000000">
-                    <a:alpha val="40000"/>
-                  </a:srgbClr>
-                </a:outerShdw>
-              </a:effectLst>
-            </a:endParaRPr>
-          </a:p>
-        </p:txBody>
-      </p:sp>
-      <p:sp>
-        <p:nvSpPr>
-          <p:cNvPr id="8" name="矩形 7"/>
-          <p:cNvSpPr/>
-          <p:nvPr/>
-        </p:nvSpPr>
-        <p:spPr>
-          <a:xfrm>
-            <a:off x="7385423" y="3017891"/>
-            <a:ext cx="3767058" cy="646331"/>
-          </a:xfrm>
-          <a:prstGeom prst="rect">
-            <a:avLst/>
-          </a:prstGeom>
-          <a:noFill/>
-        </p:spPr>
-        <p:txBody>
-          <a:bodyPr wrap="none" lIns="91440" tIns="45720" rIns="91440" bIns="45720">
-            <a:spAutoFit/>
-          </a:bodyPr>
-          <a:lstStyle/>
-          <a:p>
-            <a:pPr algn="ctr"/>
-            <a:r>
-              <a:rPr lang="en-US" altLang="zh-CN" sz="3600" b="1" dirty="0" err="1" smtClean="0">
-                <a:ln w="12700">
-                  <a:solidFill>
-                    <a:srgbClr val="4D4D4D">
-                      <a:satMod val="155000"/>
-                    </a:srgbClr>
-                  </a:solidFill>
-                  <a:prstDash val="solid"/>
-                </a:ln>
-                <a:solidFill>
-                  <a:srgbClr val="C2C1C1">
-                    <a:tint val="85000"/>
-                    <a:satMod val="155000"/>
-                  </a:srgbClr>
-                </a:solidFill>
-                <a:effectLst>
-                  <a:outerShdw blurRad="41275" dist="20320" dir="1800000" algn="tl" rotWithShape="0">
-                    <a:srgbClr val="000000">
-                      <a:alpha val="40000"/>
-                    </a:srgbClr>
-                  </a:outerShdw>
-                </a:effectLst>
-              </a:rPr>
-              <a:t>CharArrayWriter</a:t>
-            </a:r>
-            <a:endParaRPr lang="zh-CN" altLang="en-US" sz="3600" b="1" dirty="0">
-              <a:ln w="12700">
-                <a:solidFill>
-                  <a:srgbClr val="4D4D4D">
-                    <a:satMod val="155000"/>
-                  </a:srgbClr>
-                </a:solidFill>
-                <a:prstDash val="solid"/>
-              </a:ln>
-              <a:solidFill>
-                <a:srgbClr val="C2C1C1">
-                  <a:tint val="85000"/>
-                  <a:satMod val="155000"/>
-                </a:srgbClr>
-              </a:solidFill>
-              <a:effectLst>
-                <a:outerShdw blurRad="41275" dist="20320" dir="1800000" algn="tl" rotWithShape="0">
-                  <a:srgbClr val="000000">
-                    <a:alpha val="40000"/>
-                  </a:srgbClr>
-                </a:outerShdw>
-              </a:effectLst>
-            </a:endParaRPr>
-          </a:p>
-        </p:txBody>
-      </p:sp>
-    </p:spTree>
-    <p:extLst>
-      <p:ext uri="{BB962C8B-B14F-4D97-AF65-F5344CB8AC3E}">
-        <p14:creationId xmlns:p14="http://schemas.microsoft.com/office/powerpoint/2010/main" val="2816436049"/>
-      </p:ext>
-    </p:extLst>
-  </p:cSld>
-  <p:clrMapOvr>
-    <a:masterClrMapping/>
-  </p:clrMapOvr>
-  <p:transition spd="slow" advTm="7876">
-    <p:wipe/>
-  </p:transition>
-  <p:timing>
-    <p:tnLst>
-      <p:par>
-        <p:cTn id="1" dur="indefinite" restart="never" nodeType="tmRoot">
-          <p:childTnLst>
-            <p:seq concurrent="1" nextAc="seek">
-              <p:cTn id="2" dur="indefinite" nodeType="mainSeq">
-                <p:childTnLst>
-                  <p:par>
-                    <p:cTn id="3" fill="hold">
-                      <p:stCondLst>
-                        <p:cond delay="indefinite"/>
-                        <p:cond evt="onBegin" delay="0">
-                          <p:tn val="2"/>
-                        </p:cond>
-                      </p:stCondLst>
-                      <p:childTnLst>
-                        <p:par>
-                          <p:cTn id="4" fill="hold">
-                            <p:stCondLst>
-                              <p:cond delay="0"/>
-                            </p:stCondLst>
-                            <p:childTnLst>
-                              <p:par>
-                                <p:cTn id="5" presetID="2" presetClass="entr" presetSubtype="8" fill="hold" grpId="0" nodeType="afterEffect">
-                                  <p:stCondLst>
-                                    <p:cond delay="0"/>
-                                  </p:stCondLst>
-                                  <p:childTnLst>
-                                    <p:set>
-                                      <p:cBhvr>
-                                        <p:cTn id="6" dur="1" fill="hold">
-                                          <p:stCondLst>
-                                            <p:cond delay="0"/>
-                                          </p:stCondLst>
-                                        </p:cTn>
-                                        <p:tgtEl>
-                                          <p:spTgt spid="27"/>
-                                        </p:tgtEl>
-                                        <p:attrNameLst>
-                                          <p:attrName>style.visibility</p:attrName>
-                                        </p:attrNameLst>
-                                      </p:cBhvr>
-                                      <p:to>
-                                        <p:strVal val="visible"/>
-                                      </p:to>
-                                    </p:set>
-                                    <p:anim calcmode="lin" valueType="num">
-                                      <p:cBhvr additive="base">
-                                        <p:cTn id="7" dur="300" fill="hold"/>
-                                        <p:tgtEl>
-                                          <p:spTgt spid="27"/>
-                                        </p:tgtEl>
-                                        <p:attrNameLst>
-                                          <p:attrName>ppt_x</p:attrName>
-                                        </p:attrNameLst>
-                                      </p:cBhvr>
-                                      <p:tavLst>
-                                        <p:tav tm="0">
-                                          <p:val>
-                                            <p:strVal val="0-#ppt_w/2"/>
-                                          </p:val>
-                                        </p:tav>
-                                        <p:tav tm="100000">
-                                          <p:val>
-                                            <p:strVal val="#ppt_x"/>
-                                          </p:val>
-                                        </p:tav>
-                                      </p:tavLst>
-                                    </p:anim>
-                                    <p:anim calcmode="lin" valueType="num">
-                                      <p:cBhvr additive="base">
-                                        <p:cTn id="8" dur="300" fill="hold"/>
-                                        <p:tgtEl>
-                                          <p:spTgt spid="27"/>
-                                        </p:tgtEl>
-                                        <p:attrNameLst>
-                                          <p:attrName>ppt_y</p:attrName>
-                                        </p:attrNameLst>
-                                      </p:cBhvr>
-                                      <p:tavLst>
-                                        <p:tav tm="0">
-                                          <p:val>
-                                            <p:strVal val="#ppt_y"/>
-                                          </p:val>
-                                        </p:tav>
-                                        <p:tav tm="100000">
-                                          <p:val>
-                                            <p:strVal val="#ppt_y"/>
-                                          </p:val>
-                                        </p:tav>
-                                      </p:tavLst>
-                                    </p:anim>
-                                  </p:childTnLst>
-                                </p:cTn>
-                              </p:par>
-                            </p:childTnLst>
-                          </p:cTn>
-                        </p:par>
-                        <p:par>
-                          <p:cTn id="9" fill="hold">
-                            <p:stCondLst>
-                              <p:cond delay="300"/>
-                            </p:stCondLst>
-                            <p:childTnLst>
-                              <p:par>
-                                <p:cTn id="10" presetID="41" presetClass="entr" presetSubtype="0" fill="hold" grpId="0" nodeType="afterEffect">
-                                  <p:stCondLst>
-                                    <p:cond delay="0"/>
-                                  </p:stCondLst>
-                                  <p:iterate type="lt">
-                                    <p:tmPct val="10000"/>
-                                  </p:iterate>
-                                  <p:childTnLst>
-                                    <p:set>
-                                      <p:cBhvr>
-                                        <p:cTn id="11" dur="1" fill="hold">
-                                          <p:stCondLst>
-                                            <p:cond delay="0"/>
-                                          </p:stCondLst>
-                                        </p:cTn>
-                                        <p:tgtEl>
-                                          <p:spTgt spid="77"/>
-                                        </p:tgtEl>
-                                        <p:attrNameLst>
-                                          <p:attrName>style.visibility</p:attrName>
-                                        </p:attrNameLst>
-                                      </p:cBhvr>
-                                      <p:to>
-                                        <p:strVal val="visible"/>
-                                      </p:to>
-                                    </p:set>
-                                    <p:anim calcmode="lin" valueType="num">
-                                      <p:cBhvr>
-                                        <p:cTn id="12" dur="400" fill="hold"/>
-                                        <p:tgtEl>
-                                          <p:spTgt spid="77"/>
-                                        </p:tgtEl>
-                                        <p:attrNameLst>
-                                          <p:attrName>ppt_x</p:attrName>
-                                        </p:attrNameLst>
-                                      </p:cBhvr>
-                                      <p:tavLst>
-                                        <p:tav tm="0">
-                                          <p:val>
-                                            <p:strVal val="#ppt_x"/>
-                                          </p:val>
-                                        </p:tav>
-                                        <p:tav tm="50000">
-                                          <p:val>
-                                            <p:strVal val="#ppt_x+.1"/>
-                                          </p:val>
-                                        </p:tav>
-                                        <p:tav tm="100000">
-                                          <p:val>
-                                            <p:strVal val="#ppt_x"/>
-                                          </p:val>
-                                        </p:tav>
-                                      </p:tavLst>
-                                    </p:anim>
-                                    <p:anim calcmode="lin" valueType="num">
-                                      <p:cBhvr>
-                                        <p:cTn id="13" dur="400" fill="hold"/>
-                                        <p:tgtEl>
-                                          <p:spTgt spid="77"/>
-                                        </p:tgtEl>
-                                        <p:attrNameLst>
-                                          <p:attrName>ppt_y</p:attrName>
-                                        </p:attrNameLst>
-                                      </p:cBhvr>
-                                      <p:tavLst>
-                                        <p:tav tm="0">
-                                          <p:val>
-                                            <p:strVal val="#ppt_y"/>
-                                          </p:val>
-                                        </p:tav>
-                                        <p:tav tm="100000">
-                                          <p:val>
-                                            <p:strVal val="#ppt_y"/>
-                                          </p:val>
-                                        </p:tav>
-                                      </p:tavLst>
-                                    </p:anim>
-                                    <p:anim calcmode="lin" valueType="num">
-                                      <p:cBhvr>
-                                        <p:cTn id="14" dur="400" fill="hold"/>
-                                        <p:tgtEl>
-                                          <p:spTgt spid="77"/>
-                                        </p:tgtEl>
-                                        <p:attrNameLst>
-                                          <p:attrName>ppt_h</p:attrName>
-                                        </p:attrNameLst>
-                                      </p:cBhvr>
-                                      <p:tavLst>
-                                        <p:tav tm="0">
-                                          <p:val>
-                                            <p:strVal val="#ppt_h/10"/>
-                                          </p:val>
-                                        </p:tav>
-                                        <p:tav tm="50000">
-                                          <p:val>
-                                            <p:strVal val="#ppt_h+.01"/>
-                                          </p:val>
-                                        </p:tav>
-                                        <p:tav tm="100000">
-                                          <p:val>
-                                            <p:strVal val="#ppt_h"/>
-                                          </p:val>
-                                        </p:tav>
-                                      </p:tavLst>
-                                    </p:anim>
-                                    <p:anim calcmode="lin" valueType="num">
-                                      <p:cBhvr>
-                                        <p:cTn id="15" dur="400" fill="hold"/>
-                                        <p:tgtEl>
-                                          <p:spTgt spid="77"/>
-                                        </p:tgtEl>
-                                        <p:attrNameLst>
-                                          <p:attrName>ppt_w</p:attrName>
-                                        </p:attrNameLst>
-                                      </p:cBhvr>
-                                      <p:tavLst>
-                                        <p:tav tm="0">
-                                          <p:val>
-                                            <p:strVal val="#ppt_w/10"/>
-                                          </p:val>
-                                        </p:tav>
-                                        <p:tav tm="50000">
-                                          <p:val>
-                                            <p:strVal val="#ppt_w+.01"/>
-                                          </p:val>
-                                        </p:tav>
-                                        <p:tav tm="100000">
-                                          <p:val>
-                                            <p:strVal val="#ppt_w"/>
-                                          </p:val>
-                                        </p:tav>
-                                      </p:tavLst>
-                                    </p:anim>
-                                    <p:animEffect transition="in" filter="fade">
-                                      <p:cBhvr>
-                                        <p:cTn id="16" dur="400" tmFilter="0,0; .5, 1; 1, 1"/>
-                                        <p:tgtEl>
-                                          <p:spTgt spid="77"/>
-                                        </p:tgtEl>
-                                      </p:cBhvr>
-                                    </p:animEffect>
-                                  </p:childTnLst>
-                                </p:cTn>
-                              </p:par>
-                            </p:childTnLst>
-                          </p:cTn>
-                        </p:par>
-                      </p:childTnLst>
-                    </p:cTn>
-                  </p:par>
-                </p:childTnLst>
-              </p:cTn>
-              <p:prevCondLst>
-                <p:cond evt="onPrev" delay="0">
-                  <p:tgtEl>
-                    <p:sldTgt/>
-                  </p:tgtEl>
-                </p:cond>
-              </p:prevCondLst>
-              <p:nextCondLst>
-                <p:cond evt="onNext" delay="0">
-                  <p:tgtEl>
-                    <p:sldTgt/>
-                  </p:tgtEl>
-                </p:cond>
-              </p:nextCondLst>
-            </p:seq>
-          </p:childTnLst>
-        </p:cTn>
-      </p:par>
-    </p:tnLst>
-    <p:bldLst>
-      <p:bldP spid="77" grpId="0"/>
       <p:bldP spid="27" grpId="0" animBg="1"/>
     </p:bldLst>
   </p:timing>

--- a/PPT/每次课PPT/12 IO（输入输出）-2.pptx
+++ b/PPT/每次课PPT/12 IO（输入输出）-2.pptx
@@ -15371,20 +15371,7 @@
                 <a:latin typeface="微软雅黑"/>
                 <a:ea typeface="微软雅黑"/>
               </a:rPr>
-              <a:t>遍历</a:t>
-            </a:r>
-            <a:r>
-              <a:rPr lang="zh-CN" altLang="en-US" sz="2200" smtClean="0">
-                <a:solidFill>
-                  <a:srgbClr val="C2C1C1">
-                    <a:lumMod val="20000"/>
-                    <a:lumOff val="80000"/>
-                  </a:srgbClr>
-                </a:solidFill>
-                <a:latin typeface="微软雅黑"/>
-                <a:ea typeface="微软雅黑"/>
-              </a:rPr>
-              <a:t>文件夹中指定类型的文件（如</a:t>
+              <a:t>遍历文件夹中指定类型的文件（如</a:t>
             </a:r>
             <a:r>
               <a:rPr lang="en-US" altLang="zh-CN" sz="2200" smtClean="0">
@@ -19250,33 +19237,7 @@
                 <a:latin typeface="微软雅黑"/>
                 <a:ea typeface="微软雅黑"/>
               </a:rPr>
-              <a:t>递归</a:t>
-            </a:r>
-            <a:r>
-              <a:rPr lang="zh-CN" altLang="en-US" sz="2200" smtClean="0">
-                <a:solidFill>
-                  <a:srgbClr val="C2C1C1">
-                    <a:lumMod val="20000"/>
-                    <a:lumOff val="80000"/>
-                  </a:srgbClr>
-                </a:solidFill>
-                <a:latin typeface="微软雅黑"/>
-                <a:ea typeface="微软雅黑"/>
-              </a:rPr>
-              <a:t>遍历</a:t>
-            </a:r>
-            <a:r>
-              <a:rPr lang="zh-CN" altLang="en-US" sz="2200" smtClean="0">
-                <a:solidFill>
-                  <a:srgbClr val="C2C1C1">
-                    <a:lumMod val="20000"/>
-                    <a:lumOff val="80000"/>
-                  </a:srgbClr>
-                </a:solidFill>
-                <a:latin typeface="微软雅黑"/>
-                <a:ea typeface="微软雅黑"/>
-              </a:rPr>
-              <a:t>文件夹并删除</a:t>
+              <a:t>递归遍历文件夹并删除</a:t>
             </a:r>
             <a:endParaRPr lang="zh-CN" altLang="en-US" sz="2200" dirty="0">
               <a:solidFill>
@@ -29182,7 +29143,7 @@
         </p:nvSpPr>
         <p:spPr>
           <a:xfrm>
-            <a:off x="0" y="2278613"/>
+            <a:off x="194702" y="4795274"/>
             <a:ext cx="3877986" cy="646331"/>
           </a:xfrm>
           <a:prstGeom prst="rect">
@@ -29358,7 +29319,7 @@
         </p:nvSpPr>
         <p:spPr>
           <a:xfrm>
-            <a:off x="0" y="4437111"/>
+            <a:off x="20717" y="2128630"/>
             <a:ext cx="4262705" cy="646331"/>
           </a:xfrm>
           <a:prstGeom prst="rect">
@@ -30556,7 +30517,7 @@
       </p:sp>
       <p:pic>
         <p:nvPicPr>
-          <p:cNvPr id="5122" name="Picture 2"/>
+          <p:cNvPr id="1026" name="Picture 2"/>
           <p:cNvPicPr>
             <a:picLocks noChangeAspect="1" noChangeArrowheads="1"/>
           </p:cNvPicPr>
@@ -30577,8 +30538,8 @@
         </p:blipFill>
         <p:spPr bwMode="auto">
           <a:xfrm>
-            <a:off x="483363" y="2924944"/>
-            <a:ext cx="7446963" cy="2971800"/>
+            <a:off x="913805" y="2852936"/>
+            <a:ext cx="7324725" cy="2981325"/>
           </a:xfrm>
           <a:prstGeom prst="rect">
             <a:avLst/>
